--- a/presentation/Inequality by Demographic Factors_V3.pptx
+++ b/presentation/Inequality by Demographic Factors_V3.pptx
@@ -254,7 +254,7 @@
           <a:p>
             <a:fld id="{EFA0D184-D464-48E9-9CA0-A94E873F6C2C}" type="datetimeFigureOut">
               <a:rPr lang="de-CH" smtClean="0"/>
-              <a:t>25.09.2014</a:t>
+              <a:t>26.09.2014</a:t>
             </a:fld>
             <a:endParaRPr lang="de-CH"/>
           </a:p>
@@ -419,7 +419,7 @@
           <a:p>
             <a:fld id="{5AF2B663-2BA9-4D7E-8201-5DE4109E1EDD}" type="datetimeFigureOut">
               <a:rPr lang="de-CH" smtClean="0"/>
-              <a:t>25.09.2014</a:t>
+              <a:t>26.09.2014</a:t>
             </a:fld>
             <a:endParaRPr lang="de-CH"/>
           </a:p>
@@ -9879,7 +9879,7 @@
           <a:graphicData uri="http://schemas.openxmlformats.org/presentationml/2006/ole">
             <mc:AlternateContent xmlns:mc="http://schemas.openxmlformats.org/markup-compatibility/2006">
               <mc:Choice xmlns:v="urn:schemas-microsoft-com:vml" Requires="v">
-                <p:oleObj spid="_x0000_s2050" name="Worksheet" r:id="rId4" imgW="6029367" imgH="2533785" progId="Excel.Sheet.12">
+                <p:oleObj spid="_x0000_s2052" name="Worksheet" r:id="rId4" imgW="6029367" imgH="2533785" progId="Excel.Sheet.12">
                   <p:embed/>
                 </p:oleObj>
               </mc:Choice>
@@ -10430,25 +10430,25 @@
           <p:nvPr>
             <p:extLst>
               <p:ext uri="{D42A27DB-BD31-4B8C-83A1-F6EECF244321}">
-                <p14:modId xmlns:p14="http://schemas.microsoft.com/office/powerpoint/2010/main" val="3112114330"/>
+                <p14:modId xmlns:p14="http://schemas.microsoft.com/office/powerpoint/2010/main" val="2039216076"/>
               </p:ext>
             </p:extLst>
           </p:nvPr>
         </p:nvGraphicFramePr>
         <p:xfrm>
           <a:off x="1557338" y="1928813"/>
-          <a:ext cx="6029325" cy="3000375"/>
+          <a:ext cx="6029325" cy="2562225"/>
         </p:xfrm>
         <a:graphic>
           <a:graphicData uri="http://schemas.openxmlformats.org/presentationml/2006/ole">
             <mc:AlternateContent xmlns:mc="http://schemas.openxmlformats.org/markup-compatibility/2006">
               <mc:Choice xmlns:v="urn:schemas-microsoft-com:vml" Requires="v">
-                <p:oleObj spid="_x0000_s3074" name="Worksheet" r:id="rId4" imgW="6029367" imgH="3000443" progId="Excel.Sheet.12">
+                <p:oleObj spid="_x0000_s3076" name="Worksheet" r:id="rId4" imgW="6029367" imgH="2562157" progId="Excel.Sheet.12">
                   <p:embed/>
                 </p:oleObj>
               </mc:Choice>
               <mc:Fallback>
-                <p:oleObj name="Worksheet" r:id="rId4" imgW="6029367" imgH="3000443" progId="Excel.Sheet.12">
+                <p:oleObj name="Worksheet" r:id="rId4" imgW="6029367" imgH="2562157" progId="Excel.Sheet.12">
                   <p:embed/>
                   <p:pic>
                     <p:nvPicPr>
@@ -10465,7 +10465,7 @@
                     <p:spPr>
                       <a:xfrm>
                         <a:off x="1557338" y="1928813"/>
-                        <a:ext cx="6029325" cy="3000375"/>
+                        <a:ext cx="6029325" cy="2562225"/>
                       </a:xfrm>
                       <a:prstGeom prst="rect">
                         <a:avLst/>
@@ -15593,7 +15593,15 @@
             </a:r>
             <a:r>
               <a:rPr lang="de-CH" dirty="0" err="1" smtClean="0"/>
-              <a:t>Reasearchquestion</a:t>
+              <a:t>Reasearch</a:t>
+            </a:r>
+            <a:r>
+              <a:rPr lang="de-CH" dirty="0" smtClean="0"/>
+              <a:t> </a:t>
+            </a:r>
+            <a:r>
+              <a:rPr lang="de-CH" dirty="0" err="1" smtClean="0"/>
+              <a:t>Question</a:t>
             </a:r>
             <a:endParaRPr lang="de-CH" dirty="0"/>
           </a:p>
@@ -15962,8 +15970,12 @@
           <a:p>
             <a:pPr lvl="1"/>
             <a:r>
+              <a:rPr lang="de-CH" sz="1600" dirty="0" smtClean="0"/>
+              <a:t>Research </a:t>
+            </a:r>
+            <a:r>
               <a:rPr lang="de-CH" sz="1600" dirty="0" err="1" smtClean="0"/>
-              <a:t>Researchquestion</a:t>
+              <a:t>Question</a:t>
             </a:r>
             <a:r>
               <a:rPr lang="de-CH" sz="1600" dirty="0" smtClean="0"/>
@@ -16102,16 +16114,12 @@
               <a:t>household</a:t>
             </a:r>
             <a:r>
+              <a:rPr lang="de-CH" sz="1600" dirty="0" err="1" smtClean="0"/>
+              <a:t>typs</a:t>
+            </a:r>
+            <a:r>
               <a:rPr lang="de-CH" sz="1600" dirty="0" smtClean="0"/>
-              <a:t> </a:t>
-            </a:r>
-            <a:r>
-              <a:rPr lang="de-CH" sz="1600" dirty="0" err="1" smtClean="0"/>
-              <a:t>composition</a:t>
-            </a:r>
-            <a:r>
-              <a:rPr lang="de-CH" sz="1600" dirty="0" smtClean="0"/>
-              <a:t> </a:t>
+              <a:t>?</a:t>
             </a:r>
             <a:endParaRPr lang="de-CH" sz="1700" dirty="0" smtClean="0"/>
           </a:p>
@@ -17528,599 +17536,1012 @@
           </a:p>
         </p:txBody>
       </p:sp>
-      <p:sp>
-        <p:nvSpPr>
-          <p:cNvPr id="4" name="Inhaltsplatzhalter 3"/>
-          <p:cNvSpPr>
-            <a:spLocks noGrp="1"/>
-          </p:cNvSpPr>
-          <p:nvPr>
-            <p:ph sz="half" idx="13"/>
-          </p:nvPr>
-        </p:nvSpPr>
-        <p:spPr>
-          <a:xfrm>
-            <a:off x="468000" y="2160000"/>
-            <a:ext cx="8100000" cy="3960000"/>
-          </a:xfrm>
-        </p:spPr>
-        <p:txBody>
-          <a:bodyPr lIns="0" rIns="0"/>
-          <a:lstStyle/>
-          <a:p>
-            <a:pPr lvl="1"/>
-            <a:r>
-              <a:rPr lang="de-CH" dirty="0" err="1" smtClean="0"/>
-              <a:t>Theil</a:t>
-            </a:r>
-            <a:r>
-              <a:rPr lang="de-CH" dirty="0" smtClean="0"/>
-              <a:t>-Index</a:t>
-            </a:r>
-            <a:r>
-              <a:rPr lang="de-CH" dirty="0"/>
-              <a:t>, a </a:t>
-            </a:r>
-            <a:r>
-              <a:rPr lang="de-CH" dirty="0" err="1"/>
-              <a:t>inequality</a:t>
-            </a:r>
-            <a:r>
-              <a:rPr lang="de-CH" dirty="0"/>
-              <a:t> </a:t>
-            </a:r>
-            <a:r>
-              <a:rPr lang="de-CH" dirty="0" err="1"/>
-              <a:t>measure</a:t>
-            </a:r>
-            <a:r>
-              <a:rPr lang="de-CH" dirty="0"/>
-              <a:t> </a:t>
-            </a:r>
-            <a:r>
-              <a:rPr lang="de-CH" dirty="0" err="1"/>
-              <a:t>developed</a:t>
-            </a:r>
-            <a:r>
-              <a:rPr lang="de-CH" dirty="0"/>
-              <a:t> </a:t>
-            </a:r>
-            <a:r>
-              <a:rPr lang="de-CH" dirty="0" err="1"/>
-              <a:t>from</a:t>
-            </a:r>
-            <a:r>
-              <a:rPr lang="de-CH" dirty="0"/>
-              <a:t> </a:t>
-            </a:r>
-            <a:r>
-              <a:rPr lang="de-CH" dirty="0" err="1"/>
-              <a:t>information</a:t>
-            </a:r>
-            <a:r>
-              <a:rPr lang="de-CH" dirty="0"/>
-              <a:t> </a:t>
-            </a:r>
-            <a:r>
-              <a:rPr lang="de-CH" dirty="0" err="1"/>
-              <a:t>theory</a:t>
-            </a:r>
-            <a:r>
-              <a:rPr lang="de-CH" dirty="0"/>
-              <a:t>, </a:t>
-            </a:r>
-            <a:r>
-              <a:rPr lang="de-CH" dirty="0" err="1"/>
-              <a:t>is</a:t>
-            </a:r>
-            <a:r>
-              <a:rPr lang="de-CH" dirty="0"/>
-              <a:t> </a:t>
-            </a:r>
-            <a:r>
-              <a:rPr lang="de-CH" dirty="0" err="1"/>
-              <a:t>additively</a:t>
-            </a:r>
-            <a:r>
-              <a:rPr lang="de-CH" dirty="0"/>
-              <a:t> </a:t>
-            </a:r>
-            <a:r>
-              <a:rPr lang="de-CH" dirty="0" err="1"/>
-              <a:t>decomposable</a:t>
-            </a:r>
-            <a:r>
-              <a:rPr lang="de-CH" dirty="0"/>
-              <a:t> (</a:t>
-            </a:r>
-            <a:r>
-              <a:rPr lang="de-CH" dirty="0" err="1"/>
-              <a:t>gini</a:t>
-            </a:r>
-            <a:r>
-              <a:rPr lang="de-CH" dirty="0"/>
-              <a:t> </a:t>
-            </a:r>
-            <a:r>
-              <a:rPr lang="de-CH" dirty="0" err="1"/>
-              <a:t>is</a:t>
-            </a:r>
-            <a:r>
-              <a:rPr lang="de-CH" dirty="0"/>
-              <a:t> not). </a:t>
-            </a:r>
-            <a:r>
-              <a:rPr lang="de-CH" dirty="0" err="1"/>
-              <a:t>Theil</a:t>
-            </a:r>
-            <a:r>
-              <a:rPr lang="de-CH" dirty="0"/>
-              <a:t> </a:t>
-            </a:r>
-            <a:r>
-              <a:rPr lang="de-CH" dirty="0" err="1"/>
-              <a:t>can</a:t>
-            </a:r>
-            <a:r>
-              <a:rPr lang="de-CH" dirty="0"/>
-              <a:t> </a:t>
-            </a:r>
-            <a:r>
-              <a:rPr lang="de-CH" dirty="0" err="1"/>
-              <a:t>be</a:t>
-            </a:r>
-            <a:r>
-              <a:rPr lang="de-CH" dirty="0"/>
-              <a:t> </a:t>
-            </a:r>
-            <a:r>
-              <a:rPr lang="de-CH" dirty="0" err="1"/>
-              <a:t>expressed</a:t>
-            </a:r>
-            <a:r>
-              <a:rPr lang="de-CH" dirty="0"/>
-              <a:t> </a:t>
-            </a:r>
-            <a:r>
-              <a:rPr lang="de-CH" dirty="0" err="1"/>
-              <a:t>as</a:t>
-            </a:r>
-            <a:r>
-              <a:rPr lang="de-CH" dirty="0"/>
-              <a:t> </a:t>
-            </a:r>
-            <a:r>
-              <a:rPr lang="de-CH" dirty="0" err="1"/>
-              <a:t>the</a:t>
-            </a:r>
-            <a:r>
-              <a:rPr lang="de-CH" dirty="0"/>
-              <a:t> </a:t>
-            </a:r>
-            <a:r>
-              <a:rPr lang="de-CH" dirty="0" err="1"/>
-              <a:t>between</a:t>
-            </a:r>
-            <a:r>
-              <a:rPr lang="de-CH" dirty="0"/>
-              <a:t>-group </a:t>
-            </a:r>
-            <a:r>
-              <a:rPr lang="de-CH" dirty="0" err="1"/>
-              <a:t>inequality</a:t>
-            </a:r>
-            <a:r>
-              <a:rPr lang="de-CH" dirty="0"/>
-              <a:t> plus </a:t>
-            </a:r>
-            <a:r>
-              <a:rPr lang="de-CH" dirty="0" err="1"/>
-              <a:t>the</a:t>
-            </a:r>
-            <a:r>
-              <a:rPr lang="de-CH" dirty="0"/>
-              <a:t> </a:t>
-            </a:r>
-            <a:r>
-              <a:rPr lang="de-CH" dirty="0" err="1"/>
-              <a:t>weighted</a:t>
-            </a:r>
-            <a:r>
-              <a:rPr lang="de-CH" dirty="0"/>
-              <a:t> </a:t>
-            </a:r>
-            <a:r>
-              <a:rPr lang="de-CH" dirty="0" err="1"/>
-              <a:t>sum</a:t>
-            </a:r>
-            <a:r>
-              <a:rPr lang="de-CH" dirty="0"/>
-              <a:t> </a:t>
-            </a:r>
-            <a:r>
-              <a:rPr lang="de-CH" dirty="0" err="1"/>
-              <a:t>of</a:t>
-            </a:r>
-            <a:r>
-              <a:rPr lang="de-CH" dirty="0"/>
-              <a:t> </a:t>
-            </a:r>
-            <a:r>
-              <a:rPr lang="de-CH" dirty="0" err="1"/>
-              <a:t>the</a:t>
-            </a:r>
-            <a:r>
-              <a:rPr lang="de-CH" dirty="0"/>
-              <a:t> </a:t>
-            </a:r>
-            <a:r>
-              <a:rPr lang="de-CH" dirty="0" err="1"/>
-              <a:t>inequality</a:t>
-            </a:r>
-            <a:r>
-              <a:rPr lang="de-CH" dirty="0"/>
-              <a:t> </a:t>
-            </a:r>
-            <a:r>
-              <a:rPr lang="de-CH" dirty="0" err="1"/>
-              <a:t>within</a:t>
-            </a:r>
-            <a:r>
-              <a:rPr lang="de-CH" dirty="0"/>
-              <a:t> </a:t>
-            </a:r>
-            <a:r>
-              <a:rPr lang="de-CH" dirty="0" err="1"/>
-              <a:t>each</a:t>
-            </a:r>
-            <a:r>
-              <a:rPr lang="de-CH" dirty="0"/>
-              <a:t> </a:t>
-            </a:r>
-            <a:r>
-              <a:rPr lang="de-CH" dirty="0" err="1"/>
-              <a:t>group</a:t>
-            </a:r>
-            <a:r>
-              <a:rPr lang="de-CH" dirty="0"/>
-              <a:t> </a:t>
-            </a:r>
-            <a:endParaRPr lang="de-CH" dirty="0" smtClean="0"/>
-          </a:p>
-          <a:p>
-            <a:pPr lvl="1"/>
-            <a:endParaRPr lang="de-CH" dirty="0" smtClean="0"/>
-          </a:p>
-          <a:p>
-            <a:pPr lvl="2"/>
-            <a:r>
-              <a:rPr lang="de-CH" dirty="0" err="1" smtClean="0"/>
-              <a:t>Formula</a:t>
-            </a:r>
-            <a:r>
-              <a:rPr lang="de-CH" dirty="0" smtClean="0"/>
-              <a:t>:</a:t>
-            </a:r>
-            <a:endParaRPr lang="de-CH" dirty="0"/>
-          </a:p>
-          <a:p>
-            <a:pPr lvl="1"/>
-            <a:endParaRPr lang="de-CH" dirty="0" smtClean="0"/>
-          </a:p>
-          <a:p>
-            <a:pPr lvl="1"/>
-            <a:r>
-              <a:rPr lang="de-CH" dirty="0" err="1"/>
-              <a:t>By</a:t>
-            </a:r>
-            <a:r>
-              <a:rPr lang="de-CH" dirty="0"/>
-              <a:t> </a:t>
-            </a:r>
-            <a:r>
-              <a:rPr lang="de-CH" dirty="0" err="1"/>
-              <a:t>decomposing</a:t>
-            </a:r>
-            <a:r>
-              <a:rPr lang="de-CH" dirty="0"/>
-              <a:t> </a:t>
-            </a:r>
-            <a:r>
-              <a:rPr lang="de-CH" dirty="0" err="1"/>
-              <a:t>the</a:t>
-            </a:r>
-            <a:r>
-              <a:rPr lang="de-CH" dirty="0"/>
-              <a:t> </a:t>
-            </a:r>
-            <a:r>
-              <a:rPr lang="de-CH" dirty="0" err="1"/>
-              <a:t>Theil</a:t>
-            </a:r>
-            <a:r>
-              <a:rPr lang="de-CH" dirty="0"/>
-              <a:t>-Index </a:t>
-            </a:r>
-            <a:r>
-              <a:rPr lang="de-CH" dirty="0" err="1"/>
-              <a:t>we</a:t>
-            </a:r>
-            <a:r>
-              <a:rPr lang="de-CH" dirty="0"/>
-              <a:t> </a:t>
-            </a:r>
-            <a:r>
-              <a:rPr lang="de-CH" dirty="0" err="1"/>
-              <a:t>partitioned</a:t>
-            </a:r>
-            <a:r>
-              <a:rPr lang="de-CH" dirty="0"/>
-              <a:t> </a:t>
-            </a:r>
-            <a:r>
-              <a:rPr lang="de-CH" dirty="0" err="1"/>
-              <a:t>the</a:t>
-            </a:r>
-            <a:r>
-              <a:rPr lang="de-CH" dirty="0"/>
-              <a:t> total </a:t>
-            </a:r>
-            <a:r>
-              <a:rPr lang="de-CH" dirty="0" err="1"/>
-              <a:t>income</a:t>
-            </a:r>
-            <a:r>
-              <a:rPr lang="de-CH" dirty="0"/>
-              <a:t> </a:t>
-            </a:r>
-            <a:r>
-              <a:rPr lang="de-CH" dirty="0" err="1"/>
-              <a:t>inequality</a:t>
-            </a:r>
-            <a:r>
-              <a:rPr lang="de-CH" dirty="0"/>
-              <a:t> </a:t>
-            </a:r>
-            <a:r>
-              <a:rPr lang="de-CH" dirty="0" err="1"/>
-              <a:t>into</a:t>
-            </a:r>
-            <a:r>
-              <a:rPr lang="de-CH" dirty="0"/>
-              <a:t> </a:t>
-            </a:r>
-            <a:r>
-              <a:rPr lang="de-CH" dirty="0" err="1"/>
-              <a:t>between</a:t>
-            </a:r>
-            <a:r>
-              <a:rPr lang="de-CH" dirty="0"/>
-              <a:t>-group </a:t>
-            </a:r>
-            <a:r>
-              <a:rPr lang="de-CH" dirty="0" err="1"/>
-              <a:t>inequality</a:t>
-            </a:r>
-            <a:r>
-              <a:rPr lang="de-CH" dirty="0"/>
-              <a:t> </a:t>
-            </a:r>
-            <a:r>
-              <a:rPr lang="de-CH" dirty="0" smtClean="0"/>
-              <a:t>(e.g. </a:t>
-            </a:r>
-            <a:r>
-              <a:rPr lang="de-CH" dirty="0" err="1" smtClean="0"/>
-              <a:t>between</a:t>
-            </a:r>
-            <a:r>
-              <a:rPr lang="de-CH" dirty="0" smtClean="0"/>
-              <a:t> </a:t>
-            </a:r>
-            <a:r>
-              <a:rPr lang="de-CH" dirty="0" err="1" smtClean="0"/>
-              <a:t>age</a:t>
-            </a:r>
-            <a:r>
-              <a:rPr lang="de-CH" dirty="0" smtClean="0"/>
-              <a:t> </a:t>
-            </a:r>
-            <a:r>
-              <a:rPr lang="de-CH" dirty="0" err="1" smtClean="0"/>
-              <a:t>groups</a:t>
-            </a:r>
-            <a:r>
-              <a:rPr lang="de-CH" dirty="0" smtClean="0"/>
-              <a:t> </a:t>
-            </a:r>
-            <a:r>
-              <a:rPr lang="de-CH" dirty="0" err="1" smtClean="0"/>
-              <a:t>and</a:t>
-            </a:r>
-            <a:r>
-              <a:rPr lang="de-CH" dirty="0" smtClean="0"/>
-              <a:t> </a:t>
-            </a:r>
-            <a:r>
-              <a:rPr lang="de-CH" dirty="0" err="1" smtClean="0"/>
-              <a:t>household</a:t>
-            </a:r>
-            <a:r>
-              <a:rPr lang="de-CH" dirty="0" smtClean="0"/>
-              <a:t> </a:t>
-            </a:r>
-            <a:r>
-              <a:rPr lang="de-CH" dirty="0" err="1" smtClean="0"/>
-              <a:t>types</a:t>
-            </a:r>
-            <a:r>
-              <a:rPr lang="de-CH" dirty="0" smtClean="0"/>
-              <a:t>) </a:t>
-            </a:r>
-            <a:r>
-              <a:rPr lang="de-CH" dirty="0" err="1"/>
-              <a:t>and</a:t>
-            </a:r>
-            <a:r>
-              <a:rPr lang="de-CH" dirty="0"/>
-              <a:t> </a:t>
-            </a:r>
-            <a:r>
-              <a:rPr lang="de-CH" dirty="0" err="1"/>
-              <a:t>within</a:t>
-            </a:r>
-            <a:r>
-              <a:rPr lang="de-CH" dirty="0"/>
-              <a:t>-group </a:t>
-            </a:r>
-            <a:r>
-              <a:rPr lang="de-CH" dirty="0" err="1" smtClean="0"/>
-              <a:t>inequality</a:t>
-            </a:r>
-            <a:r>
-              <a:rPr lang="de-CH" dirty="0" smtClean="0"/>
-              <a:t>. </a:t>
-            </a:r>
-            <a:r>
-              <a:rPr lang="de-CH" dirty="0" err="1" smtClean="0"/>
-              <a:t>Hence</a:t>
-            </a:r>
-            <a:r>
-              <a:rPr lang="de-CH" dirty="0" smtClean="0"/>
-              <a:t> </a:t>
-            </a:r>
-            <a:r>
-              <a:rPr lang="de-CH" dirty="0" err="1" smtClean="0"/>
-              <a:t>we</a:t>
-            </a:r>
-            <a:r>
-              <a:rPr lang="de-CH" dirty="0" smtClean="0"/>
-              <a:t> </a:t>
-            </a:r>
-            <a:r>
-              <a:rPr lang="de-CH" dirty="0" err="1" smtClean="0"/>
-              <a:t>see</a:t>
-            </a:r>
-            <a:r>
-              <a:rPr lang="de-CH" dirty="0" smtClean="0"/>
-              <a:t>, </a:t>
-            </a:r>
-            <a:r>
-              <a:rPr lang="de-CH" dirty="0" err="1"/>
-              <a:t>how</a:t>
-            </a:r>
-            <a:r>
-              <a:rPr lang="de-CH" dirty="0"/>
-              <a:t> </a:t>
-            </a:r>
-            <a:r>
-              <a:rPr lang="de-CH" dirty="0" err="1"/>
-              <a:t>the</a:t>
-            </a:r>
-            <a:r>
-              <a:rPr lang="de-CH" dirty="0"/>
-              <a:t> </a:t>
-            </a:r>
-            <a:r>
-              <a:rPr lang="de-CH" dirty="0" err="1"/>
-              <a:t>differences</a:t>
-            </a:r>
-            <a:r>
-              <a:rPr lang="de-CH" dirty="0"/>
-              <a:t> </a:t>
-            </a:r>
-            <a:r>
-              <a:rPr lang="de-CH" dirty="0" err="1"/>
-              <a:t>between</a:t>
-            </a:r>
-            <a:r>
-              <a:rPr lang="de-CH" dirty="0"/>
-              <a:t> </a:t>
-            </a:r>
-            <a:r>
-              <a:rPr lang="de-CH" dirty="0" err="1"/>
-              <a:t>and</a:t>
-            </a:r>
-            <a:r>
-              <a:rPr lang="de-CH" dirty="0"/>
-              <a:t> </a:t>
-            </a:r>
-            <a:r>
-              <a:rPr lang="de-CH" dirty="0" err="1"/>
-              <a:t>within</a:t>
-            </a:r>
-            <a:r>
-              <a:rPr lang="de-CH" dirty="0"/>
-              <a:t> </a:t>
-            </a:r>
-            <a:r>
-              <a:rPr lang="de-CH" dirty="0" err="1"/>
-              <a:t>each</a:t>
-            </a:r>
-            <a:r>
-              <a:rPr lang="de-CH" dirty="0"/>
-              <a:t> </a:t>
-            </a:r>
-            <a:r>
-              <a:rPr lang="de-CH" dirty="0" err="1"/>
-              <a:t>group</a:t>
-            </a:r>
-            <a:r>
-              <a:rPr lang="de-CH" dirty="0"/>
-              <a:t> </a:t>
-            </a:r>
-            <a:r>
-              <a:rPr lang="de-CH" dirty="0" err="1"/>
-              <a:t>contribute</a:t>
-            </a:r>
-            <a:r>
-              <a:rPr lang="de-CH" dirty="0"/>
-              <a:t> </a:t>
-            </a:r>
-            <a:r>
-              <a:rPr lang="de-CH" dirty="0" err="1"/>
-              <a:t>to</a:t>
-            </a:r>
-            <a:r>
-              <a:rPr lang="de-CH" dirty="0"/>
-              <a:t> </a:t>
-            </a:r>
-            <a:r>
-              <a:rPr lang="de-CH" dirty="0" err="1"/>
-              <a:t>overall</a:t>
-            </a:r>
-            <a:r>
-              <a:rPr lang="de-CH" dirty="0"/>
-              <a:t> </a:t>
-            </a:r>
-            <a:r>
-              <a:rPr lang="de-CH" dirty="0" err="1"/>
-              <a:t>inequality</a:t>
-            </a:r>
-            <a:endParaRPr lang="de-CH" dirty="0"/>
-          </a:p>
-          <a:p>
-            <a:pPr lvl="1"/>
-            <a:endParaRPr lang="de-CH" dirty="0"/>
-          </a:p>
-          <a:p>
-            <a:pPr lvl="2"/>
-            <a:endParaRPr lang="de-CH" dirty="0"/>
-          </a:p>
-          <a:p>
-            <a:pPr lvl="2"/>
-            <a:endParaRPr lang="de-CH" dirty="0"/>
-          </a:p>
-          <a:p>
-            <a:pPr lvl="1"/>
-            <a:endParaRPr lang="de-CH" dirty="0"/>
-          </a:p>
-          <a:p>
-            <a:pPr lvl="1"/>
-            <a:endParaRPr lang="de-CH" dirty="0"/>
-          </a:p>
-        </p:txBody>
-      </p:sp>
+      <mc:AlternateContent xmlns:mc="http://schemas.openxmlformats.org/markup-compatibility/2006">
+        <mc:Choice xmlns:a14="http://schemas.microsoft.com/office/drawing/2010/main" Requires="a14">
+          <p:sp>
+            <p:nvSpPr>
+              <p:cNvPr id="4" name="Inhaltsplatzhalter 3"/>
+              <p:cNvSpPr>
+                <a:spLocks noGrp="1"/>
+              </p:cNvSpPr>
+              <p:nvPr>
+                <p:ph sz="half" idx="13"/>
+              </p:nvPr>
+            </p:nvSpPr>
+            <p:spPr>
+              <a:xfrm>
+                <a:off x="468000" y="2160000"/>
+                <a:ext cx="8100000" cy="3960000"/>
+              </a:xfrm>
+            </p:spPr>
+            <p:txBody>
+              <a:bodyPr lIns="0" rIns="0"/>
+              <a:lstStyle/>
+              <a:p>
+                <a:pPr lvl="1"/>
+                <a:r>
+                  <a:rPr lang="de-CH" dirty="0" smtClean="0"/>
+                  <a:t>Theil</a:t>
+                </a:r>
+                <a:r>
+                  <a:rPr lang="de-CH" dirty="0" smtClean="0"/>
+                  <a:t>-Index</a:t>
+                </a:r>
+                <a:r>
+                  <a:rPr lang="de-CH" dirty="0"/>
+                  <a:t>, a </a:t>
+                </a:r>
+                <a:r>
+                  <a:rPr lang="de-CH" dirty="0" err="1"/>
+                  <a:t>inequality</a:t>
+                </a:r>
+                <a:r>
+                  <a:rPr lang="de-CH" dirty="0"/>
+                  <a:t> </a:t>
+                </a:r>
+                <a:r>
+                  <a:rPr lang="de-CH" dirty="0" err="1"/>
+                  <a:t>measure</a:t>
+                </a:r>
+                <a:r>
+                  <a:rPr lang="de-CH" dirty="0"/>
+                  <a:t> </a:t>
+                </a:r>
+                <a:r>
+                  <a:rPr lang="de-CH" dirty="0" err="1"/>
+                  <a:t>developed</a:t>
+                </a:r>
+                <a:r>
+                  <a:rPr lang="de-CH" dirty="0"/>
+                  <a:t> </a:t>
+                </a:r>
+                <a:r>
+                  <a:rPr lang="de-CH" dirty="0" err="1"/>
+                  <a:t>from</a:t>
+                </a:r>
+                <a:r>
+                  <a:rPr lang="de-CH" dirty="0"/>
+                  <a:t> </a:t>
+                </a:r>
+                <a:r>
+                  <a:rPr lang="de-CH" dirty="0" err="1"/>
+                  <a:t>information</a:t>
+                </a:r>
+                <a:r>
+                  <a:rPr lang="de-CH" dirty="0"/>
+                  <a:t> </a:t>
+                </a:r>
+                <a:r>
+                  <a:rPr lang="de-CH" dirty="0" err="1"/>
+                  <a:t>theory</a:t>
+                </a:r>
+                <a:r>
+                  <a:rPr lang="de-CH" dirty="0"/>
+                  <a:t>, </a:t>
+                </a:r>
+                <a:r>
+                  <a:rPr lang="de-CH" dirty="0" err="1"/>
+                  <a:t>is</a:t>
+                </a:r>
+                <a:r>
+                  <a:rPr lang="de-CH" dirty="0"/>
+                  <a:t> </a:t>
+                </a:r>
+                <a:r>
+                  <a:rPr lang="de-CH" dirty="0" err="1"/>
+                  <a:t>additively</a:t>
+                </a:r>
+                <a:r>
+                  <a:rPr lang="de-CH" dirty="0"/>
+                  <a:t> </a:t>
+                </a:r>
+                <a:r>
+                  <a:rPr lang="de-CH" dirty="0" err="1"/>
+                  <a:t>decomposable</a:t>
+                </a:r>
+                <a:r>
+                  <a:rPr lang="de-CH" dirty="0"/>
+                  <a:t> (</a:t>
+                </a:r>
+                <a:r>
+                  <a:rPr lang="de-CH" dirty="0" err="1"/>
+                  <a:t>gini</a:t>
+                </a:r>
+                <a:r>
+                  <a:rPr lang="de-CH" dirty="0"/>
+                  <a:t> </a:t>
+                </a:r>
+                <a:r>
+                  <a:rPr lang="de-CH" dirty="0" err="1"/>
+                  <a:t>is</a:t>
+                </a:r>
+                <a:r>
+                  <a:rPr lang="de-CH" dirty="0"/>
+                  <a:t> not). </a:t>
+                </a:r>
+                <a:r>
+                  <a:rPr lang="de-CH" dirty="0" err="1"/>
+                  <a:t>Theil</a:t>
+                </a:r>
+                <a:r>
+                  <a:rPr lang="de-CH" dirty="0"/>
+                  <a:t> </a:t>
+                </a:r>
+                <a:r>
+                  <a:rPr lang="de-CH" dirty="0" err="1"/>
+                  <a:t>can</a:t>
+                </a:r>
+                <a:r>
+                  <a:rPr lang="de-CH" dirty="0"/>
+                  <a:t> </a:t>
+                </a:r>
+                <a:r>
+                  <a:rPr lang="de-CH" dirty="0" err="1"/>
+                  <a:t>be</a:t>
+                </a:r>
+                <a:r>
+                  <a:rPr lang="de-CH" dirty="0"/>
+                  <a:t> </a:t>
+                </a:r>
+                <a:r>
+                  <a:rPr lang="de-CH" dirty="0" err="1"/>
+                  <a:t>expressed</a:t>
+                </a:r>
+                <a:r>
+                  <a:rPr lang="de-CH" dirty="0"/>
+                  <a:t> </a:t>
+                </a:r>
+                <a:r>
+                  <a:rPr lang="de-CH" dirty="0" err="1"/>
+                  <a:t>as</a:t>
+                </a:r>
+                <a:r>
+                  <a:rPr lang="de-CH" dirty="0"/>
+                  <a:t> </a:t>
+                </a:r>
+                <a:r>
+                  <a:rPr lang="de-CH" dirty="0" err="1"/>
+                  <a:t>the</a:t>
+                </a:r>
+                <a:r>
+                  <a:rPr lang="de-CH" dirty="0"/>
+                  <a:t> </a:t>
+                </a:r>
+                <a:r>
+                  <a:rPr lang="de-CH" dirty="0" err="1"/>
+                  <a:t>between</a:t>
+                </a:r>
+                <a:r>
+                  <a:rPr lang="de-CH" dirty="0"/>
+                  <a:t>-group </a:t>
+                </a:r>
+                <a:r>
+                  <a:rPr lang="de-CH" dirty="0" err="1"/>
+                  <a:t>inequality</a:t>
+                </a:r>
+                <a:r>
+                  <a:rPr lang="de-CH" dirty="0"/>
+                  <a:t> plus </a:t>
+                </a:r>
+                <a:r>
+                  <a:rPr lang="de-CH" dirty="0" err="1"/>
+                  <a:t>the</a:t>
+                </a:r>
+                <a:r>
+                  <a:rPr lang="de-CH" dirty="0"/>
+                  <a:t> </a:t>
+                </a:r>
+                <a:r>
+                  <a:rPr lang="de-CH" dirty="0" err="1"/>
+                  <a:t>weighted</a:t>
+                </a:r>
+                <a:r>
+                  <a:rPr lang="de-CH" dirty="0"/>
+                  <a:t> </a:t>
+                </a:r>
+                <a:r>
+                  <a:rPr lang="de-CH" dirty="0" err="1"/>
+                  <a:t>sum</a:t>
+                </a:r>
+                <a:r>
+                  <a:rPr lang="de-CH" dirty="0"/>
+                  <a:t> </a:t>
+                </a:r>
+                <a:r>
+                  <a:rPr lang="de-CH" dirty="0" err="1"/>
+                  <a:t>of</a:t>
+                </a:r>
+                <a:r>
+                  <a:rPr lang="de-CH" dirty="0"/>
+                  <a:t> </a:t>
+                </a:r>
+                <a:r>
+                  <a:rPr lang="de-CH" dirty="0" err="1"/>
+                  <a:t>the</a:t>
+                </a:r>
+                <a:r>
+                  <a:rPr lang="de-CH" dirty="0"/>
+                  <a:t> </a:t>
+                </a:r>
+                <a:r>
+                  <a:rPr lang="de-CH" dirty="0" err="1"/>
+                  <a:t>inequality</a:t>
+                </a:r>
+                <a:r>
+                  <a:rPr lang="de-CH" dirty="0"/>
+                  <a:t> </a:t>
+                </a:r>
+                <a:r>
+                  <a:rPr lang="de-CH" dirty="0" err="1"/>
+                  <a:t>within</a:t>
+                </a:r>
+                <a:r>
+                  <a:rPr lang="de-CH" dirty="0"/>
+                  <a:t> </a:t>
+                </a:r>
+                <a:r>
+                  <a:rPr lang="de-CH" dirty="0" err="1"/>
+                  <a:t>each</a:t>
+                </a:r>
+                <a:r>
+                  <a:rPr lang="de-CH" dirty="0"/>
+                  <a:t> </a:t>
+                </a:r>
+                <a:r>
+                  <a:rPr lang="de-CH" dirty="0" err="1"/>
+                  <a:t>group</a:t>
+                </a:r>
+                <a:r>
+                  <a:rPr lang="de-CH"/>
+                  <a:t> </a:t>
+                </a:r>
+                <a:endParaRPr lang="de-CH" dirty="0" smtClean="0"/>
+              </a:p>
+              <a:p>
+                <a:pPr lvl="2"/>
+                <a:r>
+                  <a:rPr lang="de-CH" dirty="0" smtClean="0"/>
+                  <a:t>I</a:t>
+                </a:r>
+                <a14:m>
+                  <m:oMath xmlns:m="http://schemas.openxmlformats.org/officeDocument/2006/math">
+                    <m:r>
+                      <a:rPr lang="de-CH" b="0" i="1" smtClean="0">
+                        <a:latin typeface="Cambria Math"/>
+                      </a:rPr>
+                      <m:t>𝐼</m:t>
+                    </m:r>
+                    <m:r>
+                      <a:rPr lang="de-CH" b="0" i="1" smtClean="0">
+                        <a:latin typeface="Cambria Math"/>
+                      </a:rPr>
+                      <m:t>(</m:t>
+                    </m:r>
+                    <m:r>
+                      <a:rPr lang="de-CH" b="0" i="1" smtClean="0">
+                        <a:latin typeface="Cambria Math"/>
+                      </a:rPr>
+                      <m:t>𝑦</m:t>
+                    </m:r>
+                    <m:r>
+                      <a:rPr lang="de-CH" b="0" i="1" smtClean="0">
+                        <a:latin typeface="Cambria Math"/>
+                      </a:rPr>
+                      <m:t>;</m:t>
+                    </m:r>
+                    <m:r>
+                      <a:rPr lang="de-CH" b="0" i="1" smtClean="0">
+                        <a:latin typeface="Cambria Math"/>
+                        <a:ea typeface="Cambria Math"/>
+                      </a:rPr>
+                      <m:t>𝜃</m:t>
+                    </m:r>
+                    <m:r>
+                      <m:rPr>
+                        <m:nor/>
+                      </m:rPr>
+                      <a:rPr lang="de-CH" dirty="0"/>
+                      <m:t>)</m:t>
+                    </m:r>
+                    <m:r>
+                      <a:rPr lang="de-CH" b="0" i="1" dirty="0" smtClean="0">
+                        <a:latin typeface="Cambria Math"/>
+                      </a:rPr>
+                      <m:t>=</m:t>
+                    </m:r>
+                    <m:nary>
+                      <m:naryPr>
+                        <m:chr m:val="∑"/>
+                        <m:ctrlPr>
+                          <a:rPr lang="de-CH" i="1" dirty="0" smtClean="0">
+                            <a:latin typeface="Cambria Math"/>
+                          </a:rPr>
+                        </m:ctrlPr>
+                      </m:naryPr>
+                      <m:sub>
+                        <m:r>
+                          <m:rPr>
+                            <m:brk m:alnAt="23"/>
+                          </m:rPr>
+                          <a:rPr lang="de-CH" b="0" i="1" dirty="0" smtClean="0">
+                            <a:latin typeface="Cambria Math"/>
+                          </a:rPr>
+                          <m:t>𝑙</m:t>
+                        </m:r>
+                        <m:r>
+                          <a:rPr lang="de-CH" b="0" i="1" dirty="0" smtClean="0">
+                            <a:latin typeface="Cambria Math"/>
+                          </a:rPr>
+                          <m:t>=1</m:t>
+                        </m:r>
+                      </m:sub>
+                      <m:sup>
+                        <m:r>
+                          <a:rPr lang="de-CH" b="0" i="1" dirty="0" smtClean="0">
+                            <a:latin typeface="Cambria Math"/>
+                          </a:rPr>
+                          <m:t>𝐿</m:t>
+                        </m:r>
+                      </m:sup>
+                      <m:e>
+                        <m:sSup>
+                          <m:sSupPr>
+                            <m:ctrlPr>
+                              <a:rPr lang="de-CH" i="1" dirty="0" smtClean="0">
+                                <a:latin typeface="Cambria Math"/>
+                              </a:rPr>
+                            </m:ctrlPr>
+                          </m:sSupPr>
+                          <m:e>
+                            <m:r>
+                              <a:rPr lang="de-CH" i="1" dirty="0" smtClean="0">
+                                <a:latin typeface="Cambria Math"/>
+                                <a:ea typeface="Cambria Math"/>
+                              </a:rPr>
+                              <m:t>∅</m:t>
+                            </m:r>
+                          </m:e>
+                          <m:sup>
+                            <m:r>
+                              <a:rPr lang="de-CH" b="0" i="1" dirty="0" smtClean="0">
+                                <a:latin typeface="Cambria Math"/>
+                              </a:rPr>
+                              <m:t>𝑙</m:t>
+                            </m:r>
+                          </m:sup>
+                        </m:sSup>
+                        <m:sSup>
+                          <m:sSupPr>
+                            <m:ctrlPr>
+                              <a:rPr lang="de-CH" i="1" dirty="0" smtClean="0">
+                                <a:latin typeface="Cambria Math"/>
+                              </a:rPr>
+                            </m:ctrlPr>
+                          </m:sSupPr>
+                          <m:e>
+                            <m:d>
+                              <m:dPr>
+                                <m:ctrlPr>
+                                  <a:rPr lang="de-CH" i="1" dirty="0">
+                                    <a:latin typeface="Cambria Math"/>
+                                  </a:rPr>
+                                </m:ctrlPr>
+                              </m:dPr>
+                              <m:e>
+                                <m:f>
+                                  <m:fPr>
+                                    <m:ctrlPr>
+                                      <a:rPr lang="de-CH" i="1" dirty="0">
+                                        <a:latin typeface="Cambria Math"/>
+                                      </a:rPr>
+                                    </m:ctrlPr>
+                                  </m:fPr>
+                                  <m:num>
+                                    <m:sSup>
+                                      <m:sSupPr>
+                                        <m:ctrlPr>
+                                          <a:rPr lang="de-CH" i="1" dirty="0">
+                                            <a:latin typeface="Cambria Math"/>
+                                          </a:rPr>
+                                        </m:ctrlPr>
+                                      </m:sSupPr>
+                                      <m:e>
+                                        <m:r>
+                                          <a:rPr lang="de-CH" i="1" dirty="0">
+                                            <a:latin typeface="Cambria Math"/>
+                                            <a:ea typeface="Cambria Math"/>
+                                          </a:rPr>
+                                          <m:t>𝜇</m:t>
+                                        </m:r>
+                                      </m:e>
+                                      <m:sup>
+                                        <m:r>
+                                          <a:rPr lang="de-CH" i="1" dirty="0">
+                                            <a:latin typeface="Cambria Math"/>
+                                          </a:rPr>
+                                          <m:t>𝑙</m:t>
+                                        </m:r>
+                                      </m:sup>
+                                    </m:sSup>
+                                  </m:num>
+                                  <m:den>
+                                    <m:r>
+                                      <a:rPr lang="de-CH" i="1" dirty="0">
+                                        <a:latin typeface="Cambria Math"/>
+                                        <a:ea typeface="Cambria Math"/>
+                                      </a:rPr>
+                                      <m:t>𝜇</m:t>
+                                    </m:r>
+                                  </m:den>
+                                </m:f>
+                              </m:e>
+                            </m:d>
+                          </m:e>
+                          <m:sup>
+                            <m:r>
+                              <a:rPr lang="de-CH" i="1" dirty="0" smtClean="0">
+                                <a:latin typeface="Cambria Math"/>
+                                <a:ea typeface="Cambria Math"/>
+                              </a:rPr>
+                              <m:t>𝜃</m:t>
+                            </m:r>
+                          </m:sup>
+                        </m:sSup>
+                        <m:r>
+                          <a:rPr lang="de-CH" b="0" i="1" dirty="0" smtClean="0">
+                            <a:latin typeface="Cambria Math"/>
+                          </a:rPr>
+                          <m:t>𝐼</m:t>
+                        </m:r>
+                        <m:d>
+                          <m:dPr>
+                            <m:ctrlPr>
+                              <a:rPr lang="de-CH" b="0" i="1" dirty="0" smtClean="0">
+                                <a:latin typeface="Cambria Math"/>
+                              </a:rPr>
+                            </m:ctrlPr>
+                          </m:dPr>
+                          <m:e>
+                            <m:sSup>
+                              <m:sSupPr>
+                                <m:ctrlPr>
+                                  <a:rPr lang="de-CH" b="0" i="1" dirty="0" smtClean="0">
+                                    <a:latin typeface="Cambria Math"/>
+                                  </a:rPr>
+                                </m:ctrlPr>
+                              </m:sSupPr>
+                              <m:e>
+                                <m:r>
+                                  <a:rPr lang="de-CH" b="0" i="1" dirty="0" smtClean="0">
+                                    <a:latin typeface="Cambria Math"/>
+                                  </a:rPr>
+                                  <m:t>𝑦</m:t>
+                                </m:r>
+                              </m:e>
+                              <m:sup>
+                                <m:r>
+                                  <a:rPr lang="de-CH" b="0" i="1" dirty="0" smtClean="0">
+                                    <a:latin typeface="Cambria Math"/>
+                                  </a:rPr>
+                                  <m:t>𝑙</m:t>
+                                </m:r>
+                              </m:sup>
+                            </m:sSup>
+                            <m:r>
+                              <a:rPr lang="de-CH" b="0" i="1" dirty="0" smtClean="0">
+                                <a:latin typeface="Cambria Math"/>
+                              </a:rPr>
+                              <m:t>;</m:t>
+                            </m:r>
+                            <m:r>
+                              <a:rPr lang="de-CH" b="0" i="1" dirty="0" smtClean="0">
+                                <a:latin typeface="Cambria Math"/>
+                                <a:ea typeface="Cambria Math"/>
+                              </a:rPr>
+                              <m:t>𝜃</m:t>
+                            </m:r>
+                          </m:e>
+                        </m:d>
+                        <m:r>
+                          <a:rPr lang="de-CH" b="0" i="1" dirty="0" smtClean="0">
+                            <a:latin typeface="Cambria Math"/>
+                            <a:ea typeface="Cambria Math"/>
+                          </a:rPr>
+                          <m:t>+</m:t>
+                        </m:r>
+                        <m:r>
+                          <a:rPr lang="de-CH" b="0" i="1" dirty="0" smtClean="0">
+                            <a:latin typeface="Cambria Math"/>
+                            <a:ea typeface="Cambria Math"/>
+                          </a:rPr>
+                          <m:t>𝐼</m:t>
+                        </m:r>
+                        <m:r>
+                          <a:rPr lang="de-CH" b="0" i="1" dirty="0" smtClean="0">
+                            <a:latin typeface="Cambria Math"/>
+                            <a:ea typeface="Cambria Math"/>
+                          </a:rPr>
+                          <m:t>(</m:t>
+                        </m:r>
+                        <m:sSup>
+                          <m:sSupPr>
+                            <m:ctrlPr>
+                              <a:rPr lang="de-CH" b="0" i="1" dirty="0" smtClean="0">
+                                <a:latin typeface="Cambria Math"/>
+                                <a:ea typeface="Cambria Math"/>
+                              </a:rPr>
+                            </m:ctrlPr>
+                          </m:sSupPr>
+                          <m:e>
+                            <m:r>
+                              <a:rPr lang="de-CH" b="0" i="1" dirty="0" smtClean="0">
+                                <a:latin typeface="Cambria Math"/>
+                                <a:ea typeface="Cambria Math"/>
+                              </a:rPr>
+                              <m:t>𝜇</m:t>
+                            </m:r>
+                          </m:e>
+                          <m:sup>
+                            <m:r>
+                              <a:rPr lang="de-CH" b="0" i="1" dirty="0" smtClean="0">
+                                <a:latin typeface="Cambria Math"/>
+                                <a:ea typeface="Cambria Math"/>
+                              </a:rPr>
+                              <m:t>1</m:t>
+                            </m:r>
+                          </m:sup>
+                        </m:sSup>
+                        <m:r>
+                          <a:rPr lang="de-CH" b="0" i="1" dirty="0" smtClean="0">
+                            <a:latin typeface="Cambria Math"/>
+                            <a:ea typeface="Cambria Math"/>
+                          </a:rPr>
+                          <m:t>,…,</m:t>
+                        </m:r>
+                        <m:sSup>
+                          <m:sSupPr>
+                            <m:ctrlPr>
+                              <a:rPr lang="de-CH" i="1" dirty="0">
+                                <a:latin typeface="Cambria Math"/>
+                                <a:ea typeface="Cambria Math"/>
+                              </a:rPr>
+                            </m:ctrlPr>
+                          </m:sSupPr>
+                          <m:e>
+                            <m:r>
+                              <a:rPr lang="de-CH" i="1" dirty="0">
+                                <a:latin typeface="Cambria Math"/>
+                                <a:ea typeface="Cambria Math"/>
+                              </a:rPr>
+                              <m:t>𝜇</m:t>
+                            </m:r>
+                          </m:e>
+                          <m:sup>
+                            <m:r>
+                              <a:rPr lang="de-CH" b="0" i="1" dirty="0" smtClean="0">
+                                <a:latin typeface="Cambria Math"/>
+                                <a:ea typeface="Cambria Math"/>
+                              </a:rPr>
+                              <m:t>𝑙</m:t>
+                            </m:r>
+                          </m:sup>
+                        </m:sSup>
+                        <m:r>
+                          <a:rPr lang="de-CH" b="0" i="1" dirty="0" smtClean="0">
+                            <a:latin typeface="Cambria Math"/>
+                            <a:ea typeface="Cambria Math"/>
+                          </a:rPr>
+                          <m:t>,…</m:t>
+                        </m:r>
+                        <m:sSup>
+                          <m:sSupPr>
+                            <m:ctrlPr>
+                              <a:rPr lang="de-CH" i="1" dirty="0">
+                                <a:latin typeface="Cambria Math"/>
+                                <a:ea typeface="Cambria Math"/>
+                              </a:rPr>
+                            </m:ctrlPr>
+                          </m:sSupPr>
+                          <m:e>
+                            <m:r>
+                              <a:rPr lang="de-CH" i="1" dirty="0">
+                                <a:latin typeface="Cambria Math"/>
+                                <a:ea typeface="Cambria Math"/>
+                              </a:rPr>
+                              <m:t>𝜇</m:t>
+                            </m:r>
+                          </m:e>
+                          <m:sup>
+                            <m:r>
+                              <a:rPr lang="de-CH" b="0" i="1" dirty="0" smtClean="0">
+                                <a:latin typeface="Cambria Math"/>
+                                <a:ea typeface="Cambria Math"/>
+                              </a:rPr>
+                              <m:t>𝐿</m:t>
+                            </m:r>
+                          </m:sup>
+                        </m:sSup>
+                        <m:r>
+                          <a:rPr lang="de-CH" b="0" i="1" dirty="0" smtClean="0">
+                            <a:latin typeface="Cambria Math"/>
+                            <a:ea typeface="Cambria Math"/>
+                          </a:rPr>
+                          <m:t>;</m:t>
+                        </m:r>
+                      </m:e>
+                    </m:nary>
+                    <m:r>
+                      <a:rPr lang="de-CH" i="1" dirty="0">
+                        <a:latin typeface="Cambria Math"/>
+                        <a:ea typeface="Cambria Math"/>
+                      </a:rPr>
+                      <m:t>𝜃</m:t>
+                    </m:r>
+                  </m:oMath>
+                </a14:m>
+                <a:r>
+                  <a:rPr lang="de-CH" dirty="0" smtClean="0"/>
+                  <a:t>)</a:t>
+                </a:r>
+                <a:endParaRPr lang="de-CH" dirty="0"/>
+              </a:p>
+              <a:p>
+                <a:pPr lvl="1"/>
+                <a:endParaRPr lang="de-CH" dirty="0" smtClean="0"/>
+              </a:p>
+              <a:p>
+                <a:pPr lvl="1"/>
+                <a:r>
+                  <a:rPr lang="de-CH" dirty="0" err="1"/>
+                  <a:t>By</a:t>
+                </a:r>
+                <a:r>
+                  <a:rPr lang="de-CH" dirty="0"/>
+                  <a:t> </a:t>
+                </a:r>
+                <a:r>
+                  <a:rPr lang="de-CH" dirty="0" err="1"/>
+                  <a:t>decomposing</a:t>
+                </a:r>
+                <a:r>
+                  <a:rPr lang="de-CH" dirty="0"/>
+                  <a:t> </a:t>
+                </a:r>
+                <a:r>
+                  <a:rPr lang="de-CH" dirty="0" err="1"/>
+                  <a:t>the</a:t>
+                </a:r>
+                <a:r>
+                  <a:rPr lang="de-CH" dirty="0"/>
+                  <a:t> </a:t>
+                </a:r>
+                <a:r>
+                  <a:rPr lang="de-CH" dirty="0" err="1"/>
+                  <a:t>Theil</a:t>
+                </a:r>
+                <a:r>
+                  <a:rPr lang="de-CH" dirty="0"/>
+                  <a:t>-Index </a:t>
+                </a:r>
+                <a:r>
+                  <a:rPr lang="de-CH" dirty="0" err="1"/>
+                  <a:t>we</a:t>
+                </a:r>
+                <a:r>
+                  <a:rPr lang="de-CH" dirty="0"/>
+                  <a:t> </a:t>
+                </a:r>
+                <a:r>
+                  <a:rPr lang="de-CH" dirty="0" err="1"/>
+                  <a:t>partitioned</a:t>
+                </a:r>
+                <a:r>
+                  <a:rPr lang="de-CH" dirty="0"/>
+                  <a:t> </a:t>
+                </a:r>
+                <a:r>
+                  <a:rPr lang="de-CH" dirty="0" err="1"/>
+                  <a:t>the</a:t>
+                </a:r>
+                <a:r>
+                  <a:rPr lang="de-CH" dirty="0"/>
+                  <a:t> total </a:t>
+                </a:r>
+                <a:r>
+                  <a:rPr lang="de-CH" dirty="0" err="1"/>
+                  <a:t>income</a:t>
+                </a:r>
+                <a:r>
+                  <a:rPr lang="de-CH" dirty="0"/>
+                  <a:t> </a:t>
+                </a:r>
+                <a:r>
+                  <a:rPr lang="de-CH" dirty="0" err="1"/>
+                  <a:t>inequality</a:t>
+                </a:r>
+                <a:r>
+                  <a:rPr lang="de-CH" dirty="0"/>
+                  <a:t> </a:t>
+                </a:r>
+                <a:r>
+                  <a:rPr lang="de-CH" dirty="0" err="1"/>
+                  <a:t>into</a:t>
+                </a:r>
+                <a:r>
+                  <a:rPr lang="de-CH" dirty="0"/>
+                  <a:t> </a:t>
+                </a:r>
+                <a:r>
+                  <a:rPr lang="de-CH" dirty="0" err="1"/>
+                  <a:t>between</a:t>
+                </a:r>
+                <a:r>
+                  <a:rPr lang="de-CH" dirty="0"/>
+                  <a:t>-group </a:t>
+                </a:r>
+                <a:r>
+                  <a:rPr lang="de-CH" dirty="0" err="1"/>
+                  <a:t>inequality</a:t>
+                </a:r>
+                <a:r>
+                  <a:rPr lang="de-CH" dirty="0"/>
+                  <a:t> </a:t>
+                </a:r>
+                <a:r>
+                  <a:rPr lang="de-CH" dirty="0" smtClean="0"/>
+                  <a:t>(e.g. </a:t>
+                </a:r>
+                <a:r>
+                  <a:rPr lang="de-CH" dirty="0" err="1" smtClean="0"/>
+                  <a:t>between</a:t>
+                </a:r>
+                <a:r>
+                  <a:rPr lang="de-CH" dirty="0" smtClean="0"/>
+                  <a:t> </a:t>
+                </a:r>
+                <a:r>
+                  <a:rPr lang="de-CH" dirty="0" err="1" smtClean="0"/>
+                  <a:t>age</a:t>
+                </a:r>
+                <a:r>
+                  <a:rPr lang="de-CH" dirty="0" smtClean="0"/>
+                  <a:t> </a:t>
+                </a:r>
+                <a:r>
+                  <a:rPr lang="de-CH" dirty="0" err="1" smtClean="0"/>
+                  <a:t>groups</a:t>
+                </a:r>
+                <a:r>
+                  <a:rPr lang="de-CH" dirty="0" smtClean="0"/>
+                  <a:t> </a:t>
+                </a:r>
+                <a:r>
+                  <a:rPr lang="de-CH" dirty="0" err="1" smtClean="0"/>
+                  <a:t>and</a:t>
+                </a:r>
+                <a:r>
+                  <a:rPr lang="de-CH" dirty="0" smtClean="0"/>
+                  <a:t> </a:t>
+                </a:r>
+                <a:r>
+                  <a:rPr lang="de-CH" dirty="0" err="1" smtClean="0"/>
+                  <a:t>household</a:t>
+                </a:r>
+                <a:r>
+                  <a:rPr lang="de-CH" dirty="0" smtClean="0"/>
+                  <a:t> </a:t>
+                </a:r>
+                <a:r>
+                  <a:rPr lang="de-CH" dirty="0" err="1" smtClean="0"/>
+                  <a:t>types</a:t>
+                </a:r>
+                <a:r>
+                  <a:rPr lang="de-CH" dirty="0" smtClean="0"/>
+                  <a:t>) </a:t>
+                </a:r>
+                <a:r>
+                  <a:rPr lang="de-CH" dirty="0" err="1"/>
+                  <a:t>and</a:t>
+                </a:r>
+                <a:r>
+                  <a:rPr lang="de-CH" dirty="0"/>
+                  <a:t> </a:t>
+                </a:r>
+                <a:r>
+                  <a:rPr lang="de-CH" dirty="0" err="1"/>
+                  <a:t>within</a:t>
+                </a:r>
+                <a:r>
+                  <a:rPr lang="de-CH" dirty="0"/>
+                  <a:t>-group </a:t>
+                </a:r>
+                <a:r>
+                  <a:rPr lang="de-CH" dirty="0" err="1" smtClean="0"/>
+                  <a:t>inequality</a:t>
+                </a:r>
+                <a:r>
+                  <a:rPr lang="de-CH" dirty="0" smtClean="0"/>
+                  <a:t>. </a:t>
+                </a:r>
+                <a:r>
+                  <a:rPr lang="de-CH" dirty="0" err="1" smtClean="0"/>
+                  <a:t>Hence</a:t>
+                </a:r>
+                <a:r>
+                  <a:rPr lang="de-CH" dirty="0" smtClean="0"/>
+                  <a:t> </a:t>
+                </a:r>
+                <a:r>
+                  <a:rPr lang="de-CH" dirty="0" err="1" smtClean="0"/>
+                  <a:t>we</a:t>
+                </a:r>
+                <a:r>
+                  <a:rPr lang="de-CH" dirty="0" smtClean="0"/>
+                  <a:t> </a:t>
+                </a:r>
+                <a:r>
+                  <a:rPr lang="de-CH" dirty="0" err="1" smtClean="0"/>
+                  <a:t>see</a:t>
+                </a:r>
+                <a:r>
+                  <a:rPr lang="de-CH" dirty="0" smtClean="0"/>
+                  <a:t>, </a:t>
+                </a:r>
+                <a:r>
+                  <a:rPr lang="de-CH" dirty="0" err="1"/>
+                  <a:t>how</a:t>
+                </a:r>
+                <a:r>
+                  <a:rPr lang="de-CH" dirty="0"/>
+                  <a:t> </a:t>
+                </a:r>
+                <a:r>
+                  <a:rPr lang="de-CH" dirty="0" err="1"/>
+                  <a:t>the</a:t>
+                </a:r>
+                <a:r>
+                  <a:rPr lang="de-CH" dirty="0"/>
+                  <a:t> </a:t>
+                </a:r>
+                <a:r>
+                  <a:rPr lang="de-CH" dirty="0" err="1"/>
+                  <a:t>differences</a:t>
+                </a:r>
+                <a:r>
+                  <a:rPr lang="de-CH" dirty="0"/>
+                  <a:t> </a:t>
+                </a:r>
+                <a:r>
+                  <a:rPr lang="de-CH" dirty="0" err="1"/>
+                  <a:t>between</a:t>
+                </a:r>
+                <a:r>
+                  <a:rPr lang="de-CH" dirty="0"/>
+                  <a:t> </a:t>
+                </a:r>
+                <a:r>
+                  <a:rPr lang="de-CH" dirty="0" err="1"/>
+                  <a:t>and</a:t>
+                </a:r>
+                <a:r>
+                  <a:rPr lang="de-CH" dirty="0"/>
+                  <a:t> </a:t>
+                </a:r>
+                <a:r>
+                  <a:rPr lang="de-CH" dirty="0" err="1"/>
+                  <a:t>within</a:t>
+                </a:r>
+                <a:r>
+                  <a:rPr lang="de-CH" dirty="0"/>
+                  <a:t> </a:t>
+                </a:r>
+                <a:r>
+                  <a:rPr lang="de-CH" dirty="0" err="1"/>
+                  <a:t>each</a:t>
+                </a:r>
+                <a:r>
+                  <a:rPr lang="de-CH" dirty="0"/>
+                  <a:t> </a:t>
+                </a:r>
+                <a:r>
+                  <a:rPr lang="de-CH" dirty="0" err="1"/>
+                  <a:t>group</a:t>
+                </a:r>
+                <a:r>
+                  <a:rPr lang="de-CH" dirty="0"/>
+                  <a:t> </a:t>
+                </a:r>
+                <a:r>
+                  <a:rPr lang="de-CH" dirty="0" err="1"/>
+                  <a:t>contribute</a:t>
+                </a:r>
+                <a:r>
+                  <a:rPr lang="de-CH" dirty="0"/>
+                  <a:t> </a:t>
+                </a:r>
+                <a:r>
+                  <a:rPr lang="de-CH" dirty="0" err="1"/>
+                  <a:t>to</a:t>
+                </a:r>
+                <a:r>
+                  <a:rPr lang="de-CH" dirty="0"/>
+                  <a:t> </a:t>
+                </a:r>
+                <a:r>
+                  <a:rPr lang="de-CH" dirty="0" err="1"/>
+                  <a:t>overall</a:t>
+                </a:r>
+                <a:r>
+                  <a:rPr lang="de-CH" dirty="0"/>
+                  <a:t> </a:t>
+                </a:r>
+                <a:r>
+                  <a:rPr lang="de-CH" dirty="0" err="1"/>
+                  <a:t>inequality</a:t>
+                </a:r>
+                <a:endParaRPr lang="de-CH" dirty="0"/>
+              </a:p>
+              <a:p>
+                <a:pPr lvl="1"/>
+                <a:endParaRPr lang="de-CH" dirty="0"/>
+              </a:p>
+              <a:p>
+                <a:pPr lvl="2"/>
+                <a:endParaRPr lang="de-CH" dirty="0"/>
+              </a:p>
+              <a:p>
+                <a:pPr lvl="2"/>
+                <a:endParaRPr lang="de-CH" dirty="0"/>
+              </a:p>
+              <a:p>
+                <a:pPr lvl="1"/>
+                <a:endParaRPr lang="de-CH" dirty="0"/>
+              </a:p>
+              <a:p>
+                <a:pPr lvl="1"/>
+                <a:endParaRPr lang="de-CH" dirty="0"/>
+              </a:p>
+            </p:txBody>
+          </p:sp>
+        </mc:Choice>
+        <mc:Fallback>
+          <p:sp>
+            <p:nvSpPr>
+              <p:cNvPr id="4" name="Inhaltsplatzhalter 3"/>
+              <p:cNvSpPr>
+                <a:spLocks noGrp="1" noRot="1" noChangeAspect="1" noMove="1" noResize="1" noEditPoints="1" noAdjustHandles="1" noChangeArrowheads="1" noChangeShapeType="1" noTextEdit="1"/>
+              </p:cNvSpPr>
+              <p:nvPr>
+                <p:ph sz="half" idx="13"/>
+              </p:nvPr>
+            </p:nvSpPr>
+            <p:spPr>
+              <a:xfrm>
+                <a:off x="468000" y="2160000"/>
+                <a:ext cx="8100000" cy="3960000"/>
+              </a:xfrm>
+              <a:blipFill rotWithShape="1">
+                <a:blip r:embed="rId3"/>
+                <a:stretch>
+                  <a:fillRect t="-615" r="-1731"/>
+                </a:stretch>
+              </a:blipFill>
+            </p:spPr>
+            <p:txBody>
+              <a:bodyPr/>
+              <a:lstStyle/>
+              <a:p>
+                <a:r>
+                  <a:rPr lang="de-CH">
+                    <a:noFill/>
+                  </a:rPr>
+                  <a:t> </a:t>
+                </a:r>
+              </a:p>
+            </p:txBody>
+          </p:sp>
+        </mc:Fallback>
+      </mc:AlternateContent>
       <p:sp>
         <p:nvSpPr>
           <p:cNvPr id="5" name="Inhaltsplatzhalter 3"/>
@@ -19719,6 +20140,21 @@
 </file>
 
 <file path=customXml/item1.xml><?xml version="1.0" encoding="utf-8"?>
+<p:properties xmlns:p="http://schemas.microsoft.com/office/2006/metadata/properties" xmlns:xsi="http://www.w3.org/2001/XMLSchema-instance">
+  <documentManagement/>
+</p:properties>
+</file>
+
+<file path=customXml/item2.xml><?xml version="1.0" encoding="utf-8"?>
+<?mso-contentType ?>
+<FormTemplates xmlns="http://schemas.microsoft.com/sharepoint/v3/contenttype/forms">
+  <Display>DocumentLibraryForm</Display>
+  <Edit>DocumentLibraryForm</Edit>
+  <New>DocumentLibraryForm</New>
+</FormTemplates>
+</file>
+
+<file path=customXml/item3.xml><?xml version="1.0" encoding="utf-8"?>
 <ct:contentTypeSchema xmlns:ct="http://schemas.microsoft.com/office/2006/metadata/contentType" xmlns:ma="http://schemas.microsoft.com/office/2006/metadata/properties/metaAttributes" ct:_="" ma:_="" ma:contentTypeName="Dokument" ma:contentTypeID="0x01010055129612D1B29A4693F2F62632063D6A" ma:contentTypeVersion="0" ma:contentTypeDescription="Ein neues Dokument erstellen." ma:contentTypeScope="" ma:versionID="fba8d20abbd965724d3439c9b926458f">
   <xsd:schema xmlns:xsd="http://www.w3.org/2001/XMLSchema" xmlns:xs="http://www.w3.org/2001/XMLSchema" xmlns:p="http://schemas.microsoft.com/office/2006/metadata/properties" targetNamespace="http://schemas.microsoft.com/office/2006/metadata/properties" ma:root="true" ma:fieldsID="246f02dd96380beb4f7cdcce14d77fd6">
     <xsd:element name="properties">
@@ -19832,22 +20268,30 @@
 </ct:contentTypeSchema>
 </file>
 
-<file path=customXml/item2.xml><?xml version="1.0" encoding="utf-8"?>
-<?mso-contentType ?>
-<FormTemplates xmlns="http://schemas.microsoft.com/sharepoint/v3/contenttype/forms">
-  <Display>DocumentLibraryForm</Display>
-  <Edit>DocumentLibraryForm</Edit>
-  <New>DocumentLibraryForm</New>
-</FormTemplates>
+<file path=customXml/itemProps1.xml><?xml version="1.0" encoding="utf-8"?>
+<ds:datastoreItem xmlns:ds="http://schemas.openxmlformats.org/officeDocument/2006/customXml" ds:itemID="{B470C3CE-871E-471D-827D-756DC4BA1786}">
+  <ds:schemaRefs>
+    <ds:schemaRef ds:uri="http://schemas.microsoft.com/office/2006/documentManagement/types"/>
+    <ds:schemaRef ds:uri="http://www.w3.org/XML/1998/namespace"/>
+    <ds:schemaRef ds:uri="http://schemas.microsoft.com/office/2006/metadata/properties"/>
+    <ds:schemaRef ds:uri="http://purl.org/dc/terms/"/>
+    <ds:schemaRef ds:uri="http://purl.org/dc/elements/1.1/"/>
+    <ds:schemaRef ds:uri="http://schemas.openxmlformats.org/package/2006/metadata/core-properties"/>
+    <ds:schemaRef ds:uri="http://schemas.microsoft.com/office/infopath/2007/PartnerControls"/>
+    <ds:schemaRef ds:uri="http://purl.org/dc/dcmitype/"/>
+  </ds:schemaRefs>
+</ds:datastoreItem>
 </file>
 
-<file path=customXml/item3.xml><?xml version="1.0" encoding="utf-8"?>
-<p:properties xmlns:p="http://schemas.microsoft.com/office/2006/metadata/properties" xmlns:xsi="http://www.w3.org/2001/XMLSchema-instance">
-  <documentManagement/>
-</p:properties>
+<file path=customXml/itemProps2.xml><?xml version="1.0" encoding="utf-8"?>
+<ds:datastoreItem xmlns:ds="http://schemas.openxmlformats.org/officeDocument/2006/customXml" ds:itemID="{38A61B13-3BD8-4182-A6C0-87987DF79A6D}">
+  <ds:schemaRefs>
+    <ds:schemaRef ds:uri="http://schemas.microsoft.com/sharepoint/v3/contenttype/forms"/>
+  </ds:schemaRefs>
+</ds:datastoreItem>
 </file>
 
-<file path=customXml/itemProps1.xml><?xml version="1.0" encoding="utf-8"?>
+<file path=customXml/itemProps3.xml><?xml version="1.0" encoding="utf-8"?>
 <ds:datastoreItem xmlns:ds="http://schemas.openxmlformats.org/officeDocument/2006/customXml" ds:itemID="{581BF47C-2126-4B8C-8663-51154515DD2F}">
   <ds:schemaRefs>
     <ds:schemaRef ds:uri="http://schemas.microsoft.com/office/2006/metadata/contentType"/>
@@ -19861,27 +20305,4 @@
     <ds:schemaRef ds:uri="http://schemas.microsoft.com/office/infopath/2007/PartnerControls"/>
   </ds:schemaRefs>
 </ds:datastoreItem>
-</file>
-
-<file path=customXml/itemProps2.xml><?xml version="1.0" encoding="utf-8"?>
-<ds:datastoreItem xmlns:ds="http://schemas.openxmlformats.org/officeDocument/2006/customXml" ds:itemID="{38A61B13-3BD8-4182-A6C0-87987DF79A6D}">
-  <ds:schemaRefs>
-    <ds:schemaRef ds:uri="http://schemas.microsoft.com/sharepoint/v3/contenttype/forms"/>
-  </ds:schemaRefs>
-</ds:datastoreItem>
-</file>
-
-<file path=customXml/itemProps3.xml><?xml version="1.0" encoding="utf-8"?>
-<ds:datastoreItem xmlns:ds="http://schemas.openxmlformats.org/officeDocument/2006/customXml" ds:itemID="{B470C3CE-871E-471D-827D-756DC4BA1786}">
-  <ds:schemaRefs>
-    <ds:schemaRef ds:uri="http://schemas.microsoft.com/office/2006/documentManagement/types"/>
-    <ds:schemaRef ds:uri="http://www.w3.org/XML/1998/namespace"/>
-    <ds:schemaRef ds:uri="http://schemas.microsoft.com/office/2006/metadata/properties"/>
-    <ds:schemaRef ds:uri="http://purl.org/dc/terms/"/>
-    <ds:schemaRef ds:uri="http://purl.org/dc/elements/1.1/"/>
-    <ds:schemaRef ds:uri="http://schemas.openxmlformats.org/package/2006/metadata/core-properties"/>
-    <ds:schemaRef ds:uri="http://schemas.microsoft.com/office/infopath/2007/PartnerControls"/>
-    <ds:schemaRef ds:uri="http://purl.org/dc/dcmitype/"/>
-  </ds:schemaRefs>
-</ds:datastoreItem>
 </file>
--- a/presentation/Inequality by Demographic Factors_V3.pptx
+++ b/presentation/Inequality by Demographic Factors_V3.pptx
@@ -19,7 +19,7 @@
     <p:sldId id="272" r:id="rId10"/>
     <p:sldId id="285" r:id="rId11"/>
     <p:sldId id="275" r:id="rId12"/>
-    <p:sldId id="276" r:id="rId13"/>
+    <p:sldId id="289" r:id="rId13"/>
     <p:sldId id="277" r:id="rId14"/>
     <p:sldId id="286" r:id="rId15"/>
     <p:sldId id="279" r:id="rId16"/>
@@ -161,15 +161,6 @@
 <p:cmAuthorLst xmlns:a="http://schemas.openxmlformats.org/drawingml/2006/main" xmlns:r="http://schemas.openxmlformats.org/officeDocument/2006/relationships" xmlns:p="http://schemas.openxmlformats.org/presentationml/2006/main">
   <p:cmAuthor id="0" name="Hümbelin Oliver" initials="HO" lastIdx="5" clrIdx="0"/>
 </p:cmAuthorLst>
-</file>
-
-<file path=ppt/comments/comment1.xml><?xml version="1.0" encoding="utf-8"?>
-<p:cmLst xmlns:a="http://schemas.openxmlformats.org/drawingml/2006/main" xmlns:r="http://schemas.openxmlformats.org/officeDocument/2006/relationships" xmlns:p="http://schemas.openxmlformats.org/presentationml/2006/main">
-  <p:cm authorId="0" dt="2014-09-25T11:50:55.313" idx="4">
-    <p:pos x="822" y="252"/>
-    <p:text>Hier sollte kommen was wir machen</p:text>
-  </p:cm>
-</p:cmLst>
 </file>
 
 <file path=ppt/handoutMasters/handoutMaster1.xml><?xml version="1.0" encoding="utf-8"?>
@@ -731,7 +722,7 @@
           <a:bodyPr/>
           <a:lstStyle/>
           <a:p>
-            <a:endParaRPr lang="de-CH"/>
+            <a:endParaRPr lang="de-CH" dirty="0"/>
           </a:p>
         </p:txBody>
       </p:sp>
@@ -754,7 +745,7 @@
               <a:rPr lang="de-CH" smtClean="0"/>
               <a:t>1</a:t>
             </a:fld>
-            <a:endParaRPr lang="de-CH"/>
+            <a:endParaRPr lang="de-CH" dirty="0"/>
           </a:p>
         </p:txBody>
       </p:sp>
@@ -1671,7 +1662,7 @@
             </a:r>
             <a:r>
               <a:rPr lang="de-CH" baseline="0" dirty="0" smtClean="0"/>
-              <a:t>. Es Unterschiede zwischen verschiedenen Haushaltsformen&gt; Unterschiede zwischen Haushalten mit und ohne Kinder.</a:t>
+              <a:t>. Es Unterschiede zwischen verschiedenen Haushaltsformen&gt; Unterschiede zwischen Haushalten mit und ohne Kinder. Aber auch bezüglich allgemeinen Verteilung</a:t>
             </a:r>
           </a:p>
           <a:p>
@@ -9306,10 +9297,16 @@
           <a:lstStyle/>
           <a:p>
             <a:r>
+              <a:rPr lang="de-CH" dirty="0">
+                <a:latin typeface="Lucida Sans" pitchFamily="34" charset="0"/>
+              </a:rPr>
+              <a:t>Oliver Hümbelin und Rudolf </a:t>
+            </a:r>
+            <a:r>
               <a:rPr lang="de-CH" dirty="0" smtClean="0">
                 <a:latin typeface="Lucida Sans" pitchFamily="34" charset="0"/>
               </a:rPr>
-              <a:t>Rudolf Farys und Oliver Hümbelin</a:t>
+              <a:t>Farys</a:t>
             </a:r>
           </a:p>
         </p:txBody>
@@ -9403,10 +9400,10 @@
           <a:lstStyle/>
           <a:p>
             <a:r>
-              <a:rPr lang="de-CH" dirty="0" err="1" smtClean="0"/>
+              <a:rPr lang="en-US" dirty="0" smtClean="0"/>
               <a:t>Results</a:t>
             </a:r>
-            <a:endParaRPr lang="de-CH" dirty="0"/>
+            <a:endParaRPr lang="en-US" dirty="0"/>
           </a:p>
         </p:txBody>
       </p:sp>
@@ -9426,34 +9423,14 @@
           <a:lstStyle/>
           <a:p>
             <a:r>
-              <a:rPr lang="de-CH" dirty="0" err="1" smtClean="0"/>
-              <a:t>Decomposing</a:t>
-            </a:r>
-            <a:r>
-              <a:rPr lang="de-CH" dirty="0" smtClean="0"/>
-              <a:t> </a:t>
-            </a:r>
-            <a:r>
-              <a:rPr lang="de-CH" dirty="0" err="1" smtClean="0"/>
-              <a:t>inequality</a:t>
-            </a:r>
-            <a:r>
-              <a:rPr lang="de-CH" dirty="0" smtClean="0"/>
-              <a:t> </a:t>
-            </a:r>
-            <a:r>
-              <a:rPr lang="de-CH" dirty="0" err="1" smtClean="0"/>
-              <a:t>by</a:t>
-            </a:r>
-            <a:r>
-              <a:rPr lang="de-CH" dirty="0" smtClean="0"/>
-              <a:t> </a:t>
-            </a:r>
-            <a:r>
-              <a:rPr lang="de-CH" dirty="0" err="1" smtClean="0"/>
+              <a:rPr lang="en-US" dirty="0" smtClean="0"/>
+              <a:t>Decomposing inequality by </a:t>
+            </a:r>
+            <a:r>
+              <a:rPr lang="en-US" dirty="0" err="1" smtClean="0"/>
               <a:t>agegroups</a:t>
             </a:r>
-            <a:endParaRPr lang="de-CH" dirty="0"/>
+            <a:endParaRPr lang="en-US" dirty="0"/>
           </a:p>
         </p:txBody>
       </p:sp>
@@ -9859,32 +9836,32 @@
       </p:sp>
       <p:graphicFrame>
         <p:nvGraphicFramePr>
-          <p:cNvPr id="9" name="Objekt 8"/>
+          <p:cNvPr id="10" name="Objekt 9"/>
           <p:cNvGraphicFramePr>
             <a:graphicFrameLocks noChangeAspect="1"/>
           </p:cNvGraphicFramePr>
           <p:nvPr>
             <p:extLst>
               <p:ext uri="{D42A27DB-BD31-4B8C-83A1-F6EECF244321}">
-                <p14:modId xmlns:p14="http://schemas.microsoft.com/office/powerpoint/2010/main" val="154457029"/>
+                <p14:modId xmlns:p14="http://schemas.microsoft.com/office/powerpoint/2010/main" val="926595159"/>
               </p:ext>
             </p:extLst>
           </p:nvPr>
         </p:nvGraphicFramePr>
         <p:xfrm>
           <a:off x="1557338" y="2162175"/>
-          <a:ext cx="6029325" cy="2533650"/>
+          <a:ext cx="6029325" cy="2543175"/>
         </p:xfrm>
         <a:graphic>
           <a:graphicData uri="http://schemas.openxmlformats.org/presentationml/2006/ole">
             <mc:AlternateContent xmlns:mc="http://schemas.openxmlformats.org/markup-compatibility/2006">
               <mc:Choice xmlns:v="urn:schemas-microsoft-com:vml" Requires="v">
-                <p:oleObj spid="_x0000_s2052" name="Worksheet" r:id="rId4" imgW="6029367" imgH="2533785" progId="Excel.Sheet.12">
+                <p:oleObj spid="_x0000_s2058" name="Worksheet" r:id="rId4" imgW="6029367" imgH="2543243" progId="Excel.Sheet.12">
                   <p:embed/>
                 </p:oleObj>
               </mc:Choice>
               <mc:Fallback>
-                <p:oleObj name="Worksheet" r:id="rId4" imgW="6029367" imgH="2533785" progId="Excel.Sheet.12">
+                <p:oleObj name="Worksheet" r:id="rId4" imgW="6029367" imgH="2543243" progId="Excel.Sheet.12">
                   <p:embed/>
                   <p:pic>
                     <p:nvPicPr>
@@ -9901,7 +9878,7 @@
                     <p:spPr>
                       <a:xfrm>
                         <a:off x="1557338" y="2162175"/>
-                        <a:ext cx="6029325" cy="2533650"/>
+                        <a:ext cx="6029325" cy="2543175"/>
                       </a:xfrm>
                       <a:prstGeom prst="rect">
                         <a:avLst/>
@@ -9967,10 +9944,10 @@
           <a:lstStyle/>
           <a:p>
             <a:r>
-              <a:rPr lang="de-CH" dirty="0" err="1" smtClean="0"/>
+              <a:rPr lang="en-US" dirty="0" smtClean="0"/>
               <a:t>Results</a:t>
             </a:r>
-            <a:endParaRPr lang="de-CH" dirty="0"/>
+            <a:endParaRPr lang="en-US" dirty="0"/>
           </a:p>
         </p:txBody>
       </p:sp>
@@ -9990,34 +9967,10 @@
           <a:lstStyle/>
           <a:p>
             <a:r>
-              <a:rPr lang="de-CH" dirty="0" err="1" smtClean="0"/>
-              <a:t>Decomposing</a:t>
-            </a:r>
-            <a:r>
-              <a:rPr lang="de-CH" dirty="0" smtClean="0"/>
-              <a:t> </a:t>
-            </a:r>
-            <a:r>
-              <a:rPr lang="de-CH" dirty="0" err="1" smtClean="0"/>
-              <a:t>inequality</a:t>
-            </a:r>
-            <a:r>
-              <a:rPr lang="de-CH" dirty="0" smtClean="0"/>
-              <a:t> </a:t>
-            </a:r>
-            <a:r>
-              <a:rPr lang="de-CH" dirty="0" err="1" smtClean="0"/>
-              <a:t>by</a:t>
-            </a:r>
-            <a:r>
-              <a:rPr lang="de-CH" dirty="0" smtClean="0"/>
-              <a:t> </a:t>
-            </a:r>
-            <a:r>
-              <a:rPr lang="de-CH" dirty="0" err="1" smtClean="0"/>
-              <a:t>Households</a:t>
-            </a:r>
-            <a:endParaRPr lang="de-CH" dirty="0"/>
+              <a:rPr lang="en-US" dirty="0" smtClean="0"/>
+              <a:t>Decomposing inequality by Households</a:t>
+            </a:r>
+            <a:endParaRPr lang="en-US" dirty="0"/>
           </a:p>
         </p:txBody>
       </p:sp>
@@ -10423,32 +10376,32 @@
       </p:sp>
       <p:graphicFrame>
         <p:nvGraphicFramePr>
-          <p:cNvPr id="7" name="Objekt 6"/>
+          <p:cNvPr id="8" name="Objekt 7"/>
           <p:cNvGraphicFramePr>
             <a:graphicFrameLocks noChangeAspect="1"/>
           </p:cNvGraphicFramePr>
           <p:nvPr>
             <p:extLst>
               <p:ext uri="{D42A27DB-BD31-4B8C-83A1-F6EECF244321}">
-                <p14:modId xmlns:p14="http://schemas.microsoft.com/office/powerpoint/2010/main" val="2039216076"/>
+                <p14:modId xmlns:p14="http://schemas.microsoft.com/office/powerpoint/2010/main" val="3027626473"/>
               </p:ext>
             </p:extLst>
           </p:nvPr>
         </p:nvGraphicFramePr>
         <p:xfrm>
           <a:off x="1557338" y="1928813"/>
-          <a:ext cx="6029325" cy="2562225"/>
+          <a:ext cx="6029325" cy="3009900"/>
         </p:xfrm>
         <a:graphic>
           <a:graphicData uri="http://schemas.openxmlformats.org/presentationml/2006/ole">
             <mc:AlternateContent xmlns:mc="http://schemas.openxmlformats.org/markup-compatibility/2006">
               <mc:Choice xmlns:v="urn:schemas-microsoft-com:vml" Requires="v">
-                <p:oleObj spid="_x0000_s3076" name="Worksheet" r:id="rId4" imgW="6029367" imgH="2562157" progId="Excel.Sheet.12">
+                <p:oleObj spid="_x0000_s3082" name="Worksheet" r:id="rId4" imgW="6029367" imgH="3009900" progId="Excel.Sheet.12">
                   <p:embed/>
                 </p:oleObj>
               </mc:Choice>
               <mc:Fallback>
-                <p:oleObj name="Worksheet" r:id="rId4" imgW="6029367" imgH="2562157" progId="Excel.Sheet.12">
+                <p:oleObj name="Worksheet" r:id="rId4" imgW="6029367" imgH="3009900" progId="Excel.Sheet.12">
                   <p:embed/>
                   <p:pic>
                     <p:nvPicPr>
@@ -10465,7 +10418,7 @@
                     <p:spPr>
                       <a:xfrm>
                         <a:off x="1557338" y="1928813"/>
-                        <a:ext cx="6029325" cy="2562225"/>
+                        <a:ext cx="6029325" cy="3009900"/>
                       </a:xfrm>
                       <a:prstGeom prst="rect">
                         <a:avLst/>
@@ -10554,54 +10507,26 @@
           <a:lstStyle/>
           <a:p>
             <a:r>
-              <a:rPr lang="de-CH" dirty="0" smtClean="0"/>
-              <a:t>In </a:t>
-            </a:r>
-            <a:r>
-              <a:rPr lang="de-CH" dirty="0" err="1" smtClean="0"/>
-              <a:t>depth</a:t>
-            </a:r>
-            <a:r>
-              <a:rPr lang="de-CH" dirty="0" smtClean="0"/>
-              <a:t> distributional </a:t>
-            </a:r>
-            <a:r>
-              <a:rPr lang="de-CH" dirty="0" err="1" smtClean="0"/>
-              <a:t>analysis</a:t>
-            </a:r>
-            <a:r>
-              <a:rPr lang="de-CH" dirty="0" smtClean="0"/>
-              <a:t> </a:t>
-            </a:r>
-            <a:r>
-              <a:rPr lang="de-CH" dirty="0" err="1" smtClean="0"/>
-              <a:t>of</a:t>
-            </a:r>
-            <a:r>
-              <a:rPr lang="de-CH" dirty="0" smtClean="0"/>
-              <a:t> </a:t>
-            </a:r>
-            <a:r>
-              <a:rPr lang="de-CH" dirty="0" err="1" smtClean="0"/>
-              <a:t>between</a:t>
-            </a:r>
-            <a:r>
-              <a:rPr lang="de-CH" dirty="0" smtClean="0"/>
-              <a:t> </a:t>
-            </a:r>
-            <a:r>
-              <a:rPr lang="de-CH" dirty="0" err="1" smtClean="0"/>
+              <a:rPr lang="en-US" dirty="0" smtClean="0"/>
+              <a:t>In depth distributional analysis of between </a:t>
+            </a:r>
+            <a:r>
+              <a:rPr lang="en-US" dirty="0" err="1" smtClean="0"/>
               <a:t>agegroup</a:t>
             </a:r>
             <a:r>
-              <a:rPr lang="de-CH" dirty="0" smtClean="0"/>
-              <a:t> </a:t>
-            </a:r>
-            <a:r>
-              <a:rPr lang="de-CH" dirty="0" err="1" smtClean="0"/>
-              <a:t>differences</a:t>
-            </a:r>
-            <a:endParaRPr lang="de-CH" dirty="0"/>
+              <a:rPr lang="en-US" dirty="0" smtClean="0"/>
+              <a:t> differences and contribution of </a:t>
+            </a:r>
+            <a:r>
+              <a:rPr lang="en-US" dirty="0" err="1" smtClean="0"/>
+              <a:t>withingroup</a:t>
+            </a:r>
+            <a:r>
+              <a:rPr lang="en-US" dirty="0" smtClean="0"/>
+              <a:t> inequality to overall inequality</a:t>
+            </a:r>
+            <a:endParaRPr lang="en-US" dirty="0"/>
           </a:p>
         </p:txBody>
       </p:sp>
@@ -11346,52 +11271,116 @@
           <a:lstStyle/>
           <a:p>
             <a:r>
-              <a:rPr lang="de-CH" dirty="0" smtClean="0"/>
+              <a:rPr lang="de-CH" dirty="0"/>
               <a:t>In </a:t>
             </a:r>
             <a:r>
-              <a:rPr lang="de-CH" dirty="0" err="1" smtClean="0"/>
+              <a:rPr lang="de-CH" dirty="0" err="1"/>
               <a:t>depth</a:t>
             </a:r>
             <a:r>
-              <a:rPr lang="de-CH" dirty="0" smtClean="0"/>
+              <a:rPr lang="de-CH" dirty="0"/>
               <a:t> distributional </a:t>
             </a:r>
             <a:r>
-              <a:rPr lang="de-CH" dirty="0" err="1" smtClean="0"/>
+              <a:rPr lang="de-CH" dirty="0" err="1"/>
               <a:t>analysis</a:t>
             </a:r>
             <a:r>
-              <a:rPr lang="de-CH" dirty="0" smtClean="0"/>
+              <a:rPr lang="de-CH" dirty="0"/>
               <a:t> </a:t>
             </a:r>
             <a:r>
-              <a:rPr lang="de-CH" dirty="0" err="1" smtClean="0"/>
+              <a:rPr lang="de-CH" dirty="0" err="1"/>
               <a:t>of</a:t>
             </a:r>
             <a:r>
-              <a:rPr lang="de-CH" dirty="0" smtClean="0"/>
+              <a:rPr lang="de-CH" dirty="0"/>
               <a:t> </a:t>
             </a:r>
             <a:r>
-              <a:rPr lang="de-CH" dirty="0" err="1" smtClean="0"/>
+              <a:rPr lang="de-CH" dirty="0" err="1"/>
               <a:t>between</a:t>
             </a:r>
             <a:r>
-              <a:rPr lang="de-CH" dirty="0" smtClean="0"/>
+              <a:rPr lang="de-CH" dirty="0"/>
               <a:t> </a:t>
             </a:r>
             <a:r>
-              <a:rPr lang="de-CH" dirty="0" err="1" smtClean="0"/>
-              <a:t>Household</a:t>
-            </a:r>
-            <a:r>
-              <a:rPr lang="de-CH" dirty="0" smtClean="0"/>
+              <a:rPr lang="de-CH" dirty="0" err="1"/>
+              <a:t>agegroup</a:t>
+            </a:r>
+            <a:r>
+              <a:rPr lang="de-CH" dirty="0"/>
               <a:t> </a:t>
             </a:r>
             <a:r>
-              <a:rPr lang="de-CH" dirty="0" err="1" smtClean="0"/>
+              <a:rPr lang="de-CH" dirty="0" err="1"/>
               <a:t>differences</a:t>
+            </a:r>
+            <a:r>
+              <a:rPr lang="de-CH" dirty="0"/>
+              <a:t> </a:t>
+            </a:r>
+            <a:r>
+              <a:rPr lang="de-CH" dirty="0" err="1"/>
+              <a:t>and</a:t>
+            </a:r>
+            <a:r>
+              <a:rPr lang="de-CH" dirty="0"/>
+              <a:t> </a:t>
+            </a:r>
+            <a:r>
+              <a:rPr lang="de-CH" dirty="0" err="1"/>
+              <a:t>contribution</a:t>
+            </a:r>
+            <a:r>
+              <a:rPr lang="de-CH" dirty="0"/>
+              <a:t> </a:t>
+            </a:r>
+            <a:r>
+              <a:rPr lang="de-CH" dirty="0" err="1"/>
+              <a:t>of</a:t>
+            </a:r>
+            <a:r>
+              <a:rPr lang="de-CH" dirty="0"/>
+              <a:t> </a:t>
+            </a:r>
+            <a:r>
+              <a:rPr lang="de-CH" dirty="0" err="1"/>
+              <a:t>withingroup</a:t>
+            </a:r>
+            <a:r>
+              <a:rPr lang="de-CH" dirty="0"/>
+              <a:t> </a:t>
+            </a:r>
+            <a:r>
+              <a:rPr lang="de-CH" dirty="0" err="1"/>
+              <a:t>inequality</a:t>
+            </a:r>
+            <a:r>
+              <a:rPr lang="de-CH" dirty="0"/>
+              <a:t> </a:t>
+            </a:r>
+            <a:r>
+              <a:rPr lang="de-CH" dirty="0" err="1"/>
+              <a:t>to</a:t>
+            </a:r>
+            <a:r>
+              <a:rPr lang="de-CH" dirty="0"/>
+              <a:t> </a:t>
+            </a:r>
+            <a:r>
+              <a:rPr lang="de-CH" dirty="0" err="1"/>
+              <a:t>overall</a:t>
+            </a:r>
+            <a:r>
+              <a:rPr lang="de-CH" dirty="0"/>
+              <a:t> </a:t>
+            </a:r>
+            <a:r>
+              <a:rPr lang="de-CH" dirty="0" err="1"/>
+              <a:t>inequality</a:t>
             </a:r>
             <a:endParaRPr lang="de-CH" dirty="0"/>
           </a:p>
@@ -12149,6 +12138,94 @@
               <a:rPr lang="de-CH" dirty="0" err="1" smtClean="0"/>
               <a:t>model</a:t>
             </a:r>
+            <a:r>
+              <a:rPr lang="de-CH" dirty="0" smtClean="0"/>
+              <a:t> &gt; </a:t>
+            </a:r>
+            <a:r>
+              <a:rPr lang="de-CH" dirty="0" err="1" smtClean="0"/>
+              <a:t>with</a:t>
+            </a:r>
+            <a:r>
+              <a:rPr lang="de-CH" dirty="0" smtClean="0"/>
+              <a:t> </a:t>
+            </a:r>
+            <a:r>
+              <a:rPr lang="de-CH" dirty="0" err="1" smtClean="0"/>
+              <a:t>counterfactual</a:t>
+            </a:r>
+            <a:r>
+              <a:rPr lang="de-CH" dirty="0" smtClean="0"/>
+              <a:t> </a:t>
+            </a:r>
+            <a:r>
+              <a:rPr lang="de-CH" dirty="0" err="1" smtClean="0"/>
+              <a:t>decomposition</a:t>
+            </a:r>
+            <a:r>
+              <a:rPr lang="de-CH" dirty="0" smtClean="0"/>
+              <a:t> </a:t>
+            </a:r>
+            <a:r>
+              <a:rPr lang="de-CH" dirty="0" err="1" smtClean="0"/>
+              <a:t>we</a:t>
+            </a:r>
+            <a:r>
+              <a:rPr lang="de-CH" dirty="0" smtClean="0"/>
+              <a:t> </a:t>
+            </a:r>
+            <a:r>
+              <a:rPr lang="de-CH" dirty="0" err="1" smtClean="0"/>
+              <a:t>can</a:t>
+            </a:r>
+            <a:r>
+              <a:rPr lang="de-CH" dirty="0" smtClean="0"/>
+              <a:t> </a:t>
+            </a:r>
+            <a:r>
+              <a:rPr lang="de-CH" dirty="0" err="1" smtClean="0"/>
+              <a:t>examine</a:t>
+            </a:r>
+            <a:r>
+              <a:rPr lang="de-CH" dirty="0" smtClean="0"/>
+              <a:t> </a:t>
+            </a:r>
+            <a:r>
+              <a:rPr lang="de-CH" dirty="0" err="1" smtClean="0"/>
+              <a:t>the</a:t>
+            </a:r>
+            <a:r>
+              <a:rPr lang="de-CH" dirty="0" smtClean="0"/>
+              <a:t> </a:t>
+            </a:r>
+            <a:r>
+              <a:rPr lang="de-CH" dirty="0" err="1" smtClean="0"/>
+              <a:t>relationship</a:t>
+            </a:r>
+            <a:r>
+              <a:rPr lang="de-CH" dirty="0" smtClean="0"/>
+              <a:t> in a </a:t>
+            </a:r>
+            <a:r>
+              <a:rPr lang="de-CH" dirty="0" err="1" smtClean="0"/>
+              <a:t>more</a:t>
+            </a:r>
+            <a:r>
+              <a:rPr lang="de-CH" dirty="0" smtClean="0"/>
+              <a:t> </a:t>
+            </a:r>
+            <a:r>
+              <a:rPr lang="de-CH" dirty="0" err="1" smtClean="0"/>
+              <a:t>causal</a:t>
+            </a:r>
+            <a:r>
+              <a:rPr lang="de-CH" dirty="0" smtClean="0"/>
+              <a:t> </a:t>
+            </a:r>
+            <a:r>
+              <a:rPr lang="de-CH" dirty="0" err="1" smtClean="0"/>
+              <a:t>way</a:t>
+            </a:r>
             <a:endParaRPr lang="de-CH" dirty="0"/>
           </a:p>
         </p:txBody>
@@ -12871,18 +12948,14 @@
           <a:lstStyle/>
           <a:p>
             <a:r>
-              <a:rPr lang="de-CH" dirty="0" err="1" smtClean="0"/>
-              <a:t>Conclusion</a:t>
-            </a:r>
-            <a:r>
-              <a:rPr lang="de-CH" dirty="0" smtClean="0"/>
-              <a:t> und </a:t>
-            </a:r>
-            <a:r>
-              <a:rPr lang="de-CH" dirty="0" err="1" smtClean="0"/>
-              <a:t>outlook</a:t>
-            </a:r>
-            <a:endParaRPr lang="de-CH" dirty="0"/>
+              <a:rPr lang="en-US" dirty="0" smtClean="0"/>
+              <a:t>Interim </a:t>
+            </a:r>
+            <a:r>
+              <a:rPr lang="en-US" dirty="0" smtClean="0"/>
+              <a:t>Conclusion und outlook</a:t>
+            </a:r>
+            <a:endParaRPr lang="en-US" dirty="0"/>
           </a:p>
         </p:txBody>
       </p:sp>
@@ -12928,13 +13001,86 @@
             <a:pPr marL="457200" lvl="1" indent="0">
               <a:buNone/>
             </a:pPr>
-            <a:endParaRPr lang="de-CH" dirty="0"/>
-          </a:p>
-          <a:p>
-            <a:pPr marL="457200" lvl="1" indent="0">
-              <a:buNone/>
+            <a:r>
+              <a:rPr lang="de-CH" i="1" dirty="0" smtClean="0"/>
+              <a:t>Age </a:t>
+            </a:r>
+            <a:r>
+              <a:rPr lang="de-CH" i="1" dirty="0" err="1" smtClean="0"/>
+              <a:t>groups</a:t>
+            </a:r>
+            <a:endParaRPr lang="de-CH" i="1" dirty="0" smtClean="0"/>
+          </a:p>
+          <a:p>
+            <a:pPr lvl="1">
+              <a:buFont typeface="Wingdings" panose="05000000000000000000" pitchFamily="2" charset="2"/>
+              <a:buChar char="Ø"/>
             </a:pPr>
-            <a:endParaRPr lang="de-CH" dirty="0" smtClean="0"/>
+            <a:r>
+              <a:rPr lang="en-US" dirty="0" smtClean="0"/>
+              <a:t>Between group is smaller than within group inequality</a:t>
+            </a:r>
+            <a:r>
+              <a:rPr lang="en-US" dirty="0"/>
+              <a:t> </a:t>
+            </a:r>
+            <a:r>
+              <a:rPr lang="en-US" dirty="0" smtClean="0"/>
+              <a:t>&gt; there are other relevant mechanisms</a:t>
+            </a:r>
+          </a:p>
+          <a:p>
+            <a:pPr lvl="1">
+              <a:buFont typeface="Wingdings" panose="05000000000000000000" pitchFamily="2" charset="2"/>
+              <a:buChar char="Ø"/>
+            </a:pPr>
+            <a:endParaRPr lang="en-US" dirty="0" smtClean="0"/>
+          </a:p>
+          <a:p>
+            <a:pPr lvl="1">
+              <a:buFont typeface="Wingdings" panose="05000000000000000000" pitchFamily="2" charset="2"/>
+              <a:buChar char="Ø"/>
+            </a:pPr>
+            <a:endParaRPr lang="en-US" dirty="0"/>
+          </a:p>
+          <a:p>
+            <a:pPr lvl="1">
+              <a:buFont typeface="Wingdings" panose="05000000000000000000" pitchFamily="2" charset="2"/>
+              <a:buChar char="Ø"/>
+            </a:pPr>
+            <a:endParaRPr lang="en-US" dirty="0" smtClean="0"/>
+          </a:p>
+          <a:p>
+            <a:pPr lvl="1">
+              <a:buFont typeface="Wingdings" panose="05000000000000000000" pitchFamily="2" charset="2"/>
+              <a:buChar char="Ø"/>
+            </a:pPr>
+            <a:endParaRPr lang="en-US" dirty="0"/>
+          </a:p>
+          <a:p>
+            <a:pPr lvl="1">
+              <a:buFont typeface="Wingdings" panose="05000000000000000000" pitchFamily="2" charset="2"/>
+              <a:buChar char="Ø"/>
+            </a:pPr>
+            <a:r>
+              <a:rPr lang="en-US" dirty="0" smtClean="0"/>
+              <a:t>Within </a:t>
+            </a:r>
+            <a:r>
+              <a:rPr lang="en-US" dirty="0" err="1" smtClean="0"/>
+              <a:t>agegroup</a:t>
+            </a:r>
+            <a:r>
+              <a:rPr lang="en-US" dirty="0" smtClean="0"/>
+              <a:t> analysis show…</a:t>
+            </a:r>
+          </a:p>
+          <a:p>
+            <a:pPr lvl="1">
+              <a:buFont typeface="Wingdings" panose="05000000000000000000" pitchFamily="2" charset="2"/>
+              <a:buChar char="Ø"/>
+            </a:pPr>
+            <a:endParaRPr lang="en-US" dirty="0"/>
           </a:p>
         </p:txBody>
       </p:sp>
@@ -13555,6 +13701,278 @@
               <a:buNone/>
             </a:pPr>
             <a:endParaRPr lang="de-CH" dirty="0" smtClean="0"/>
+          </a:p>
+        </p:txBody>
+      </p:sp>
+      <p:sp>
+        <p:nvSpPr>
+          <p:cNvPr id="8" name="Inhaltsplatzhalter 3"/>
+          <p:cNvSpPr txBox="1">
+            <a:spLocks/>
+          </p:cNvSpPr>
+          <p:nvPr/>
+        </p:nvSpPr>
+        <p:spPr>
+          <a:xfrm>
+            <a:off x="4516125" y="2171583"/>
+            <a:ext cx="3141975" cy="3960000"/>
+          </a:xfrm>
+          <a:prstGeom prst="rect">
+            <a:avLst/>
+          </a:prstGeom>
+        </p:spPr>
+        <p:txBody>
+          <a:bodyPr lIns="0" rIns="0"/>
+          <a:lstStyle>
+            <a:lvl1pPr marL="271463" indent="-271463" algn="l" defTabSz="457200" rtl="0" eaLnBrk="1" fontAlgn="base" hangingPunct="1">
+              <a:spcBef>
+                <a:spcPct val="20000"/>
+              </a:spcBef>
+              <a:spcAft>
+                <a:spcPct val="0"/>
+              </a:spcAft>
+              <a:buClr>
+                <a:srgbClr val="FAA500"/>
+              </a:buClr>
+              <a:buSzPct val="80000"/>
+              <a:buFont typeface="Lucida Grande"/>
+              <a:buChar char="▶"/>
+              <a:defRPr sz="1800" kern="1200">
+                <a:solidFill>
+                  <a:schemeClr val="tx1"/>
+                </a:solidFill>
+                <a:latin typeface="Lucida Sans"/>
+                <a:ea typeface="MS PGothic" pitchFamily="34" charset="-128"/>
+                <a:cs typeface="Lucida Sans"/>
+              </a:defRPr>
+            </a:lvl1pPr>
+            <a:lvl2pPr marL="714375" indent="-257175" algn="l" defTabSz="457200" rtl="0" eaLnBrk="1" fontAlgn="base" hangingPunct="1">
+              <a:spcBef>
+                <a:spcPct val="20000"/>
+              </a:spcBef>
+              <a:spcAft>
+                <a:spcPct val="0"/>
+              </a:spcAft>
+              <a:buClr>
+                <a:srgbClr val="FAA500"/>
+              </a:buClr>
+              <a:buSzPct val="80000"/>
+              <a:buFont typeface="Lucida Grande"/>
+              <a:buChar char="▶"/>
+              <a:defRPr sz="1800" kern="1200">
+                <a:solidFill>
+                  <a:schemeClr val="tx1"/>
+                </a:solidFill>
+                <a:latin typeface="Lucida Sans"/>
+                <a:ea typeface="MS PGothic" pitchFamily="34" charset="-128"/>
+                <a:cs typeface="Lucida Sans"/>
+              </a:defRPr>
+            </a:lvl2pPr>
+            <a:lvl3pPr marL="1143000" indent="-228600" algn="l" defTabSz="457200" rtl="0" eaLnBrk="1" fontAlgn="base" hangingPunct="1">
+              <a:spcBef>
+                <a:spcPct val="20000"/>
+              </a:spcBef>
+              <a:spcAft>
+                <a:spcPct val="0"/>
+              </a:spcAft>
+              <a:buClr>
+                <a:srgbClr val="FAA500"/>
+              </a:buClr>
+              <a:buSzPct val="80000"/>
+              <a:buFont typeface="Lucida Grande"/>
+              <a:buChar char="▶"/>
+              <a:defRPr sz="1800" kern="1200">
+                <a:solidFill>
+                  <a:schemeClr val="tx1"/>
+                </a:solidFill>
+                <a:latin typeface="Lucida Sans"/>
+                <a:ea typeface="MS PGothic" pitchFamily="34" charset="-128"/>
+                <a:cs typeface="Lucida Sans"/>
+              </a:defRPr>
+            </a:lvl3pPr>
+            <a:lvl4pPr marL="1600200" indent="-228600" algn="l" defTabSz="457200" rtl="0" eaLnBrk="1" fontAlgn="base" hangingPunct="1">
+              <a:spcBef>
+                <a:spcPct val="20000"/>
+              </a:spcBef>
+              <a:spcAft>
+                <a:spcPct val="0"/>
+              </a:spcAft>
+              <a:buClr>
+                <a:srgbClr val="FAA500"/>
+              </a:buClr>
+              <a:buSzPct val="80000"/>
+              <a:buFont typeface="Lucida Grande"/>
+              <a:buChar char="▶"/>
+              <a:defRPr sz="1800" kern="1200">
+                <a:solidFill>
+                  <a:schemeClr val="tx1"/>
+                </a:solidFill>
+                <a:latin typeface="Lucida Sans"/>
+                <a:ea typeface="MS PGothic" pitchFamily="34" charset="-128"/>
+                <a:cs typeface="Lucida Sans"/>
+              </a:defRPr>
+            </a:lvl4pPr>
+            <a:lvl5pPr marL="2057400" indent="-228600" algn="l" defTabSz="457200" rtl="0" eaLnBrk="1" fontAlgn="base" hangingPunct="1">
+              <a:spcBef>
+                <a:spcPct val="20000"/>
+              </a:spcBef>
+              <a:spcAft>
+                <a:spcPct val="0"/>
+              </a:spcAft>
+              <a:buClr>
+                <a:srgbClr val="FAA500"/>
+              </a:buClr>
+              <a:buSzPct val="80000"/>
+              <a:buFont typeface="Lucida Grande"/>
+              <a:buChar char="▶"/>
+              <a:defRPr sz="1800" kern="1200">
+                <a:solidFill>
+                  <a:schemeClr val="tx1"/>
+                </a:solidFill>
+                <a:latin typeface="Lucida Sans"/>
+                <a:ea typeface="MS PGothic" pitchFamily="34" charset="-128"/>
+                <a:cs typeface="Lucida Sans"/>
+              </a:defRPr>
+            </a:lvl5pPr>
+            <a:lvl6pPr marL="2514600" indent="-228600" algn="l" defTabSz="457200" rtl="0" eaLnBrk="1" latinLnBrk="0" hangingPunct="1">
+              <a:spcBef>
+                <a:spcPct val="20000"/>
+              </a:spcBef>
+              <a:buFont typeface="Arial"/>
+              <a:buChar char="•"/>
+              <a:defRPr sz="1800" kern="1200">
+                <a:solidFill>
+                  <a:schemeClr val="tx1"/>
+                </a:solidFill>
+                <a:latin typeface="+mn-lt"/>
+                <a:ea typeface="+mn-ea"/>
+                <a:cs typeface="+mn-cs"/>
+              </a:defRPr>
+            </a:lvl6pPr>
+            <a:lvl7pPr marL="2971800" indent="-228600" algn="l" defTabSz="457200" rtl="0" eaLnBrk="1" latinLnBrk="0" hangingPunct="1">
+              <a:spcBef>
+                <a:spcPct val="20000"/>
+              </a:spcBef>
+              <a:buFont typeface="Arial"/>
+              <a:buChar char="•"/>
+              <a:defRPr sz="1800" kern="1200">
+                <a:solidFill>
+                  <a:schemeClr val="tx1"/>
+                </a:solidFill>
+                <a:latin typeface="+mn-lt"/>
+                <a:ea typeface="+mn-ea"/>
+                <a:cs typeface="+mn-cs"/>
+              </a:defRPr>
+            </a:lvl7pPr>
+            <a:lvl8pPr marL="3429000" indent="-228600" algn="l" defTabSz="457200" rtl="0" eaLnBrk="1" latinLnBrk="0" hangingPunct="1">
+              <a:spcBef>
+                <a:spcPct val="20000"/>
+              </a:spcBef>
+              <a:buFont typeface="Arial"/>
+              <a:buChar char="•"/>
+              <a:defRPr sz="1800" kern="1200">
+                <a:solidFill>
+                  <a:schemeClr val="tx1"/>
+                </a:solidFill>
+                <a:latin typeface="+mn-lt"/>
+                <a:ea typeface="+mn-ea"/>
+                <a:cs typeface="+mn-cs"/>
+              </a:defRPr>
+            </a:lvl8pPr>
+            <a:lvl9pPr marL="3886200" indent="-228600" algn="l" defTabSz="457200" rtl="0" eaLnBrk="1" latinLnBrk="0" hangingPunct="1">
+              <a:spcBef>
+                <a:spcPct val="20000"/>
+              </a:spcBef>
+              <a:buFont typeface="Arial"/>
+              <a:buChar char="•"/>
+              <a:defRPr sz="1800" kern="1200">
+                <a:solidFill>
+                  <a:schemeClr val="tx1"/>
+                </a:solidFill>
+                <a:latin typeface="+mn-lt"/>
+                <a:ea typeface="+mn-ea"/>
+                <a:cs typeface="+mn-cs"/>
+              </a:defRPr>
+            </a:lvl9pPr>
+          </a:lstStyle>
+          <a:p>
+            <a:pPr marL="457200" lvl="1" indent="0">
+              <a:buFont typeface="Lucida Grande"/>
+              <a:buNone/>
+            </a:pPr>
+            <a:r>
+              <a:rPr lang="en-US" i="1" dirty="0" smtClean="0"/>
+              <a:t>Household types</a:t>
+            </a:r>
+          </a:p>
+          <a:p>
+            <a:pPr lvl="1">
+              <a:buFont typeface="Wingdings" panose="05000000000000000000" pitchFamily="2" charset="2"/>
+              <a:buChar char="Ø"/>
+            </a:pPr>
+            <a:r>
+              <a:rPr lang="en-US" dirty="0" smtClean="0"/>
+              <a:t>More people living alone</a:t>
+            </a:r>
+          </a:p>
+          <a:p>
+            <a:pPr lvl="1">
+              <a:buFont typeface="Wingdings" panose="05000000000000000000" pitchFamily="2" charset="2"/>
+              <a:buChar char="Ø"/>
+            </a:pPr>
+            <a:r>
+              <a:rPr lang="en-US" dirty="0" smtClean="0"/>
+              <a:t>Between </a:t>
+            </a:r>
+            <a:r>
+              <a:rPr lang="en-US" dirty="0"/>
+              <a:t>group </a:t>
+            </a:r>
+            <a:r>
+              <a:rPr lang="en-US" dirty="0" smtClean="0"/>
+              <a:t>differences seem to be relevant</a:t>
+            </a:r>
+          </a:p>
+          <a:p>
+            <a:pPr lvl="1">
+              <a:buFont typeface="Wingdings" panose="05000000000000000000" pitchFamily="2" charset="2"/>
+              <a:buChar char="Ø"/>
+            </a:pPr>
+            <a:r>
+              <a:rPr lang="en-US" dirty="0" smtClean="0"/>
+              <a:t>Between group component contributed more to overall inequality over time</a:t>
+            </a:r>
+          </a:p>
+          <a:p>
+            <a:pPr lvl="1">
+              <a:buFont typeface="Wingdings" panose="05000000000000000000" pitchFamily="2" charset="2"/>
+              <a:buChar char="Ø"/>
+            </a:pPr>
+            <a:r>
+              <a:rPr lang="en-US" dirty="0"/>
+              <a:t>Within </a:t>
+            </a:r>
+            <a:r>
+              <a:rPr lang="en-US" dirty="0" err="1"/>
+              <a:t>agegroup</a:t>
+            </a:r>
+            <a:r>
+              <a:rPr lang="en-US" dirty="0"/>
+              <a:t> analysis show…</a:t>
+            </a:r>
+          </a:p>
+          <a:p>
+            <a:pPr lvl="1">
+              <a:buFont typeface="Wingdings" panose="05000000000000000000" pitchFamily="2" charset="2"/>
+              <a:buChar char="Ø"/>
+            </a:pPr>
+            <a:endParaRPr lang="en-US" i="1" dirty="0" smtClean="0"/>
+          </a:p>
+          <a:p>
+            <a:pPr marL="457200" lvl="1" indent="0">
+              <a:buNone/>
+            </a:pPr>
+            <a:endParaRPr lang="en-US" i="1" dirty="0" smtClean="0"/>
           </a:p>
         </p:txBody>
       </p:sp>
@@ -13615,211 +14033,211 @@
               <a:t>Income </a:t>
             </a:r>
             <a:r>
-              <a:rPr lang="de-CH" dirty="0" err="1"/>
+              <a:rPr lang="en-US" dirty="0" smtClean="0"/>
               <a:t>inequality</a:t>
+            </a:r>
+            <a:r>
+              <a:rPr lang="de-CH" dirty="0" smtClean="0"/>
+              <a:t> </a:t>
+            </a:r>
+            <a:r>
+              <a:rPr lang="en-US" dirty="0" smtClean="0"/>
+              <a:t>is</a:t>
+            </a:r>
+            <a:r>
+              <a:rPr lang="de-CH" dirty="0" smtClean="0"/>
+              <a:t> </a:t>
+            </a:r>
+            <a:r>
+              <a:rPr lang="en-US" dirty="0" smtClean="0"/>
+              <a:t>often</a:t>
+            </a:r>
+            <a:r>
+              <a:rPr lang="de-CH" dirty="0" smtClean="0"/>
+              <a:t> </a:t>
+            </a:r>
+            <a:r>
+              <a:rPr lang="en-US" dirty="0" smtClean="0"/>
+              <a:t>understood</a:t>
+            </a:r>
+            <a:r>
+              <a:rPr lang="de-CH" dirty="0" smtClean="0"/>
+              <a:t> </a:t>
+            </a:r>
+            <a:r>
+              <a:rPr lang="en-US" dirty="0" smtClean="0"/>
+              <a:t>as</a:t>
+            </a:r>
+            <a:r>
+              <a:rPr lang="de-CH" dirty="0" smtClean="0"/>
+              <a:t> </a:t>
+            </a:r>
+            <a:r>
+              <a:rPr lang="de-CH" dirty="0"/>
+              <a:t>a </a:t>
+            </a:r>
+            <a:r>
+              <a:rPr lang="en-US" dirty="0" smtClean="0"/>
+              <a:t>result</a:t>
+            </a:r>
+            <a:r>
+              <a:rPr lang="de-CH" dirty="0" smtClean="0"/>
+              <a:t> </a:t>
+            </a:r>
+            <a:r>
+              <a:rPr lang="en-US" dirty="0" smtClean="0"/>
+              <a:t>of</a:t>
+            </a:r>
+            <a:r>
+              <a:rPr lang="de-CH" dirty="0" smtClean="0"/>
+              <a:t> </a:t>
+            </a:r>
+            <a:r>
+              <a:rPr lang="en-US" dirty="0" smtClean="0"/>
+              <a:t>unequal</a:t>
+            </a:r>
+            <a:r>
+              <a:rPr lang="de-CH" dirty="0" smtClean="0"/>
+              <a:t> </a:t>
+            </a:r>
+            <a:r>
+              <a:rPr lang="en-US" dirty="0" smtClean="0"/>
+              <a:t>wages</a:t>
+            </a:r>
+            <a:r>
+              <a:rPr lang="de-CH" dirty="0" smtClean="0"/>
+              <a:t> </a:t>
+            </a:r>
+            <a:r>
+              <a:rPr lang="en-US" dirty="0" smtClean="0"/>
+              <a:t>which</a:t>
+            </a:r>
+            <a:r>
+              <a:rPr lang="de-CH" dirty="0" smtClean="0"/>
+              <a:t> </a:t>
+            </a:r>
+            <a:r>
+              <a:rPr lang="en-US" dirty="0" smtClean="0"/>
+              <a:t>is</a:t>
+            </a:r>
+            <a:r>
+              <a:rPr lang="de-CH" dirty="0" smtClean="0"/>
+              <a:t> </a:t>
+            </a:r>
+            <a:r>
+              <a:rPr lang="en-US" dirty="0" smtClean="0"/>
+              <a:t>moderated</a:t>
+            </a:r>
+            <a:r>
+              <a:rPr lang="de-CH" dirty="0" smtClean="0"/>
+              <a:t> </a:t>
+            </a:r>
+            <a:r>
+              <a:rPr lang="en-US" dirty="0" smtClean="0"/>
+              <a:t>through</a:t>
+            </a:r>
+            <a:r>
+              <a:rPr lang="de-CH" dirty="0" smtClean="0"/>
+              <a:t> </a:t>
+            </a:r>
+            <a:r>
+              <a:rPr lang="en-US" dirty="0" smtClean="0"/>
+              <a:t>redistribution</a:t>
+            </a:r>
+            <a:r>
+              <a:rPr lang="de-CH" dirty="0" smtClean="0"/>
+              <a:t>.</a:t>
             </a:r>
             <a:r>
               <a:rPr lang="de-CH" dirty="0"/>
               <a:t> </a:t>
             </a:r>
             <a:r>
-              <a:rPr lang="de-CH" dirty="0" err="1"/>
-              <a:t>is</a:t>
-            </a:r>
-            <a:r>
-              <a:rPr lang="de-CH" dirty="0"/>
-              <a:t> </a:t>
-            </a:r>
-            <a:r>
-              <a:rPr lang="de-CH" dirty="0" err="1" smtClean="0"/>
-              <a:t>often</a:t>
+              <a:rPr lang="de-CH" dirty="0" smtClean="0"/>
+              <a:t>But </a:t>
+            </a:r>
+            <a:r>
+              <a:rPr lang="en-US" dirty="0" smtClean="0"/>
+              <a:t>how</a:t>
             </a:r>
             <a:r>
               <a:rPr lang="de-CH" dirty="0" smtClean="0"/>
               <a:t> </a:t>
             </a:r>
             <a:r>
-              <a:rPr lang="de-CH" dirty="0" err="1" smtClean="0"/>
-              <a:t>understood</a:t>
+              <a:rPr lang="en-US" dirty="0" smtClean="0"/>
+              <a:t>is</a:t>
             </a:r>
             <a:r>
               <a:rPr lang="de-CH" dirty="0" smtClean="0"/>
               <a:t> </a:t>
             </a:r>
             <a:r>
-              <a:rPr lang="de-CH" dirty="0" err="1"/>
-              <a:t>as</a:t>
-            </a:r>
-            <a:r>
-              <a:rPr lang="de-CH" dirty="0"/>
-              <a:t> a </a:t>
-            </a:r>
-            <a:r>
-              <a:rPr lang="de-CH" dirty="0" err="1"/>
-              <a:t>result</a:t>
-            </a:r>
-            <a:r>
-              <a:rPr lang="de-CH" dirty="0"/>
-              <a:t> </a:t>
-            </a:r>
-            <a:r>
-              <a:rPr lang="de-CH" dirty="0" err="1"/>
-              <a:t>of</a:t>
-            </a:r>
-            <a:r>
-              <a:rPr lang="de-CH" dirty="0"/>
-              <a:t> </a:t>
-            </a:r>
-            <a:r>
-              <a:rPr lang="de-CH" dirty="0" err="1"/>
-              <a:t>unequal</a:t>
-            </a:r>
-            <a:r>
-              <a:rPr lang="de-CH" dirty="0"/>
-              <a:t> </a:t>
-            </a:r>
-            <a:r>
-              <a:rPr lang="de-CH" dirty="0" err="1"/>
-              <a:t>wages</a:t>
-            </a:r>
-            <a:r>
-              <a:rPr lang="de-CH" dirty="0"/>
-              <a:t> </a:t>
-            </a:r>
-            <a:r>
-              <a:rPr lang="de-CH" dirty="0" err="1"/>
-              <a:t>which</a:t>
-            </a:r>
-            <a:r>
-              <a:rPr lang="de-CH" dirty="0"/>
-              <a:t> </a:t>
-            </a:r>
-            <a:r>
-              <a:rPr lang="de-CH" dirty="0" err="1"/>
-              <a:t>is</a:t>
-            </a:r>
-            <a:r>
-              <a:rPr lang="de-CH" dirty="0"/>
-              <a:t> </a:t>
-            </a:r>
-            <a:r>
-              <a:rPr lang="de-CH" dirty="0" err="1"/>
-              <a:t>moderated</a:t>
-            </a:r>
-            <a:r>
-              <a:rPr lang="de-CH" dirty="0"/>
-              <a:t> </a:t>
-            </a:r>
-            <a:r>
-              <a:rPr lang="de-CH" dirty="0" err="1"/>
-              <a:t>through</a:t>
-            </a:r>
-            <a:r>
-              <a:rPr lang="de-CH" dirty="0"/>
-              <a:t> </a:t>
-            </a:r>
-            <a:r>
-              <a:rPr lang="de-CH" dirty="0" err="1"/>
-              <a:t>redistribution</a:t>
-            </a:r>
-            <a:r>
-              <a:rPr lang="de-CH" dirty="0" smtClean="0"/>
-              <a:t>.</a:t>
-            </a:r>
-          </a:p>
-          <a:p>
-            <a:pPr marL="0" indent="0">
-              <a:buNone/>
-            </a:pPr>
-            <a:endParaRPr lang="de-CH" dirty="0"/>
-          </a:p>
-          <a:p>
-            <a:r>
-              <a:rPr lang="de-CH" dirty="0"/>
-              <a:t>But </a:t>
-            </a:r>
-            <a:r>
-              <a:rPr lang="de-CH" dirty="0" err="1"/>
-              <a:t>how</a:t>
-            </a:r>
-            <a:r>
-              <a:rPr lang="de-CH" dirty="0"/>
-              <a:t> </a:t>
-            </a:r>
-            <a:r>
-              <a:rPr lang="de-CH" dirty="0" err="1"/>
-              <a:t>is</a:t>
-            </a:r>
-            <a:r>
-              <a:rPr lang="de-CH" dirty="0"/>
-              <a:t> </a:t>
-            </a:r>
-            <a:r>
-              <a:rPr lang="de-CH" dirty="0" err="1"/>
+              <a:rPr lang="en-US" dirty="0" smtClean="0"/>
               <a:t>income</a:t>
-            </a:r>
-            <a:r>
-              <a:rPr lang="de-CH" dirty="0"/>
-              <a:t> </a:t>
-            </a:r>
-            <a:r>
-              <a:rPr lang="de-CH" dirty="0" err="1"/>
-              <a:t>inequality</a:t>
-            </a:r>
-            <a:r>
-              <a:rPr lang="de-CH" dirty="0"/>
-              <a:t> </a:t>
-            </a:r>
-            <a:r>
-              <a:rPr lang="de-CH" dirty="0" err="1"/>
-              <a:t>related</a:t>
-            </a:r>
-            <a:r>
-              <a:rPr lang="de-CH" dirty="0"/>
-              <a:t> </a:t>
-            </a:r>
-            <a:r>
-              <a:rPr lang="de-CH" dirty="0" err="1"/>
-              <a:t>to</a:t>
-            </a:r>
-            <a:r>
-              <a:rPr lang="de-CH" dirty="0"/>
-              <a:t> </a:t>
-            </a:r>
-            <a:r>
-              <a:rPr lang="de-CH" dirty="0" err="1"/>
-              <a:t>demographic</a:t>
-            </a:r>
-            <a:r>
-              <a:rPr lang="de-CH" dirty="0"/>
-              <a:t> </a:t>
-            </a:r>
-            <a:r>
-              <a:rPr lang="de-CH" dirty="0" err="1" smtClean="0"/>
-              <a:t>factors</a:t>
             </a:r>
             <a:r>
               <a:rPr lang="de-CH" dirty="0" smtClean="0"/>
               <a:t> </a:t>
             </a:r>
             <a:r>
-              <a:rPr lang="de-CH" dirty="0" err="1" smtClean="0"/>
-              <a:t>or</a:t>
+              <a:rPr lang="en-US" dirty="0" smtClean="0"/>
+              <a:t>inequality</a:t>
             </a:r>
             <a:r>
               <a:rPr lang="de-CH" dirty="0" smtClean="0"/>
               <a:t> </a:t>
             </a:r>
             <a:r>
-              <a:rPr lang="de-CH" dirty="0" err="1" smtClean="0"/>
-              <a:t>demographic</a:t>
+              <a:rPr lang="en-US" dirty="0" smtClean="0"/>
+              <a:t>related</a:t>
             </a:r>
             <a:r>
               <a:rPr lang="de-CH" dirty="0" smtClean="0"/>
               <a:t> </a:t>
             </a:r>
             <a:r>
-              <a:rPr lang="de-CH" dirty="0" err="1" smtClean="0"/>
+              <a:rPr lang="en-US" dirty="0" smtClean="0"/>
+              <a:t>to</a:t>
+            </a:r>
+            <a:r>
+              <a:rPr lang="de-CH" dirty="0" smtClean="0"/>
+              <a:t> </a:t>
+            </a:r>
+            <a:r>
+              <a:rPr lang="en-US" dirty="0" smtClean="0"/>
+              <a:t>demographic</a:t>
+            </a:r>
+            <a:r>
+              <a:rPr lang="de-CH" dirty="0" smtClean="0"/>
+              <a:t> </a:t>
+            </a:r>
+            <a:r>
+              <a:rPr lang="en-US" dirty="0" smtClean="0"/>
+              <a:t>factors</a:t>
+            </a:r>
+            <a:r>
+              <a:rPr lang="de-CH" dirty="0" smtClean="0"/>
+              <a:t> </a:t>
+            </a:r>
+            <a:r>
+              <a:rPr lang="en-US" dirty="0" smtClean="0"/>
+              <a:t>or</a:t>
+            </a:r>
+            <a:r>
+              <a:rPr lang="de-CH" dirty="0" smtClean="0"/>
+              <a:t> </a:t>
+            </a:r>
+            <a:r>
+              <a:rPr lang="en-US" dirty="0" smtClean="0"/>
+              <a:t>demographic</a:t>
+            </a:r>
+            <a:r>
+              <a:rPr lang="de-CH" dirty="0" smtClean="0"/>
+              <a:t> </a:t>
+            </a:r>
+            <a:r>
+              <a:rPr lang="en-US" dirty="0" smtClean="0"/>
               <a:t>changes</a:t>
             </a:r>
             <a:r>
@@ -13836,301 +14254,163 @@
           </a:p>
           <a:p>
             <a:r>
-              <a:rPr lang="de-CH" dirty="0" err="1" smtClean="0"/>
-              <a:t>Current</a:t>
+              <a:rPr lang="en-US" dirty="0" smtClean="0"/>
+              <a:t>Current Demographic Development in Europe</a:t>
+            </a:r>
+            <a:r>
+              <a:rPr lang="de-CH" dirty="0" smtClean="0"/>
+              <a:t>: </a:t>
+            </a:r>
+            <a:r>
+              <a:rPr lang="en-US" i="1" dirty="0"/>
+              <a:t>Older, more numerous and diverse </a:t>
+            </a:r>
+            <a:r>
+              <a:rPr lang="en-US" i="1" dirty="0" smtClean="0"/>
+              <a:t>(</a:t>
+            </a:r>
+            <a:r>
+              <a:rPr lang="en-US" dirty="0" smtClean="0"/>
+              <a:t>Demography report 2010</a:t>
+            </a:r>
+            <a:r>
+              <a:rPr lang="de-CH" dirty="0" smtClean="0"/>
+              <a:t>)</a:t>
+            </a:r>
+            <a:endParaRPr lang="de-CH" dirty="0" smtClean="0"/>
+          </a:p>
+          <a:p>
+            <a:r>
+              <a:rPr lang="de-CH" dirty="0" smtClean="0"/>
+              <a:t>In </a:t>
+            </a:r>
+            <a:r>
+              <a:rPr lang="en-US" dirty="0" smtClean="0"/>
+              <a:t>Switzerland the picture is similar</a:t>
+            </a:r>
+            <a:r>
+              <a:rPr lang="de-CH" dirty="0" smtClean="0"/>
+              <a:t>:</a:t>
+            </a:r>
+            <a:endParaRPr lang="de-CH" dirty="0" smtClean="0"/>
+          </a:p>
+          <a:p>
+            <a:pPr lvl="1"/>
+            <a:r>
+              <a:rPr lang="en-US" dirty="0" smtClean="0">
+                <a:solidFill>
+                  <a:prstClr val="black"/>
+                </a:solidFill>
+              </a:rPr>
+              <a:t>Swiss Population is ageing</a:t>
+            </a:r>
+            <a:r>
+              <a:rPr lang="de-CH" dirty="0" smtClean="0">
+                <a:solidFill>
+                  <a:prstClr val="black"/>
+                </a:solidFill>
+              </a:rPr>
+              <a:t> </a:t>
+            </a:r>
+            <a:r>
+              <a:rPr lang="de-CH" sz="1200" dirty="0">
+                <a:solidFill>
+                  <a:prstClr val="black"/>
+                </a:solidFill>
+              </a:rPr>
+              <a:t>(Share </a:t>
+            </a:r>
+            <a:r>
+              <a:rPr lang="de-CH" sz="1200" dirty="0" err="1">
+                <a:solidFill>
+                  <a:prstClr val="black"/>
+                </a:solidFill>
+              </a:rPr>
+              <a:t>of</a:t>
+            </a:r>
+            <a:r>
+              <a:rPr lang="de-CH" sz="1200" dirty="0">
+                <a:solidFill>
+                  <a:prstClr val="black"/>
+                </a:solidFill>
+              </a:rPr>
+              <a:t> 65+: 1980: 14%, 2012: 17%, </a:t>
+            </a:r>
+            <a:r>
+              <a:rPr lang="en-US" sz="1200" dirty="0" smtClean="0">
+                <a:solidFill>
+                  <a:prstClr val="black"/>
+                </a:solidFill>
+              </a:rPr>
+              <a:t>estimated</a:t>
+            </a:r>
+            <a:r>
+              <a:rPr lang="de-CH" sz="1200" dirty="0" smtClean="0">
+                <a:solidFill>
+                  <a:prstClr val="black"/>
+                </a:solidFill>
+              </a:rPr>
+              <a:t> </a:t>
+            </a:r>
+            <a:r>
+              <a:rPr lang="de-CH" sz="1200" dirty="0">
+                <a:solidFill>
+                  <a:prstClr val="black"/>
+                </a:solidFill>
+              </a:rPr>
+              <a:t>in 2030: 24% Source: ESPOP, STATPOP, SCENARIO</a:t>
+            </a:r>
+            <a:r>
+              <a:rPr lang="de-CH" sz="1200" dirty="0" smtClean="0">
+                <a:solidFill>
+                  <a:prstClr val="black"/>
+                </a:solidFill>
+              </a:rPr>
+              <a:t>)</a:t>
+            </a:r>
+          </a:p>
+          <a:p>
+            <a:pPr lvl="1"/>
+            <a:r>
+              <a:rPr lang="en-US" dirty="0" smtClean="0">
+                <a:solidFill>
+                  <a:srgbClr val="FF0000"/>
+                </a:solidFill>
+              </a:rPr>
+              <a:t>Household </a:t>
+            </a:r>
+            <a:r>
+              <a:rPr lang="en-US" dirty="0" err="1" smtClean="0">
+                <a:solidFill>
+                  <a:srgbClr val="FF0000"/>
+                </a:solidFill>
+              </a:rPr>
+              <a:t>typs</a:t>
+            </a:r>
+            <a:r>
+              <a:rPr lang="en-US" dirty="0" smtClean="0">
+                <a:solidFill>
+                  <a:srgbClr val="FF0000"/>
+                </a:solidFill>
+              </a:rPr>
+              <a:t> are changing </a:t>
+            </a:r>
+          </a:p>
+          <a:p>
+            <a:pPr lvl="1"/>
+            <a:r>
+              <a:rPr lang="de-CH" dirty="0" smtClean="0"/>
+              <a:t>I</a:t>
+            </a:r>
+            <a:r>
+              <a:rPr lang="en-US" dirty="0" smtClean="0"/>
+              <a:t>n the last 30 year Population grow by 1.8 Mio</a:t>
             </a:r>
             <a:r>
               <a:rPr lang="de-CH" dirty="0" smtClean="0"/>
               <a:t> </a:t>
             </a:r>
             <a:r>
-              <a:rPr lang="de-CH" dirty="0" err="1" smtClean="0"/>
-              <a:t>Demographic</a:t>
-            </a:r>
-            <a:r>
-              <a:rPr lang="de-CH" dirty="0" smtClean="0"/>
-              <a:t> Development in Europe: </a:t>
-            </a:r>
-            <a:r>
-              <a:rPr lang="en-US" i="1" dirty="0"/>
-              <a:t>Older, more numerous and diverse </a:t>
-            </a:r>
-            <a:r>
-              <a:rPr lang="en-US" i="1" dirty="0" smtClean="0"/>
-              <a:t>(</a:t>
-            </a:r>
-            <a:r>
-              <a:rPr lang="de-CH" dirty="0" err="1"/>
-              <a:t>Demography</a:t>
-            </a:r>
-            <a:r>
-              <a:rPr lang="de-CH" dirty="0"/>
-              <a:t> </a:t>
-            </a:r>
-            <a:r>
-              <a:rPr lang="de-CH" dirty="0" err="1"/>
-              <a:t>report</a:t>
-            </a:r>
-            <a:r>
-              <a:rPr lang="de-CH" dirty="0"/>
-              <a:t> </a:t>
-            </a:r>
-            <a:r>
-              <a:rPr lang="de-CH" dirty="0" smtClean="0"/>
-              <a:t>2010)</a:t>
-            </a:r>
-          </a:p>
-          <a:p>
-            <a:r>
-              <a:rPr lang="de-CH" dirty="0" smtClean="0"/>
-              <a:t>In </a:t>
-            </a:r>
-            <a:r>
-              <a:rPr lang="de-CH" dirty="0" err="1" smtClean="0"/>
-              <a:t>Swizterland</a:t>
-            </a:r>
-            <a:r>
-              <a:rPr lang="de-CH" dirty="0" smtClean="0"/>
-              <a:t> </a:t>
-            </a:r>
-            <a:r>
-              <a:rPr lang="de-CH" dirty="0" err="1" smtClean="0"/>
-              <a:t>the</a:t>
-            </a:r>
-            <a:r>
-              <a:rPr lang="de-CH" dirty="0" smtClean="0"/>
-              <a:t> </a:t>
-            </a:r>
-            <a:r>
-              <a:rPr lang="de-CH" dirty="0" err="1" smtClean="0"/>
-              <a:t>picture</a:t>
-            </a:r>
-            <a:r>
-              <a:rPr lang="de-CH" dirty="0" smtClean="0"/>
-              <a:t> </a:t>
-            </a:r>
-            <a:r>
-              <a:rPr lang="de-CH" dirty="0" err="1" smtClean="0"/>
-              <a:t>is</a:t>
-            </a:r>
-            <a:r>
-              <a:rPr lang="de-CH" dirty="0" smtClean="0"/>
-              <a:t> </a:t>
-            </a:r>
-            <a:r>
-              <a:rPr lang="de-CH" dirty="0" err="1" smtClean="0"/>
-              <a:t>similar</a:t>
-            </a:r>
-            <a:r>
-              <a:rPr lang="de-CH" dirty="0" smtClean="0"/>
-              <a:t>:</a:t>
-            </a:r>
-          </a:p>
-          <a:p>
-            <a:pPr lvl="1"/>
-            <a:r>
-              <a:rPr lang="de-CH" dirty="0">
-                <a:solidFill>
-                  <a:prstClr val="black"/>
-                </a:solidFill>
-              </a:rPr>
-              <a:t>Swiss Population </a:t>
-            </a:r>
-            <a:r>
-              <a:rPr lang="de-CH" dirty="0" err="1">
-                <a:solidFill>
-                  <a:prstClr val="black"/>
-                </a:solidFill>
-              </a:rPr>
-              <a:t>is</a:t>
-            </a:r>
-            <a:r>
-              <a:rPr lang="de-CH" dirty="0">
-                <a:solidFill>
-                  <a:prstClr val="black"/>
-                </a:solidFill>
-              </a:rPr>
-              <a:t> </a:t>
-            </a:r>
-            <a:r>
-              <a:rPr lang="de-CH" dirty="0" err="1">
-                <a:solidFill>
-                  <a:prstClr val="black"/>
-                </a:solidFill>
-              </a:rPr>
-              <a:t>ageing</a:t>
-            </a:r>
-            <a:r>
-              <a:rPr lang="de-CH" dirty="0">
-                <a:solidFill>
-                  <a:prstClr val="black"/>
-                </a:solidFill>
-              </a:rPr>
-              <a:t> </a:t>
-            </a:r>
-            <a:r>
-              <a:rPr lang="de-CH" sz="1200" dirty="0">
-                <a:solidFill>
-                  <a:prstClr val="black"/>
-                </a:solidFill>
-              </a:rPr>
-              <a:t>(Share </a:t>
-            </a:r>
-            <a:r>
-              <a:rPr lang="de-CH" sz="1200" dirty="0" err="1">
-                <a:solidFill>
-                  <a:prstClr val="black"/>
-                </a:solidFill>
-              </a:rPr>
-              <a:t>of</a:t>
-            </a:r>
-            <a:r>
-              <a:rPr lang="de-CH" sz="1200" dirty="0">
-                <a:solidFill>
-                  <a:prstClr val="black"/>
-                </a:solidFill>
-              </a:rPr>
-              <a:t> 65+: 1980: 14%, 2012: 17%, </a:t>
-            </a:r>
-            <a:r>
-              <a:rPr lang="de-CH" sz="1200" dirty="0" err="1">
-                <a:solidFill>
-                  <a:prstClr val="black"/>
-                </a:solidFill>
-              </a:rPr>
-              <a:t>estimated</a:t>
-            </a:r>
-            <a:r>
-              <a:rPr lang="de-CH" sz="1200" dirty="0">
-                <a:solidFill>
-                  <a:prstClr val="black"/>
-                </a:solidFill>
-              </a:rPr>
-              <a:t> in 2030: 24% Source: ESPOP, STATPOP, SCENARIO</a:t>
-            </a:r>
-            <a:r>
-              <a:rPr lang="de-CH" sz="1200" dirty="0" smtClean="0">
-                <a:solidFill>
-                  <a:prstClr val="black"/>
-                </a:solidFill>
-              </a:rPr>
-              <a:t>)</a:t>
-            </a:r>
-          </a:p>
-          <a:p>
-            <a:pPr lvl="1"/>
-            <a:r>
-              <a:rPr lang="de-CH" dirty="0" err="1">
-                <a:solidFill>
-                  <a:srgbClr val="FF0000"/>
-                </a:solidFill>
-              </a:rPr>
-              <a:t>Household</a:t>
-            </a:r>
-            <a:r>
-              <a:rPr lang="de-CH" dirty="0">
-                <a:solidFill>
-                  <a:srgbClr val="FF0000"/>
-                </a:solidFill>
-              </a:rPr>
-              <a:t> </a:t>
-            </a:r>
-            <a:r>
-              <a:rPr lang="de-CH" dirty="0" err="1" smtClean="0">
-                <a:solidFill>
-                  <a:srgbClr val="FF0000"/>
-                </a:solidFill>
-              </a:rPr>
-              <a:t>typs</a:t>
-            </a:r>
-            <a:r>
-              <a:rPr lang="de-CH" dirty="0" smtClean="0">
-                <a:solidFill>
-                  <a:srgbClr val="FF0000"/>
-                </a:solidFill>
-              </a:rPr>
-              <a:t> </a:t>
-            </a:r>
-            <a:r>
-              <a:rPr lang="de-CH" dirty="0" err="1" smtClean="0">
-                <a:solidFill>
-                  <a:srgbClr val="FF0000"/>
-                </a:solidFill>
-              </a:rPr>
-              <a:t>are</a:t>
-            </a:r>
-            <a:r>
-              <a:rPr lang="de-CH" dirty="0" smtClean="0">
-                <a:solidFill>
-                  <a:srgbClr val="FF0000"/>
-                </a:solidFill>
-              </a:rPr>
-              <a:t> </a:t>
-            </a:r>
-            <a:r>
-              <a:rPr lang="de-CH" dirty="0" err="1">
-                <a:solidFill>
-                  <a:srgbClr val="FF0000"/>
-                </a:solidFill>
-              </a:rPr>
-              <a:t>changing</a:t>
-            </a:r>
-            <a:r>
-              <a:rPr lang="de-CH" dirty="0">
-                <a:solidFill>
-                  <a:srgbClr val="FF0000"/>
-                </a:solidFill>
-              </a:rPr>
-              <a:t> </a:t>
-            </a:r>
-          </a:p>
-          <a:p>
-            <a:pPr lvl="1"/>
-            <a:r>
-              <a:rPr lang="de-CH" dirty="0" smtClean="0"/>
-              <a:t>In </a:t>
-            </a:r>
-            <a:r>
-              <a:rPr lang="de-CH" dirty="0" err="1" smtClean="0"/>
-              <a:t>the</a:t>
-            </a:r>
-            <a:r>
-              <a:rPr lang="de-CH" dirty="0" smtClean="0"/>
-              <a:t> last 30 </a:t>
-            </a:r>
-            <a:r>
-              <a:rPr lang="de-CH" dirty="0" err="1" smtClean="0"/>
-              <a:t>year</a:t>
-            </a:r>
-            <a:r>
-              <a:rPr lang="de-CH" dirty="0" smtClean="0"/>
-              <a:t> Population </a:t>
-            </a:r>
-            <a:r>
-              <a:rPr lang="de-CH" dirty="0" err="1" smtClean="0"/>
-              <a:t>grow</a:t>
-            </a:r>
-            <a:r>
-              <a:rPr lang="de-CH" dirty="0" smtClean="0"/>
-              <a:t> </a:t>
-            </a:r>
-            <a:r>
-              <a:rPr lang="de-CH" dirty="0" err="1" smtClean="0"/>
-              <a:t>by</a:t>
-            </a:r>
-            <a:r>
-              <a:rPr lang="de-CH" dirty="0" smtClean="0"/>
-              <a:t> 1.8 </a:t>
-            </a:r>
-            <a:r>
-              <a:rPr lang="de-CH" dirty="0" err="1" smtClean="0"/>
-              <a:t>Mio</a:t>
-            </a:r>
-            <a:r>
-              <a:rPr lang="de-CH" dirty="0" smtClean="0"/>
-              <a:t> </a:t>
-            </a:r>
-            <a:r>
               <a:rPr lang="de-CH" sz="1200" dirty="0" smtClean="0"/>
               <a:t>(Source: STATPOP)</a:t>
             </a:r>
@@ -14138,138 +14418,21 @@
           <a:p>
             <a:pPr lvl="1"/>
             <a:r>
-              <a:rPr lang="de-CH" dirty="0" smtClean="0"/>
-              <a:t>A </a:t>
-            </a:r>
-            <a:r>
-              <a:rPr lang="de-CH" dirty="0" err="1" smtClean="0"/>
-              <a:t>central</a:t>
-            </a:r>
-            <a:r>
-              <a:rPr lang="de-CH" dirty="0" smtClean="0"/>
-              <a:t> </a:t>
-            </a:r>
-            <a:r>
-              <a:rPr lang="de-CH" dirty="0" err="1" smtClean="0"/>
-              <a:t>part</a:t>
-            </a:r>
-            <a:r>
-              <a:rPr lang="de-CH" dirty="0" smtClean="0"/>
-              <a:t> </a:t>
-            </a:r>
-            <a:r>
-              <a:rPr lang="de-CH" dirty="0" err="1" smtClean="0"/>
-              <a:t>of</a:t>
-            </a:r>
-            <a:r>
-              <a:rPr lang="de-CH" dirty="0" smtClean="0"/>
-              <a:t> </a:t>
-            </a:r>
-            <a:r>
-              <a:rPr lang="de-CH" dirty="0" err="1" smtClean="0"/>
-              <a:t>the</a:t>
-            </a:r>
-            <a:r>
-              <a:rPr lang="de-CH" dirty="0" smtClean="0"/>
-              <a:t> </a:t>
-            </a:r>
-            <a:r>
-              <a:rPr lang="de-CH" dirty="0" err="1" smtClean="0"/>
-              <a:t>growth</a:t>
-            </a:r>
-            <a:r>
-              <a:rPr lang="de-CH" dirty="0" smtClean="0"/>
-              <a:t> </a:t>
-            </a:r>
-            <a:r>
-              <a:rPr lang="de-CH" dirty="0" err="1" smtClean="0"/>
-              <a:t>is</a:t>
-            </a:r>
-            <a:r>
-              <a:rPr lang="de-CH" dirty="0" smtClean="0"/>
-              <a:t> due </a:t>
-            </a:r>
-            <a:r>
-              <a:rPr lang="de-CH" dirty="0" err="1" smtClean="0"/>
-              <a:t>to</a:t>
-            </a:r>
-            <a:r>
-              <a:rPr lang="de-CH" dirty="0" smtClean="0"/>
-              <a:t> Migration </a:t>
-            </a:r>
-            <a:r>
-              <a:rPr lang="de-CH" sz="1200" dirty="0"/>
-              <a:t>(</a:t>
-            </a:r>
-            <a:r>
-              <a:rPr lang="de-CH" sz="1200" dirty="0" err="1" smtClean="0"/>
-              <a:t>average</a:t>
-            </a:r>
-            <a:r>
-              <a:rPr lang="de-CH" sz="1200" dirty="0" smtClean="0"/>
-              <a:t> </a:t>
-            </a:r>
-            <a:r>
-              <a:rPr lang="de-CH" sz="1200" dirty="0" err="1" smtClean="0"/>
+              <a:rPr lang="en-US" dirty="0" smtClean="0"/>
+              <a:t>A central part of the growth is due to Migration </a:t>
+            </a:r>
+            <a:r>
+              <a:rPr lang="en-US" sz="1200" dirty="0" smtClean="0"/>
+              <a:t>(average </a:t>
+            </a:r>
+            <a:r>
+              <a:rPr lang="en-US" sz="1200" dirty="0" err="1" smtClean="0"/>
               <a:t>anual</a:t>
             </a:r>
             <a:r>
-              <a:rPr lang="de-CH" sz="1200" dirty="0" smtClean="0"/>
-              <a:t> </a:t>
-            </a:r>
-            <a:r>
-              <a:rPr lang="de-CH" sz="1200" dirty="0" err="1" smtClean="0"/>
-              <a:t>net</a:t>
-            </a:r>
-            <a:r>
-              <a:rPr lang="de-CH" sz="1200" dirty="0" smtClean="0"/>
-              <a:t> </a:t>
-            </a:r>
-            <a:r>
-              <a:rPr lang="de-CH" sz="1200" dirty="0" err="1"/>
-              <a:t>migration</a:t>
-            </a:r>
-            <a:r>
-              <a:rPr lang="de-CH" sz="1200" dirty="0"/>
-              <a:t> </a:t>
-            </a:r>
-            <a:r>
-              <a:rPr lang="de-CH" sz="1200" dirty="0" err="1"/>
-              <a:t>since</a:t>
-            </a:r>
-            <a:r>
-              <a:rPr lang="de-CH" sz="1200" dirty="0"/>
-              <a:t> </a:t>
-            </a:r>
-            <a:r>
-              <a:rPr lang="de-CH" sz="1200" dirty="0" err="1"/>
-              <a:t>the</a:t>
-            </a:r>
-            <a:r>
-              <a:rPr lang="de-CH" sz="1200" dirty="0"/>
-              <a:t> 1980 </a:t>
-            </a:r>
-            <a:r>
-              <a:rPr lang="de-CH" sz="1200" dirty="0" err="1"/>
-              <a:t>is</a:t>
-            </a:r>
-            <a:r>
-              <a:rPr lang="de-CH" sz="1200" dirty="0"/>
-              <a:t> +28’000 Source: PETRA/STATPOP</a:t>
-            </a:r>
-            <a:r>
-              <a:rPr lang="de-CH" sz="1200" dirty="0" smtClean="0"/>
-              <a:t>)</a:t>
-            </a:r>
-            <a:r>
-              <a:rPr lang="de-CH" sz="1200" dirty="0"/>
-              <a:t> </a:t>
-            </a:r>
-            <a:endParaRPr lang="de-CH" sz="1200" dirty="0" smtClean="0"/>
-          </a:p>
-          <a:p>
-            <a:pPr lvl="1"/>
-            <a:endParaRPr lang="de-CH" sz="1200" dirty="0"/>
+              <a:rPr lang="en-US" sz="1200" dirty="0" smtClean="0"/>
+              <a:t> net migration since the 1980 is +28’000 Source: PETRA/STATPOP) </a:t>
+            </a:r>
           </a:p>
           <a:p>
             <a:endParaRPr lang="de-CH" dirty="0"/>
@@ -14292,7 +14455,7 @@
           <a:lstStyle/>
           <a:p>
             <a:r>
-              <a:rPr lang="de-CH" dirty="0" err="1" smtClean="0"/>
+              <a:rPr lang="en-US" dirty="0" smtClean="0"/>
               <a:t>Introduction</a:t>
             </a:r>
             <a:r>
@@ -14359,34 +14522,10 @@
           <a:lstStyle/>
           <a:p>
             <a:r>
-              <a:rPr lang="de-CH" dirty="0" err="1"/>
-              <a:t>Theories</a:t>
-            </a:r>
-            <a:r>
-              <a:rPr lang="de-CH" dirty="0"/>
-              <a:t> </a:t>
-            </a:r>
-            <a:r>
-              <a:rPr lang="de-CH" dirty="0" err="1"/>
-              <a:t>and</a:t>
-            </a:r>
-            <a:r>
-              <a:rPr lang="de-CH" dirty="0"/>
-              <a:t> </a:t>
-            </a:r>
-            <a:r>
-              <a:rPr lang="de-CH" dirty="0" smtClean="0"/>
-              <a:t>«</a:t>
-            </a:r>
-            <a:r>
-              <a:rPr lang="de-CH" dirty="0" err="1" smtClean="0"/>
-              <a:t>claims</a:t>
-            </a:r>
-            <a:r>
-              <a:rPr lang="de-CH" dirty="0" smtClean="0"/>
-              <a:t>»</a:t>
-            </a:r>
-            <a:endParaRPr lang="de-CH" dirty="0"/>
+              <a:rPr lang="en-US" dirty="0" smtClean="0"/>
+              <a:t>Theories and «claims»</a:t>
+            </a:r>
+            <a:endParaRPr lang="en-US" dirty="0"/>
           </a:p>
         </p:txBody>
       </p:sp>
@@ -14406,70 +14545,10 @@
           <a:lstStyle/>
           <a:p>
             <a:r>
-              <a:rPr lang="de-CH" dirty="0" err="1" smtClean="0"/>
-              <a:t>Demographic</a:t>
-            </a:r>
-            <a:r>
-              <a:rPr lang="de-CH" dirty="0" smtClean="0"/>
-              <a:t> </a:t>
-            </a:r>
-            <a:r>
-              <a:rPr lang="de-CH" dirty="0" err="1" smtClean="0"/>
-              <a:t>change</a:t>
-            </a:r>
-            <a:r>
-              <a:rPr lang="de-CH" dirty="0" smtClean="0"/>
-              <a:t> </a:t>
-            </a:r>
-            <a:r>
-              <a:rPr lang="de-CH" dirty="0" err="1" smtClean="0"/>
-              <a:t>and</a:t>
-            </a:r>
-            <a:r>
-              <a:rPr lang="de-CH" dirty="0" smtClean="0"/>
-              <a:t> </a:t>
-            </a:r>
-            <a:r>
-              <a:rPr lang="de-CH" dirty="0" err="1" smtClean="0"/>
-              <a:t>Inequality</a:t>
-            </a:r>
-            <a:r>
-              <a:rPr lang="de-CH" dirty="0" smtClean="0"/>
-              <a:t> – </a:t>
-            </a:r>
-            <a:r>
-              <a:rPr lang="de-CH" dirty="0" err="1" smtClean="0"/>
-              <a:t>Why</a:t>
-            </a:r>
-            <a:r>
-              <a:rPr lang="de-CH" dirty="0" smtClean="0"/>
-              <a:t> </a:t>
-            </a:r>
-            <a:r>
-              <a:rPr lang="de-CH" dirty="0" err="1" smtClean="0"/>
-              <a:t>does</a:t>
-            </a:r>
-            <a:r>
-              <a:rPr lang="de-CH" dirty="0" smtClean="0"/>
-              <a:t> </a:t>
-            </a:r>
-            <a:r>
-              <a:rPr lang="de-CH" dirty="0" err="1" smtClean="0"/>
-              <a:t>demographic</a:t>
-            </a:r>
-            <a:r>
-              <a:rPr lang="de-CH" dirty="0" smtClean="0"/>
-              <a:t> </a:t>
-            </a:r>
-            <a:r>
-              <a:rPr lang="de-CH" dirty="0" err="1" smtClean="0"/>
-              <a:t>matters</a:t>
-            </a:r>
-            <a:r>
-              <a:rPr lang="de-CH" dirty="0" smtClean="0"/>
-              <a:t>?</a:t>
-            </a:r>
-            <a:endParaRPr lang="de-CH" dirty="0"/>
+              <a:rPr lang="en-US" dirty="0" smtClean="0"/>
+              <a:t>Demographic change and Inequality – Why does demography matter?</a:t>
+            </a:r>
+            <a:endParaRPr lang="en-US" dirty="0"/>
           </a:p>
         </p:txBody>
       </p:sp>
@@ -14492,280 +14571,70 @@
               <a:buNone/>
             </a:pPr>
             <a:r>
-              <a:rPr lang="de-CH" sz="1700" b="1" dirty="0" err="1" smtClean="0"/>
-              <a:t>Ageing</a:t>
-            </a:r>
-            <a:r>
-              <a:rPr lang="de-CH" sz="1700" b="1" dirty="0" smtClean="0"/>
+              <a:rPr lang="en-US" sz="1700" b="1" dirty="0" smtClean="0"/>
+              <a:t>Ageing of a society and age groups</a:t>
+            </a:r>
+          </a:p>
+          <a:p>
+            <a:r>
+              <a:rPr lang="en-US" sz="1700" dirty="0" smtClean="0"/>
+              <a:t>Ageing of the population leads to a conflict between generations (Kaufmann 2005), because the financial feasibility of social security is being tested. (see also </a:t>
+            </a:r>
+            <a:r>
+              <a:rPr lang="en-US" sz="1600" dirty="0" err="1" smtClean="0"/>
+              <a:t>Budowski</a:t>
+            </a:r>
+            <a:r>
+              <a:rPr lang="en-US" sz="1600" dirty="0" smtClean="0"/>
+              <a:t> &amp; </a:t>
+            </a:r>
+            <a:r>
+              <a:rPr lang="en-US" sz="1600" dirty="0" err="1" smtClean="0"/>
+              <a:t>Nollert</a:t>
+            </a:r>
+            <a:r>
+              <a:rPr lang="en-US" sz="1600" dirty="0" smtClean="0"/>
+              <a:t>, M. (2010) </a:t>
+            </a:r>
+            <a:r>
+              <a:rPr lang="en-US" sz="1700" dirty="0" smtClean="0"/>
               <a:t> </a:t>
             </a:r>
             <a:r>
-              <a:rPr lang="de-CH" sz="1700" b="1" dirty="0" err="1" smtClean="0"/>
-              <a:t>of</a:t>
-            </a:r>
-            <a:r>
-              <a:rPr lang="de-CH" sz="1700" b="1" dirty="0" smtClean="0"/>
-              <a:t> a </a:t>
-            </a:r>
-            <a:r>
-              <a:rPr lang="de-CH" sz="1700" b="1" dirty="0" err="1" smtClean="0"/>
-              <a:t>soceity</a:t>
-            </a:r>
-            <a:r>
-              <a:rPr lang="de-CH" sz="1700" b="1" dirty="0" smtClean="0"/>
-              <a:t> </a:t>
-            </a:r>
-            <a:r>
-              <a:rPr lang="de-CH" sz="1700" b="1" dirty="0" err="1" smtClean="0"/>
-              <a:t>and</a:t>
-            </a:r>
-            <a:r>
-              <a:rPr lang="de-CH" sz="1700" b="1" dirty="0" smtClean="0"/>
-              <a:t> </a:t>
-            </a:r>
-            <a:r>
-              <a:rPr lang="de-CH" sz="1700" b="1" dirty="0" err="1" smtClean="0"/>
-              <a:t>agegroups</a:t>
-            </a:r>
-            <a:endParaRPr lang="de-CH" sz="1700" b="1" dirty="0" smtClean="0"/>
-          </a:p>
-          <a:p>
-            <a:r>
-              <a:rPr lang="de-CH" sz="1700" dirty="0" err="1" smtClean="0"/>
-              <a:t>Ageing</a:t>
+              <a:rPr lang="en-US" sz="1500" dirty="0" smtClean="0"/>
+              <a:t>&gt; between group differences</a:t>
+            </a:r>
+          </a:p>
+          <a:p>
+            <a:r>
+              <a:rPr lang="de-CH" sz="1700" dirty="0" smtClean="0"/>
+              <a:t>Schellenbauer </a:t>
+            </a:r>
+            <a:r>
+              <a:rPr lang="de-CH" sz="1700" dirty="0"/>
+              <a:t>(2013): «</a:t>
+            </a:r>
+            <a:r>
+              <a:rPr lang="en-US" sz="1700" dirty="0"/>
+              <a:t>In a world where wages depend only on the age of the workforce and are otherwise completely evenly, </a:t>
+            </a:r>
+            <a:r>
+              <a:rPr lang="en-US" sz="1700" dirty="0" smtClean="0"/>
+              <a:t>annual cross-section results leads </a:t>
+            </a:r>
+            <a:r>
+              <a:rPr lang="en-US" sz="1700" dirty="0"/>
+              <a:t>to substantial </a:t>
+            </a:r>
+            <a:r>
+              <a:rPr lang="en-US" sz="1700" dirty="0" smtClean="0"/>
+              <a:t>inequality</a:t>
             </a:r>
             <a:r>
               <a:rPr lang="de-CH" sz="1700" dirty="0" smtClean="0"/>
               <a:t> </a:t>
             </a:r>
             <a:r>
-              <a:rPr lang="de-CH" sz="1700" dirty="0" err="1" smtClean="0"/>
-              <a:t>of</a:t>
-            </a:r>
-            <a:r>
-              <a:rPr lang="de-CH" sz="1700" dirty="0" smtClean="0"/>
-              <a:t> </a:t>
-            </a:r>
-            <a:r>
-              <a:rPr lang="de-CH" sz="1700" dirty="0" err="1" smtClean="0"/>
-              <a:t>the</a:t>
-            </a:r>
-            <a:r>
-              <a:rPr lang="de-CH" sz="1700" dirty="0" smtClean="0"/>
-              <a:t> </a:t>
-            </a:r>
-            <a:r>
-              <a:rPr lang="de-CH" sz="1700" dirty="0" err="1" smtClean="0"/>
-              <a:t>population</a:t>
-            </a:r>
-            <a:r>
-              <a:rPr lang="de-CH" sz="1700" dirty="0" smtClean="0"/>
-              <a:t> </a:t>
-            </a:r>
-            <a:r>
-              <a:rPr lang="de-CH" sz="1700" dirty="0" err="1" smtClean="0"/>
-              <a:t>leads</a:t>
-            </a:r>
-            <a:r>
-              <a:rPr lang="de-CH" sz="1700" dirty="0" smtClean="0"/>
-              <a:t> </a:t>
-            </a:r>
-            <a:r>
-              <a:rPr lang="de-CH" sz="1700" dirty="0" err="1" smtClean="0"/>
-              <a:t>to</a:t>
-            </a:r>
-            <a:r>
-              <a:rPr lang="de-CH" sz="1700" dirty="0" smtClean="0"/>
-              <a:t> a </a:t>
-            </a:r>
-            <a:r>
-              <a:rPr lang="de-CH" sz="1700" dirty="0" err="1" smtClean="0"/>
-              <a:t>conflict</a:t>
-            </a:r>
-            <a:r>
-              <a:rPr lang="de-CH" sz="1700" dirty="0" smtClean="0"/>
-              <a:t> </a:t>
-            </a:r>
-            <a:r>
-              <a:rPr lang="de-CH" sz="1700" dirty="0" err="1" smtClean="0"/>
-              <a:t>between</a:t>
-            </a:r>
-            <a:r>
-              <a:rPr lang="de-CH" sz="1700" dirty="0" smtClean="0"/>
-              <a:t> </a:t>
-            </a:r>
-            <a:r>
-              <a:rPr lang="de-CH" sz="1700" dirty="0" err="1" smtClean="0"/>
-              <a:t>generations</a:t>
-            </a:r>
-            <a:r>
-              <a:rPr lang="de-CH" sz="1700" dirty="0" smtClean="0"/>
-              <a:t> (Kaufmann 2005), </a:t>
-            </a:r>
-            <a:r>
-              <a:rPr lang="de-CH" sz="1700" dirty="0" err="1" smtClean="0"/>
-              <a:t>because</a:t>
-            </a:r>
-            <a:r>
-              <a:rPr lang="de-CH" sz="1700" dirty="0" smtClean="0"/>
-              <a:t> </a:t>
-            </a:r>
-            <a:r>
-              <a:rPr lang="de-CH" sz="1700" dirty="0" err="1" smtClean="0"/>
-              <a:t>the</a:t>
-            </a:r>
-            <a:r>
-              <a:rPr lang="de-CH" sz="1700" dirty="0" smtClean="0"/>
-              <a:t> </a:t>
-            </a:r>
-            <a:r>
-              <a:rPr lang="de-CH" sz="1700" dirty="0" err="1" smtClean="0"/>
-              <a:t>financial</a:t>
-            </a:r>
-            <a:r>
-              <a:rPr lang="de-CH" sz="1700" dirty="0" smtClean="0"/>
-              <a:t> </a:t>
-            </a:r>
-            <a:r>
-              <a:rPr lang="de-CH" sz="1700" dirty="0" err="1" smtClean="0"/>
-              <a:t>feasibility</a:t>
-            </a:r>
-            <a:r>
-              <a:rPr lang="de-CH" sz="1700" dirty="0" smtClean="0"/>
-              <a:t> </a:t>
-            </a:r>
-            <a:r>
-              <a:rPr lang="de-CH" sz="1700" dirty="0" err="1" smtClean="0"/>
-              <a:t>of</a:t>
-            </a:r>
-            <a:r>
-              <a:rPr lang="de-CH" sz="1700" dirty="0" smtClean="0"/>
-              <a:t> </a:t>
-            </a:r>
-            <a:r>
-              <a:rPr lang="de-CH" sz="1700" dirty="0" err="1" smtClean="0"/>
-              <a:t>social</a:t>
-            </a:r>
-            <a:r>
-              <a:rPr lang="de-CH" sz="1700" dirty="0" smtClean="0"/>
-              <a:t> </a:t>
-            </a:r>
-            <a:r>
-              <a:rPr lang="de-CH" sz="1700" dirty="0" err="1" smtClean="0"/>
-              <a:t>security</a:t>
-            </a:r>
-            <a:r>
-              <a:rPr lang="de-CH" sz="1700" dirty="0" smtClean="0"/>
-              <a:t> </a:t>
-            </a:r>
-            <a:r>
-              <a:rPr lang="de-CH" sz="1700" dirty="0" err="1" smtClean="0"/>
-              <a:t>is</a:t>
-            </a:r>
-            <a:r>
-              <a:rPr lang="de-CH" sz="1700" dirty="0" smtClean="0"/>
-              <a:t> </a:t>
-            </a:r>
-            <a:r>
-              <a:rPr lang="de-CH" sz="1700" dirty="0" err="1" smtClean="0"/>
-              <a:t>beeing</a:t>
-            </a:r>
-            <a:r>
-              <a:rPr lang="de-CH" sz="1700" dirty="0" smtClean="0"/>
-              <a:t> </a:t>
-            </a:r>
-            <a:r>
-              <a:rPr lang="de-CH" sz="1700" dirty="0" err="1" smtClean="0"/>
-              <a:t>tested</a:t>
-            </a:r>
-            <a:r>
-              <a:rPr lang="de-CH" sz="1700" dirty="0" smtClean="0"/>
-              <a:t>. (</a:t>
-            </a:r>
-            <a:r>
-              <a:rPr lang="de-CH" sz="1700" dirty="0" err="1" smtClean="0"/>
-              <a:t>see</a:t>
-            </a:r>
-            <a:r>
-              <a:rPr lang="de-CH" sz="1700" dirty="0" smtClean="0"/>
-              <a:t> also </a:t>
-            </a:r>
-            <a:r>
-              <a:rPr lang="de-CH" sz="1600" dirty="0" err="1" smtClean="0"/>
-              <a:t>Budowski</a:t>
-            </a:r>
-            <a:r>
-              <a:rPr lang="de-CH" sz="1600" dirty="0" smtClean="0"/>
-              <a:t> &amp; </a:t>
-            </a:r>
-            <a:r>
-              <a:rPr lang="de-CH" sz="1600" dirty="0" err="1" smtClean="0"/>
-              <a:t>Nollert</a:t>
-            </a:r>
-            <a:r>
-              <a:rPr lang="de-CH" sz="1600" dirty="0" smtClean="0"/>
-              <a:t>, M. (2010) </a:t>
-            </a:r>
-            <a:r>
-              <a:rPr lang="de-CH" sz="1700" dirty="0" smtClean="0"/>
-              <a:t> </a:t>
-            </a:r>
-            <a:r>
-              <a:rPr lang="de-CH" sz="1500" dirty="0" smtClean="0"/>
-              <a:t>&gt; </a:t>
-            </a:r>
-            <a:r>
-              <a:rPr lang="de-CH" sz="1500" dirty="0" err="1" smtClean="0"/>
-              <a:t>between</a:t>
-            </a:r>
-            <a:r>
-              <a:rPr lang="de-CH" sz="1500" dirty="0" smtClean="0"/>
-              <a:t> </a:t>
-            </a:r>
-            <a:r>
-              <a:rPr lang="de-CH" sz="1500" dirty="0" err="1" smtClean="0"/>
-              <a:t>group</a:t>
-            </a:r>
-            <a:r>
-              <a:rPr lang="de-CH" sz="1500" dirty="0" smtClean="0"/>
-              <a:t> </a:t>
-            </a:r>
-            <a:r>
-              <a:rPr lang="de-CH" sz="1500" dirty="0" err="1" smtClean="0"/>
-              <a:t>differences</a:t>
-            </a:r>
-            <a:endParaRPr lang="de-CH" sz="1500" dirty="0" smtClean="0"/>
-          </a:p>
-          <a:p>
-            <a:r>
-              <a:rPr lang="de-CH" sz="1700" dirty="0" smtClean="0"/>
-              <a:t>Schellenbauer </a:t>
-            </a:r>
-            <a:r>
-              <a:rPr lang="de-CH" sz="1700" dirty="0"/>
-              <a:t>(2013): «</a:t>
-            </a:r>
-            <a:r>
-              <a:rPr lang="en-US" sz="1700" dirty="0"/>
-              <a:t>In a world where wages depend only on the age of the workforce and are otherwise completely evenly, </a:t>
-            </a:r>
-            <a:r>
-              <a:rPr lang="en-US" sz="1700" dirty="0" smtClean="0"/>
-              <a:t>annual cross-section results leads </a:t>
-            </a:r>
-            <a:r>
-              <a:rPr lang="en-US" sz="1700" dirty="0"/>
-              <a:t>to substantial </a:t>
-            </a:r>
-            <a:r>
-              <a:rPr lang="en-US" sz="1700" dirty="0" err="1"/>
-              <a:t>inequalty</a:t>
-            </a:r>
-            <a:r>
-              <a:rPr lang="de-CH" sz="1700" dirty="0"/>
-              <a:t> </a:t>
-            </a:r>
-            <a:r>
               <a:rPr lang="en-US" sz="1700" dirty="0"/>
               <a:t>due to the age differences within society </a:t>
             </a:r>
@@ -14778,50 +14647,9 @@
               <a:t>&gt; </a:t>
             </a:r>
             <a:r>
-              <a:rPr lang="de-CH" sz="1500" dirty="0" err="1"/>
-              <a:t>between</a:t>
-            </a:r>
-            <a:r>
-              <a:rPr lang="de-CH" sz="1500" dirty="0"/>
-              <a:t> </a:t>
-            </a:r>
-            <a:r>
-              <a:rPr lang="de-CH" sz="1500" dirty="0" err="1"/>
-              <a:t>group</a:t>
-            </a:r>
-            <a:r>
-              <a:rPr lang="de-CH" sz="1500" dirty="0"/>
-              <a:t> </a:t>
-            </a:r>
-            <a:r>
-              <a:rPr lang="de-CH" sz="1500" dirty="0" err="1"/>
-              <a:t>differences</a:t>
-            </a:r>
-            <a:r>
-              <a:rPr lang="de-CH" sz="1500" dirty="0"/>
-              <a:t> </a:t>
-            </a:r>
-            <a:r>
-              <a:rPr lang="de-CH" sz="1500" dirty="0" err="1"/>
-              <a:t>affects</a:t>
-            </a:r>
-            <a:r>
-              <a:rPr lang="de-CH" sz="1500" dirty="0"/>
-              <a:t> </a:t>
-            </a:r>
-            <a:r>
-              <a:rPr lang="de-CH" sz="1500" dirty="0" err="1"/>
-              <a:t>overall</a:t>
-            </a:r>
-            <a:r>
-              <a:rPr lang="de-CH" sz="1500" dirty="0"/>
-              <a:t> </a:t>
-            </a:r>
-            <a:r>
-              <a:rPr lang="de-CH" sz="1500" dirty="0" err="1"/>
-              <a:t>inequality</a:t>
-            </a:r>
-            <a:endParaRPr lang="de-CH" sz="1500" dirty="0"/>
+              <a:rPr lang="en-US" sz="1500" dirty="0" smtClean="0"/>
+              <a:t>between group differences affects overall inequality</a:t>
+            </a:r>
           </a:p>
           <a:p>
             <a:endParaRPr lang="de-CH" sz="1700" dirty="0"/>
@@ -14890,34 +14718,10 @@
           <a:lstStyle/>
           <a:p>
             <a:r>
-              <a:rPr lang="de-CH" dirty="0" err="1"/>
-              <a:t>Theories</a:t>
-            </a:r>
-            <a:r>
-              <a:rPr lang="de-CH" dirty="0"/>
-              <a:t> </a:t>
-            </a:r>
-            <a:r>
-              <a:rPr lang="de-CH" dirty="0" err="1"/>
-              <a:t>and</a:t>
-            </a:r>
-            <a:r>
-              <a:rPr lang="de-CH" dirty="0"/>
-              <a:t> </a:t>
-            </a:r>
-            <a:r>
-              <a:rPr lang="de-CH" dirty="0" smtClean="0"/>
-              <a:t>«</a:t>
-            </a:r>
-            <a:r>
-              <a:rPr lang="de-CH" dirty="0" err="1" smtClean="0"/>
-              <a:t>claims</a:t>
-            </a:r>
-            <a:r>
-              <a:rPr lang="de-CH" dirty="0" smtClean="0"/>
-              <a:t>»</a:t>
-            </a:r>
-            <a:endParaRPr lang="de-CH" dirty="0"/>
+              <a:rPr lang="en-US" dirty="0" smtClean="0"/>
+              <a:t>Theories and «claims»</a:t>
+            </a:r>
+            <a:endParaRPr lang="en-US" dirty="0"/>
           </a:p>
         </p:txBody>
       </p:sp>
@@ -14937,70 +14741,10 @@
           <a:lstStyle/>
           <a:p>
             <a:r>
-              <a:rPr lang="de-CH" dirty="0" err="1" smtClean="0"/>
-              <a:t>Demographic</a:t>
-            </a:r>
-            <a:r>
-              <a:rPr lang="de-CH" dirty="0" smtClean="0"/>
-              <a:t> </a:t>
-            </a:r>
-            <a:r>
-              <a:rPr lang="de-CH" dirty="0" err="1" smtClean="0"/>
-              <a:t>change</a:t>
-            </a:r>
-            <a:r>
-              <a:rPr lang="de-CH" dirty="0" smtClean="0"/>
-              <a:t> </a:t>
-            </a:r>
-            <a:r>
-              <a:rPr lang="de-CH" dirty="0" err="1" smtClean="0"/>
-              <a:t>and</a:t>
-            </a:r>
-            <a:r>
-              <a:rPr lang="de-CH" dirty="0" smtClean="0"/>
-              <a:t> </a:t>
-            </a:r>
-            <a:r>
-              <a:rPr lang="de-CH" dirty="0" err="1" smtClean="0"/>
-              <a:t>Inequality</a:t>
-            </a:r>
-            <a:r>
-              <a:rPr lang="de-CH" dirty="0" smtClean="0"/>
-              <a:t> – </a:t>
-            </a:r>
-            <a:r>
-              <a:rPr lang="de-CH" dirty="0" err="1" smtClean="0"/>
-              <a:t>Why</a:t>
-            </a:r>
-            <a:r>
-              <a:rPr lang="de-CH" dirty="0" smtClean="0"/>
-              <a:t> </a:t>
-            </a:r>
-            <a:r>
-              <a:rPr lang="de-CH" dirty="0" err="1" smtClean="0"/>
-              <a:t>does</a:t>
-            </a:r>
-            <a:r>
-              <a:rPr lang="de-CH" dirty="0" smtClean="0"/>
-              <a:t> </a:t>
-            </a:r>
-            <a:r>
-              <a:rPr lang="de-CH" dirty="0" err="1" smtClean="0"/>
-              <a:t>demographic</a:t>
-            </a:r>
-            <a:r>
-              <a:rPr lang="de-CH" dirty="0" smtClean="0"/>
-              <a:t> </a:t>
-            </a:r>
-            <a:r>
-              <a:rPr lang="de-CH" dirty="0" err="1" smtClean="0"/>
-              <a:t>matters</a:t>
-            </a:r>
-            <a:r>
-              <a:rPr lang="de-CH" dirty="0" smtClean="0"/>
-              <a:t>?</a:t>
-            </a:r>
-            <a:endParaRPr lang="de-CH" dirty="0"/>
+              <a:rPr lang="en-US" dirty="0" smtClean="0"/>
+              <a:t>Demographic change and Inequality – Why does demography matter?</a:t>
+            </a:r>
+            <a:endParaRPr lang="en-US" dirty="0"/>
           </a:p>
         </p:txBody>
       </p:sp>
@@ -15023,488 +14767,37 @@
               <a:buNone/>
             </a:pPr>
             <a:r>
-              <a:rPr lang="de-CH" sz="1700" b="1" dirty="0" smtClean="0"/>
-              <a:t>Change </a:t>
-            </a:r>
-            <a:r>
-              <a:rPr lang="de-CH" sz="1700" b="1" dirty="0" err="1" smtClean="0"/>
-              <a:t>of</a:t>
-            </a:r>
-            <a:r>
-              <a:rPr lang="de-CH" sz="1700" b="1" dirty="0" smtClean="0"/>
-              <a:t> </a:t>
-            </a:r>
-            <a:r>
-              <a:rPr lang="de-CH" sz="1700" b="1" dirty="0" err="1" smtClean="0"/>
-              <a:t>household</a:t>
-            </a:r>
-            <a:r>
-              <a:rPr lang="de-CH" sz="1700" b="1" dirty="0" smtClean="0"/>
-              <a:t> </a:t>
-            </a:r>
-            <a:r>
-              <a:rPr lang="de-CH" sz="1700" b="1" dirty="0" err="1" smtClean="0"/>
-              <a:t>structur</a:t>
-            </a:r>
-            <a:r>
-              <a:rPr lang="de-CH" sz="1700" b="1" dirty="0" smtClean="0"/>
-              <a:t> </a:t>
-            </a:r>
-            <a:r>
-              <a:rPr lang="de-CH" sz="1700" b="1" dirty="0" err="1" smtClean="0"/>
-              <a:t>and</a:t>
-            </a:r>
-            <a:r>
-              <a:rPr lang="de-CH" sz="1700" b="1" dirty="0" smtClean="0"/>
-              <a:t> </a:t>
-            </a:r>
-            <a:r>
-              <a:rPr lang="de-CH" sz="1700" b="1" dirty="0" err="1" smtClean="0"/>
-              <a:t>householdtyps</a:t>
-            </a:r>
-            <a:endParaRPr lang="de-CH" sz="1700" b="1" dirty="0" smtClean="0"/>
-          </a:p>
-          <a:p>
-            <a:r>
-              <a:rPr lang="de-CH" sz="1700" dirty="0" smtClean="0"/>
-              <a:t>In </a:t>
-            </a:r>
-            <a:r>
-              <a:rPr lang="de-CH" sz="1700" dirty="0" err="1" smtClean="0"/>
-              <a:t>Social</a:t>
-            </a:r>
-            <a:r>
-              <a:rPr lang="de-CH" sz="1700" dirty="0" smtClean="0"/>
-              <a:t> </a:t>
-            </a:r>
-            <a:r>
-              <a:rPr lang="de-CH" sz="1700" dirty="0" err="1" smtClean="0"/>
-              <a:t>policy</a:t>
-            </a:r>
-            <a:r>
-              <a:rPr lang="de-CH" sz="1700" dirty="0" smtClean="0"/>
-              <a:t> </a:t>
-            </a:r>
-            <a:r>
-              <a:rPr lang="de-CH" sz="1700" dirty="0" err="1" smtClean="0"/>
-              <a:t>research</a:t>
-            </a:r>
-            <a:r>
-              <a:rPr lang="de-CH" sz="1700" dirty="0" smtClean="0"/>
-              <a:t> </a:t>
-            </a:r>
-            <a:r>
-              <a:rPr lang="de-CH" sz="1700" dirty="0" err="1" smtClean="0"/>
-              <a:t>between</a:t>
-            </a:r>
-            <a:r>
-              <a:rPr lang="de-CH" sz="1700" dirty="0" smtClean="0"/>
-              <a:t> </a:t>
-            </a:r>
-            <a:r>
-              <a:rPr lang="de-CH" sz="1700" dirty="0" err="1" smtClean="0"/>
-              <a:t>household</a:t>
-            </a:r>
-            <a:r>
-              <a:rPr lang="de-CH" sz="1700" dirty="0" smtClean="0"/>
-              <a:t> </a:t>
-            </a:r>
-            <a:r>
-              <a:rPr lang="de-CH" sz="1700" dirty="0" err="1" smtClean="0"/>
-              <a:t>differenceses</a:t>
-            </a:r>
-            <a:r>
-              <a:rPr lang="de-CH" sz="1700" dirty="0" smtClean="0"/>
-              <a:t> </a:t>
-            </a:r>
-            <a:r>
-              <a:rPr lang="de-CH" sz="1700" dirty="0" err="1" smtClean="0"/>
-              <a:t>are</a:t>
-            </a:r>
-            <a:r>
-              <a:rPr lang="de-CH" sz="1700" dirty="0" smtClean="0"/>
-              <a:t> </a:t>
-            </a:r>
-            <a:r>
-              <a:rPr lang="de-CH" sz="1700" dirty="0" err="1" smtClean="0"/>
-              <a:t>of</a:t>
-            </a:r>
-            <a:r>
-              <a:rPr lang="de-CH" sz="1700" dirty="0" smtClean="0"/>
-              <a:t> interesset (Fritschi &amp; Bannwart 2013) &gt; </a:t>
-            </a:r>
-            <a:r>
-              <a:rPr lang="de-CH" sz="1500" dirty="0" err="1" smtClean="0"/>
-              <a:t>between</a:t>
-            </a:r>
-            <a:r>
-              <a:rPr lang="de-CH" sz="1500" dirty="0" smtClean="0"/>
-              <a:t> </a:t>
-            </a:r>
-            <a:r>
-              <a:rPr lang="de-CH" sz="1500" dirty="0" err="1"/>
-              <a:t>group</a:t>
-            </a:r>
-            <a:r>
-              <a:rPr lang="de-CH" sz="1500" dirty="0"/>
-              <a:t> </a:t>
-            </a:r>
-            <a:r>
-              <a:rPr lang="de-CH" sz="1500" dirty="0" err="1" smtClean="0"/>
-              <a:t>differences</a:t>
-            </a:r>
-            <a:endParaRPr lang="de-CH" sz="1500" dirty="0" smtClean="0"/>
-          </a:p>
-          <a:p>
-            <a:r>
-              <a:rPr lang="de-CH" sz="1700" dirty="0"/>
-              <a:t>Change in </a:t>
-            </a:r>
-            <a:r>
-              <a:rPr lang="de-CH" sz="1700" dirty="0" err="1"/>
-              <a:t>the</a:t>
-            </a:r>
-            <a:r>
-              <a:rPr lang="de-CH" sz="1700" dirty="0"/>
-              <a:t> «</a:t>
-            </a:r>
-            <a:r>
-              <a:rPr lang="de-CH" sz="1700" dirty="0" err="1"/>
-              <a:t>way</a:t>
-            </a:r>
-            <a:r>
-              <a:rPr lang="de-CH" sz="1700" dirty="0"/>
-              <a:t> </a:t>
-            </a:r>
-            <a:r>
-              <a:rPr lang="de-CH" sz="1700" dirty="0" err="1"/>
-              <a:t>of</a:t>
-            </a:r>
-            <a:r>
-              <a:rPr lang="de-CH" sz="1700" dirty="0"/>
-              <a:t> </a:t>
-            </a:r>
-            <a:r>
-              <a:rPr lang="de-CH" sz="1700" dirty="0" err="1" smtClean="0"/>
-              <a:t>people</a:t>
-            </a:r>
-            <a:r>
-              <a:rPr lang="de-CH" sz="1700" dirty="0" smtClean="0"/>
-              <a:t> </a:t>
-            </a:r>
-            <a:r>
-              <a:rPr lang="de-CH" sz="1700" dirty="0" err="1" smtClean="0"/>
-              <a:t>living</a:t>
-            </a:r>
-            <a:r>
-              <a:rPr lang="de-CH" sz="1700" dirty="0" smtClean="0"/>
-              <a:t> </a:t>
-            </a:r>
-            <a:r>
-              <a:rPr lang="de-CH" sz="1700" dirty="0" err="1" smtClean="0"/>
-              <a:t>together</a:t>
-            </a:r>
-            <a:r>
-              <a:rPr lang="de-CH" sz="1700" dirty="0" smtClean="0"/>
-              <a:t>» </a:t>
-            </a:r>
-            <a:r>
-              <a:rPr lang="de-CH" sz="1700" dirty="0" err="1"/>
-              <a:t>affects</a:t>
-            </a:r>
-            <a:r>
-              <a:rPr lang="de-CH" sz="1700" dirty="0"/>
-              <a:t> </a:t>
-            </a:r>
-            <a:r>
-              <a:rPr lang="de-CH" sz="1700" dirty="0" err="1"/>
-              <a:t>inequality</a:t>
-            </a:r>
-            <a:r>
-              <a:rPr lang="de-CH" sz="1700" dirty="0"/>
-              <a:t> (</a:t>
-            </a:r>
-            <a:r>
-              <a:rPr lang="de-CH" sz="1700" dirty="0" err="1"/>
-              <a:t>people</a:t>
-            </a:r>
-            <a:r>
-              <a:rPr lang="de-CH" sz="1700" dirty="0"/>
-              <a:t> </a:t>
-            </a:r>
-            <a:r>
-              <a:rPr lang="de-CH" sz="1700" dirty="0" err="1"/>
-              <a:t>marry</a:t>
-            </a:r>
-            <a:r>
-              <a:rPr lang="de-CH" sz="1700" dirty="0"/>
-              <a:t> </a:t>
-            </a:r>
-            <a:r>
-              <a:rPr lang="de-CH" sz="1700" dirty="0" err="1" smtClean="0"/>
-              <a:t>later</a:t>
-            </a:r>
-            <a:r>
-              <a:rPr lang="de-CH" sz="1700" dirty="0" smtClean="0"/>
-              <a:t>, </a:t>
-            </a:r>
-            <a:r>
-              <a:rPr lang="de-CH" sz="1700" dirty="0" err="1"/>
-              <a:t>and</a:t>
-            </a:r>
-            <a:r>
-              <a:rPr lang="de-CH" sz="1700" dirty="0"/>
-              <a:t> </a:t>
-            </a:r>
-            <a:r>
-              <a:rPr lang="de-CH" sz="1700" dirty="0" err="1"/>
-              <a:t>divorce</a:t>
-            </a:r>
-            <a:r>
-              <a:rPr lang="de-CH" sz="1700" dirty="0"/>
-              <a:t> </a:t>
-            </a:r>
-            <a:r>
-              <a:rPr lang="de-CH" sz="1700" dirty="0" err="1"/>
-              <a:t>more</a:t>
-            </a:r>
-            <a:r>
-              <a:rPr lang="de-CH" sz="1700" dirty="0"/>
-              <a:t> </a:t>
-            </a:r>
-            <a:r>
-              <a:rPr lang="de-CH" sz="1700" dirty="0" err="1"/>
-              <a:t>often</a:t>
-            </a:r>
-            <a:r>
-              <a:rPr lang="de-CH" sz="1700" dirty="0"/>
-              <a:t>). Daly </a:t>
-            </a:r>
-            <a:r>
-              <a:rPr lang="de-CH" sz="1700" dirty="0" err="1"/>
-              <a:t>and</a:t>
-            </a:r>
-            <a:r>
-              <a:rPr lang="de-CH" sz="1700" dirty="0"/>
-              <a:t> </a:t>
-            </a:r>
-            <a:r>
-              <a:rPr lang="de-CH" sz="1700" dirty="0" err="1"/>
-              <a:t>Valetta</a:t>
-            </a:r>
-            <a:r>
-              <a:rPr lang="de-CH" sz="1700" dirty="0"/>
-              <a:t> (2006) </a:t>
-            </a:r>
-            <a:r>
-              <a:rPr lang="de-CH" sz="1700" dirty="0" err="1"/>
-              <a:t>think</a:t>
-            </a:r>
-            <a:r>
-              <a:rPr lang="de-CH" sz="1700" dirty="0"/>
-              <a:t> </a:t>
-            </a:r>
-            <a:r>
-              <a:rPr lang="de-CH" sz="1700" dirty="0" err="1"/>
-              <a:t>that</a:t>
-            </a:r>
-            <a:r>
-              <a:rPr lang="de-CH" sz="1700" dirty="0"/>
-              <a:t> </a:t>
-            </a:r>
-            <a:r>
-              <a:rPr lang="de-CH" sz="1700" dirty="0" err="1"/>
-              <a:t>part</a:t>
-            </a:r>
-            <a:r>
-              <a:rPr lang="de-CH" sz="1700" dirty="0"/>
-              <a:t> </a:t>
-            </a:r>
-            <a:r>
-              <a:rPr lang="de-CH" sz="1700" dirty="0" err="1"/>
-              <a:t>of</a:t>
-            </a:r>
-            <a:r>
-              <a:rPr lang="de-CH" sz="1700" dirty="0"/>
-              <a:t> </a:t>
-            </a:r>
-            <a:r>
-              <a:rPr lang="de-CH" sz="1700" dirty="0" err="1"/>
-              <a:t>the</a:t>
-            </a:r>
-            <a:r>
-              <a:rPr lang="de-CH" sz="1700" dirty="0"/>
-              <a:t> </a:t>
-            </a:r>
-            <a:r>
-              <a:rPr lang="de-CH" sz="1700" dirty="0" err="1"/>
-              <a:t>rise</a:t>
-            </a:r>
-            <a:r>
-              <a:rPr lang="de-CH" sz="1700" dirty="0"/>
-              <a:t> in </a:t>
-            </a:r>
-            <a:r>
-              <a:rPr lang="de-CH" sz="1700" dirty="0" err="1"/>
-              <a:t>inequality</a:t>
-            </a:r>
-            <a:r>
-              <a:rPr lang="de-CH" sz="1700" dirty="0"/>
-              <a:t> in </a:t>
-            </a:r>
-            <a:r>
-              <a:rPr lang="de-CH" sz="1700" dirty="0" err="1"/>
-              <a:t>the</a:t>
-            </a:r>
-            <a:r>
-              <a:rPr lang="de-CH" sz="1700" dirty="0"/>
-              <a:t> US </a:t>
-            </a:r>
-            <a:r>
-              <a:rPr lang="de-CH" sz="1700" dirty="0" err="1"/>
-              <a:t>is</a:t>
-            </a:r>
-            <a:r>
-              <a:rPr lang="de-CH" sz="1700" dirty="0"/>
-              <a:t> due </a:t>
-            </a:r>
-            <a:r>
-              <a:rPr lang="de-CH" sz="1700" dirty="0" err="1"/>
-              <a:t>to</a:t>
-            </a:r>
-            <a:r>
-              <a:rPr lang="de-CH" sz="1700" dirty="0"/>
-              <a:t> </a:t>
-            </a:r>
-            <a:r>
-              <a:rPr lang="de-CH" sz="1700" dirty="0" err="1"/>
-              <a:t>the</a:t>
-            </a:r>
-            <a:r>
-              <a:rPr lang="de-CH" sz="1700" dirty="0"/>
-              <a:t> </a:t>
-            </a:r>
-            <a:r>
-              <a:rPr lang="de-CH" sz="1700" dirty="0" err="1"/>
-              <a:t>rise</a:t>
-            </a:r>
-            <a:r>
-              <a:rPr lang="de-CH" sz="1700" dirty="0"/>
-              <a:t> </a:t>
-            </a:r>
-            <a:r>
-              <a:rPr lang="de-CH" sz="1700" dirty="0" err="1"/>
-              <a:t>of</a:t>
-            </a:r>
-            <a:r>
-              <a:rPr lang="de-CH" sz="1700" dirty="0"/>
-              <a:t> </a:t>
-            </a:r>
-            <a:r>
-              <a:rPr lang="de-CH" sz="1700" dirty="0" err="1"/>
-              <a:t>people</a:t>
-            </a:r>
-            <a:r>
-              <a:rPr lang="de-CH" sz="1700" dirty="0"/>
-              <a:t> </a:t>
-            </a:r>
-            <a:r>
-              <a:rPr lang="de-CH" sz="1700" dirty="0" err="1"/>
-              <a:t>living</a:t>
-            </a:r>
-            <a:r>
-              <a:rPr lang="de-CH" sz="1700" dirty="0"/>
-              <a:t> </a:t>
-            </a:r>
-            <a:r>
-              <a:rPr lang="de-CH" sz="1700" dirty="0" err="1"/>
-              <a:t>alone</a:t>
-            </a:r>
-            <a:r>
-              <a:rPr lang="de-CH" sz="1700" dirty="0"/>
-              <a:t> (</a:t>
-            </a:r>
-            <a:r>
-              <a:rPr lang="de-CH" sz="1700" dirty="0" err="1"/>
-              <a:t>especialy</a:t>
-            </a:r>
-            <a:r>
-              <a:rPr lang="de-CH" sz="1700" dirty="0"/>
-              <a:t> </a:t>
-            </a:r>
-            <a:r>
-              <a:rPr lang="de-CH" sz="1700" dirty="0" err="1"/>
-              <a:t>single</a:t>
-            </a:r>
-            <a:r>
-              <a:rPr lang="de-CH" sz="1700" dirty="0"/>
-              <a:t> </a:t>
-            </a:r>
-            <a:r>
-              <a:rPr lang="de-CH" sz="1700" dirty="0" err="1"/>
-              <a:t>parents</a:t>
-            </a:r>
-            <a:r>
-              <a:rPr lang="de-CH" sz="1700" dirty="0" smtClean="0"/>
-              <a:t>). (See Peichl et al. 2011 </a:t>
-            </a:r>
-            <a:r>
-              <a:rPr lang="de-CH" sz="1700" dirty="0" err="1" smtClean="0"/>
-              <a:t>for</a:t>
-            </a:r>
-            <a:r>
-              <a:rPr lang="de-CH" sz="1700" dirty="0" smtClean="0"/>
-              <a:t> Germany) </a:t>
-            </a:r>
-            <a:r>
-              <a:rPr lang="de-CH" sz="1500" dirty="0"/>
-              <a:t>&gt; </a:t>
-            </a:r>
-            <a:r>
-              <a:rPr lang="de-CH" sz="1500" dirty="0" err="1"/>
-              <a:t>between</a:t>
-            </a:r>
-            <a:r>
-              <a:rPr lang="de-CH" sz="1500" dirty="0"/>
-              <a:t> </a:t>
-            </a:r>
-            <a:r>
-              <a:rPr lang="de-CH" sz="1500" dirty="0" err="1"/>
-              <a:t>group</a:t>
-            </a:r>
-            <a:r>
-              <a:rPr lang="de-CH" sz="1500" dirty="0"/>
-              <a:t> </a:t>
-            </a:r>
-            <a:r>
-              <a:rPr lang="de-CH" sz="1500" dirty="0" err="1"/>
-              <a:t>differences</a:t>
-            </a:r>
-            <a:r>
-              <a:rPr lang="de-CH" sz="1500" dirty="0"/>
-              <a:t> </a:t>
-            </a:r>
-            <a:r>
-              <a:rPr lang="de-CH" sz="1500" dirty="0" err="1"/>
-              <a:t>affects</a:t>
-            </a:r>
-            <a:r>
-              <a:rPr lang="de-CH" sz="1500" dirty="0"/>
-              <a:t> </a:t>
-            </a:r>
-            <a:r>
-              <a:rPr lang="de-CH" sz="1500" dirty="0" err="1"/>
-              <a:t>overall</a:t>
-            </a:r>
-            <a:r>
-              <a:rPr lang="de-CH" sz="1500" dirty="0"/>
-              <a:t> </a:t>
-            </a:r>
-            <a:r>
-              <a:rPr lang="de-CH" sz="1500" dirty="0" err="1"/>
-              <a:t>inequality</a:t>
-            </a:r>
-            <a:endParaRPr lang="de-CH" sz="1500" dirty="0"/>
+              <a:rPr lang="en-US" sz="1700" b="1" dirty="0" smtClean="0"/>
+              <a:t>Change of household structure and household types</a:t>
+            </a:r>
+          </a:p>
+          <a:p>
+            <a:r>
+              <a:rPr lang="en-US" sz="1700" dirty="0" smtClean="0"/>
+              <a:t>In Social policy research between household differences are of interest (Fritschi &amp; Bannwart 2013) &gt; </a:t>
+            </a:r>
+            <a:r>
+              <a:rPr lang="en-US" sz="1500" dirty="0" smtClean="0"/>
+              <a:t>between group differences</a:t>
+            </a:r>
+          </a:p>
+          <a:p>
+            <a:r>
+              <a:rPr lang="en-US" sz="1700" dirty="0" smtClean="0"/>
+              <a:t>Change in the «way of people living together» affects inequality (people marry later, and divorce more often). Daly and Valetta (2006) think that part of the rise in inequality in the US is due to the rise of people living alone (especially single parents). (See </a:t>
+            </a:r>
+            <a:r>
+              <a:rPr lang="en-US" sz="1700" dirty="0" err="1" smtClean="0"/>
+              <a:t>Peichl</a:t>
+            </a:r>
+            <a:r>
+              <a:rPr lang="en-US" sz="1700" dirty="0" smtClean="0"/>
+              <a:t> et al. 2011 for Germany) </a:t>
+            </a:r>
+            <a:r>
+              <a:rPr lang="en-US" sz="1500" dirty="0" smtClean="0"/>
+              <a:t>&gt; between group differences affects overall inequality</a:t>
+            </a:r>
           </a:p>
           <a:p>
             <a:endParaRPr lang="de-CH" sz="1700" dirty="0"/>
@@ -15576,34 +14869,10 @@
           <a:lstStyle/>
           <a:p>
             <a:r>
-              <a:rPr lang="de-CH" dirty="0" err="1" smtClean="0"/>
-              <a:t>Theory</a:t>
-            </a:r>
-            <a:r>
-              <a:rPr lang="de-CH" dirty="0" smtClean="0"/>
-              <a:t> </a:t>
-            </a:r>
-            <a:r>
-              <a:rPr lang="de-CH" dirty="0" err="1" smtClean="0"/>
-              <a:t>and</a:t>
-            </a:r>
-            <a:r>
-              <a:rPr lang="de-CH" dirty="0" smtClean="0"/>
-              <a:t> </a:t>
-            </a:r>
-            <a:r>
-              <a:rPr lang="de-CH" dirty="0" err="1" smtClean="0"/>
-              <a:t>Reasearch</a:t>
-            </a:r>
-            <a:r>
-              <a:rPr lang="de-CH" dirty="0" smtClean="0"/>
-              <a:t> </a:t>
-            </a:r>
-            <a:r>
-              <a:rPr lang="de-CH" dirty="0" err="1" smtClean="0"/>
-              <a:t>Question</a:t>
-            </a:r>
-            <a:endParaRPr lang="de-CH" dirty="0"/>
+              <a:rPr lang="en-US" dirty="0" smtClean="0"/>
+              <a:t>Theory and Research Question</a:t>
+            </a:r>
+            <a:endParaRPr lang="en-US" dirty="0"/>
           </a:p>
         </p:txBody>
       </p:sp>
@@ -15623,70 +14892,10 @@
           <a:lstStyle/>
           <a:p>
             <a:r>
-              <a:rPr lang="de-CH" dirty="0" err="1" smtClean="0"/>
-              <a:t>Demographic</a:t>
-            </a:r>
-            <a:r>
-              <a:rPr lang="de-CH" dirty="0" smtClean="0"/>
-              <a:t> </a:t>
-            </a:r>
-            <a:r>
-              <a:rPr lang="de-CH" dirty="0" err="1" smtClean="0"/>
-              <a:t>change</a:t>
-            </a:r>
-            <a:r>
-              <a:rPr lang="de-CH" dirty="0" smtClean="0"/>
-              <a:t> </a:t>
-            </a:r>
-            <a:r>
-              <a:rPr lang="de-CH" dirty="0" err="1" smtClean="0"/>
-              <a:t>and</a:t>
-            </a:r>
-            <a:r>
-              <a:rPr lang="de-CH" dirty="0" smtClean="0"/>
-              <a:t> </a:t>
-            </a:r>
-            <a:r>
-              <a:rPr lang="de-CH" dirty="0" err="1" smtClean="0"/>
-              <a:t>Inequality</a:t>
-            </a:r>
-            <a:r>
-              <a:rPr lang="de-CH" dirty="0" smtClean="0"/>
-              <a:t> – </a:t>
-            </a:r>
-            <a:r>
-              <a:rPr lang="de-CH" dirty="0" err="1" smtClean="0"/>
-              <a:t>Why</a:t>
-            </a:r>
-            <a:r>
-              <a:rPr lang="de-CH" dirty="0" smtClean="0"/>
-              <a:t> </a:t>
-            </a:r>
-            <a:r>
-              <a:rPr lang="de-CH" dirty="0" err="1" smtClean="0"/>
-              <a:t>does</a:t>
-            </a:r>
-            <a:r>
-              <a:rPr lang="de-CH" dirty="0" smtClean="0"/>
-              <a:t> </a:t>
-            </a:r>
-            <a:r>
-              <a:rPr lang="de-CH" dirty="0" err="1" smtClean="0"/>
-              <a:t>demographic</a:t>
-            </a:r>
-            <a:r>
-              <a:rPr lang="de-CH" dirty="0" smtClean="0"/>
-              <a:t> </a:t>
-            </a:r>
-            <a:r>
-              <a:rPr lang="de-CH" dirty="0" err="1" smtClean="0"/>
-              <a:t>matters</a:t>
-            </a:r>
-            <a:r>
-              <a:rPr lang="de-CH" dirty="0" smtClean="0"/>
-              <a:t>?</a:t>
-            </a:r>
-            <a:endParaRPr lang="de-CH" dirty="0"/>
+              <a:rPr lang="en-US" dirty="0" smtClean="0"/>
+              <a:t>Demographic change and Inequality – Why does demographic matters?</a:t>
+            </a:r>
+            <a:endParaRPr lang="en-US" dirty="0"/>
           </a:p>
         </p:txBody>
       </p:sp>
@@ -15712,252 +14921,76 @@
           </a:p>
           <a:p>
             <a:r>
-              <a:rPr lang="de-CH" sz="1700" dirty="0" err="1" smtClean="0"/>
-              <a:t>Two</a:t>
-            </a:r>
-            <a:r>
-              <a:rPr lang="de-CH" sz="1700" dirty="0" smtClean="0"/>
-              <a:t> </a:t>
-            </a:r>
-            <a:r>
-              <a:rPr lang="de-CH" sz="1700" dirty="0" err="1"/>
-              <a:t>inequality</a:t>
-            </a:r>
-            <a:r>
-              <a:rPr lang="de-CH" sz="1700" dirty="0"/>
-              <a:t>-relevant «</a:t>
-            </a:r>
-            <a:r>
-              <a:rPr lang="de-CH" sz="1700" dirty="0" err="1"/>
-              <a:t>processes</a:t>
-            </a:r>
-            <a:r>
-              <a:rPr lang="de-CH" sz="1700" dirty="0"/>
-              <a:t>» must </a:t>
-            </a:r>
-            <a:r>
-              <a:rPr lang="de-CH" sz="1700" dirty="0" err="1"/>
-              <a:t>be</a:t>
-            </a:r>
-            <a:r>
-              <a:rPr lang="de-CH" sz="1700" dirty="0"/>
-              <a:t> </a:t>
-            </a:r>
-            <a:r>
-              <a:rPr lang="de-CH" sz="1700" dirty="0" err="1" smtClean="0"/>
-              <a:t>separated</a:t>
-            </a:r>
-            <a:r>
-              <a:rPr lang="de-CH" sz="1700" dirty="0" smtClean="0"/>
-              <a:t>, </a:t>
-            </a:r>
-            <a:r>
-              <a:rPr lang="de-CH" sz="1700" dirty="0" err="1" smtClean="0"/>
-              <a:t>when</a:t>
-            </a:r>
-            <a:r>
-              <a:rPr lang="de-CH" sz="1700" dirty="0" smtClean="0"/>
-              <a:t> </a:t>
-            </a:r>
-            <a:r>
-              <a:rPr lang="de-CH" sz="1700" dirty="0" err="1" smtClean="0"/>
-              <a:t>liking</a:t>
-            </a:r>
-            <a:r>
-              <a:rPr lang="de-CH" sz="1700" dirty="0" smtClean="0"/>
-              <a:t> </a:t>
-            </a:r>
-            <a:r>
-              <a:rPr lang="de-CH" sz="1700" dirty="0" err="1" smtClean="0"/>
-              <a:t>demographics</a:t>
-            </a:r>
-            <a:r>
-              <a:rPr lang="de-CH" sz="1700" dirty="0" smtClean="0"/>
-              <a:t> </a:t>
-            </a:r>
-            <a:r>
-              <a:rPr lang="de-CH" sz="1700" dirty="0" err="1" smtClean="0"/>
-              <a:t>to</a:t>
-            </a:r>
-            <a:r>
-              <a:rPr lang="de-CH" sz="1700" dirty="0" smtClean="0"/>
-              <a:t> </a:t>
-            </a:r>
-            <a:r>
-              <a:rPr lang="de-CH" sz="1700" dirty="0" err="1" smtClean="0"/>
-              <a:t>inequality</a:t>
-            </a:r>
-            <a:endParaRPr lang="de-CH" sz="1700" dirty="0"/>
+              <a:rPr lang="en-US" sz="1700" dirty="0" smtClean="0"/>
+              <a:t>Two inequality-relevant «processes» must be separated, when liking demographics to inequality</a:t>
+            </a:r>
           </a:p>
           <a:p>
             <a:pPr lvl="1"/>
             <a:r>
+              <a:rPr lang="de-CH" sz="1600" dirty="0" smtClean="0"/>
+              <a:t>(</a:t>
+            </a:r>
+            <a:r>
               <a:rPr lang="de-CH" sz="1600" dirty="0"/>
-              <a:t>(1) </a:t>
-            </a:r>
-            <a:r>
-              <a:rPr lang="de-CH" sz="1600" dirty="0" err="1" smtClean="0"/>
-              <a:t>Demographic</a:t>
+              <a:t>1) </a:t>
+            </a:r>
+            <a:r>
+              <a:rPr lang="en-US" sz="1600" dirty="0" smtClean="0"/>
+              <a:t>Demographic changes can affect overall Distribution</a:t>
+            </a:r>
+          </a:p>
+          <a:p>
+            <a:pPr lvl="1"/>
+            <a:r>
+              <a:rPr lang="de-CH" sz="1600" dirty="0" smtClean="0"/>
+              <a:t>(</a:t>
+            </a:r>
+            <a:r>
+              <a:rPr lang="de-CH" sz="1600" dirty="0"/>
+              <a:t>2) </a:t>
+            </a:r>
+            <a:r>
+              <a:rPr lang="en-US" sz="1600" dirty="0" smtClean="0"/>
+              <a:t>Demographic changes and segregation affects between group differences</a:t>
+            </a:r>
+            <a:r>
+              <a:rPr lang="de-CH" sz="1600" dirty="0" smtClean="0"/>
+              <a:t> (</a:t>
+            </a:r>
+            <a:r>
+              <a:rPr lang="en-US" sz="1600" dirty="0" smtClean="0"/>
+              <a:t>which</a:t>
             </a:r>
             <a:r>
               <a:rPr lang="de-CH" sz="1600" dirty="0" smtClean="0"/>
               <a:t> </a:t>
             </a:r>
             <a:r>
-              <a:rPr lang="de-CH" sz="1600" dirty="0" err="1" smtClean="0"/>
-              <a:t>changes</a:t>
+              <a:rPr lang="en-US" sz="1600" dirty="0" smtClean="0"/>
+              <a:t>doesn’t</a:t>
             </a:r>
             <a:r>
               <a:rPr lang="de-CH" sz="1600" dirty="0" smtClean="0"/>
               <a:t> </a:t>
             </a:r>
             <a:r>
-              <a:rPr lang="de-CH" sz="1600" dirty="0" err="1" smtClean="0"/>
-              <a:t>can</a:t>
-            </a:r>
-            <a:r>
-              <a:rPr lang="de-CH" sz="1600" dirty="0" smtClean="0"/>
-              <a:t> </a:t>
-            </a:r>
-            <a:r>
-              <a:rPr lang="de-CH" sz="1600" dirty="0" err="1"/>
-              <a:t>affect</a:t>
+              <a:rPr lang="en-US" sz="1600" dirty="0"/>
+              <a:t>necessarily</a:t>
             </a:r>
             <a:r>
               <a:rPr lang="de-CH" sz="1600" dirty="0"/>
               <a:t> </a:t>
             </a:r>
             <a:r>
-              <a:rPr lang="de-CH" sz="1600" dirty="0" err="1"/>
-              <a:t>overall</a:t>
-            </a:r>
-            <a:r>
-              <a:rPr lang="de-CH" sz="1600" dirty="0"/>
-              <a:t> Distribution</a:t>
-            </a:r>
-          </a:p>
-          <a:p>
-            <a:pPr lvl="1"/>
-            <a:r>
-              <a:rPr lang="de-CH" sz="1600" dirty="0"/>
-              <a:t>(2) </a:t>
-            </a:r>
-            <a:r>
-              <a:rPr lang="de-CH" sz="1600" dirty="0" err="1" smtClean="0"/>
-              <a:t>Demographic</a:t>
-            </a:r>
-            <a:r>
-              <a:rPr lang="de-CH" sz="1600" dirty="0" smtClean="0"/>
-              <a:t> </a:t>
-            </a:r>
-            <a:r>
-              <a:rPr lang="de-CH" sz="1600" dirty="0" err="1" smtClean="0"/>
-              <a:t>changes</a:t>
-            </a:r>
-            <a:r>
-              <a:rPr lang="de-CH" sz="1600" dirty="0" smtClean="0"/>
-              <a:t> </a:t>
-            </a:r>
-            <a:r>
-              <a:rPr lang="de-CH" sz="1600" dirty="0" err="1" smtClean="0"/>
-              <a:t>and</a:t>
-            </a:r>
-            <a:r>
-              <a:rPr lang="de-CH" sz="1600" dirty="0" smtClean="0"/>
-              <a:t> </a:t>
-            </a:r>
-            <a:r>
-              <a:rPr lang="de-CH" sz="1600" dirty="0" err="1" smtClean="0"/>
-              <a:t>segregation</a:t>
-            </a:r>
-            <a:r>
-              <a:rPr lang="de-CH" sz="1600" dirty="0" smtClean="0"/>
-              <a:t> </a:t>
-            </a:r>
-            <a:r>
-              <a:rPr lang="de-CH" sz="1600" dirty="0" err="1" smtClean="0"/>
-              <a:t>affects</a:t>
-            </a:r>
-            <a:r>
-              <a:rPr lang="de-CH" sz="1600" dirty="0" smtClean="0"/>
-              <a:t> </a:t>
-            </a:r>
-            <a:r>
-              <a:rPr lang="de-CH" sz="1600" dirty="0" err="1"/>
-              <a:t>between</a:t>
-            </a:r>
-            <a:r>
-              <a:rPr lang="de-CH" sz="1600" dirty="0"/>
-              <a:t> </a:t>
-            </a:r>
-            <a:r>
-              <a:rPr lang="de-CH" sz="1600" dirty="0" err="1"/>
-              <a:t>group</a:t>
-            </a:r>
-            <a:r>
-              <a:rPr lang="de-CH" sz="1600" dirty="0"/>
-              <a:t> </a:t>
-            </a:r>
-            <a:r>
-              <a:rPr lang="de-CH" sz="1600" dirty="0" err="1" smtClean="0"/>
-              <a:t>differences</a:t>
-            </a:r>
-            <a:r>
-              <a:rPr lang="de-CH" sz="1600" dirty="0" smtClean="0"/>
-              <a:t> </a:t>
-            </a:r>
-            <a:r>
-              <a:rPr lang="de-CH" sz="1600" dirty="0"/>
-              <a:t>(</a:t>
-            </a:r>
-            <a:r>
-              <a:rPr lang="de-CH" sz="1600" dirty="0" err="1"/>
-              <a:t>which</a:t>
-            </a:r>
-            <a:r>
-              <a:rPr lang="de-CH" sz="1600" dirty="0"/>
-              <a:t> </a:t>
-            </a:r>
-            <a:r>
-              <a:rPr lang="de-CH" sz="1600" dirty="0" err="1"/>
-              <a:t>doesn’t</a:t>
-            </a:r>
-            <a:r>
-              <a:rPr lang="de-CH" sz="1600" dirty="0"/>
-              <a:t> </a:t>
-            </a:r>
-            <a:r>
-              <a:rPr lang="en-US" sz="1600" dirty="0"/>
-              <a:t>necessarily</a:t>
-            </a:r>
-            <a:r>
-              <a:rPr lang="de-CH" sz="1600" dirty="0"/>
-              <a:t> </a:t>
-            </a:r>
-            <a:r>
-              <a:rPr lang="de-CH" sz="1600" dirty="0" err="1"/>
-              <a:t>affect</a:t>
-            </a:r>
-            <a:r>
-              <a:rPr lang="de-CH" sz="1600" dirty="0"/>
-              <a:t> </a:t>
-            </a:r>
-            <a:r>
-              <a:rPr lang="de-CH" sz="1600" dirty="0" err="1"/>
-              <a:t>overal</a:t>
-            </a:r>
-            <a:r>
-              <a:rPr lang="de-CH" sz="1600" dirty="0"/>
-              <a:t> </a:t>
-            </a:r>
-            <a:r>
-              <a:rPr lang="de-CH" sz="1600" dirty="0" err="1"/>
-              <a:t>distribution</a:t>
+              <a:rPr lang="en-US" sz="1600" dirty="0" smtClean="0"/>
+              <a:t>affect overall distribution</a:t>
             </a:r>
             <a:r>
               <a:rPr lang="de-CH" sz="1600" dirty="0" smtClean="0"/>
               <a:t>).</a:t>
             </a:r>
+            <a:endParaRPr lang="de-CH" sz="1600" dirty="0" smtClean="0"/>
           </a:p>
           <a:p>
             <a:pPr lvl="1"/>
@@ -15970,158 +15003,14 @@
           <a:p>
             <a:pPr lvl="1"/>
             <a:r>
-              <a:rPr lang="de-CH" sz="1600" dirty="0" smtClean="0"/>
-              <a:t>Research </a:t>
-            </a:r>
-            <a:r>
-              <a:rPr lang="de-CH" sz="1600" dirty="0" err="1" smtClean="0"/>
-              <a:t>Question</a:t>
-            </a:r>
-            <a:r>
-              <a:rPr lang="de-CH" sz="1600" dirty="0" smtClean="0"/>
-              <a:t>: </a:t>
-            </a:r>
-            <a:r>
-              <a:rPr lang="de-CH" sz="1600" dirty="0" err="1" smtClean="0"/>
-              <a:t>Is</a:t>
-            </a:r>
-            <a:r>
-              <a:rPr lang="de-CH" sz="1600" dirty="0" smtClean="0"/>
-              <a:t> </a:t>
-            </a:r>
-            <a:r>
-              <a:rPr lang="de-CH" sz="1600" dirty="0" err="1" smtClean="0"/>
-              <a:t>overall</a:t>
-            </a:r>
-            <a:r>
-              <a:rPr lang="de-CH" sz="1600" dirty="0" smtClean="0"/>
-              <a:t> </a:t>
-            </a:r>
-            <a:r>
-              <a:rPr lang="de-CH" sz="1600" dirty="0" err="1" smtClean="0"/>
-              <a:t>inequality</a:t>
-            </a:r>
-            <a:r>
-              <a:rPr lang="de-CH" sz="1600" dirty="0" smtClean="0"/>
-              <a:t> </a:t>
-            </a:r>
-            <a:r>
-              <a:rPr lang="de-CH" sz="1600" dirty="0" err="1" smtClean="0"/>
-              <a:t>affected</a:t>
-            </a:r>
-            <a:r>
-              <a:rPr lang="de-CH" sz="1600" dirty="0" smtClean="0"/>
-              <a:t> </a:t>
-            </a:r>
-            <a:r>
-              <a:rPr lang="de-CH" sz="1600" dirty="0" err="1" smtClean="0"/>
-              <a:t>by</a:t>
-            </a:r>
-            <a:r>
-              <a:rPr lang="de-CH" sz="1600" dirty="0" smtClean="0"/>
-              <a:t> </a:t>
-            </a:r>
-            <a:r>
-              <a:rPr lang="de-CH" sz="1600" dirty="0" err="1" smtClean="0"/>
-              <a:t>demographic</a:t>
-            </a:r>
-            <a:r>
-              <a:rPr lang="de-CH" sz="1600" dirty="0" smtClean="0"/>
-              <a:t> </a:t>
-            </a:r>
-            <a:r>
-              <a:rPr lang="de-CH" sz="1600" dirty="0" err="1" smtClean="0"/>
-              <a:t>change</a:t>
-            </a:r>
-            <a:r>
-              <a:rPr lang="de-CH" sz="1600" dirty="0" smtClean="0"/>
-              <a:t>? Do </a:t>
-            </a:r>
-            <a:r>
-              <a:rPr lang="de-CH" sz="1600" dirty="0" err="1" smtClean="0"/>
-              <a:t>between</a:t>
-            </a:r>
-            <a:r>
-              <a:rPr lang="de-CH" sz="1600" dirty="0" smtClean="0"/>
-              <a:t> </a:t>
-            </a:r>
-            <a:r>
-              <a:rPr lang="de-CH" sz="1600" dirty="0" err="1" smtClean="0"/>
-              <a:t>group</a:t>
-            </a:r>
-            <a:r>
-              <a:rPr lang="de-CH" sz="1600" dirty="0" smtClean="0"/>
-              <a:t> </a:t>
-            </a:r>
-            <a:r>
-              <a:rPr lang="de-CH" sz="1600" dirty="0" err="1" smtClean="0"/>
-              <a:t>differences</a:t>
-            </a:r>
-            <a:r>
-              <a:rPr lang="de-CH" sz="1600" dirty="0" smtClean="0"/>
-              <a:t> </a:t>
-            </a:r>
-            <a:r>
-              <a:rPr lang="de-CH" sz="1600" dirty="0" err="1" smtClean="0"/>
-              <a:t>change</a:t>
-            </a:r>
-            <a:r>
-              <a:rPr lang="de-CH" sz="1600" dirty="0"/>
-              <a:t> </a:t>
-            </a:r>
-            <a:r>
-              <a:rPr lang="de-CH" sz="1600" dirty="0" err="1" smtClean="0"/>
-              <a:t>over</a:t>
-            </a:r>
-            <a:r>
-              <a:rPr lang="de-CH" sz="1600" dirty="0" smtClean="0"/>
-              <a:t> time, </a:t>
-            </a:r>
-            <a:r>
-              <a:rPr lang="de-CH" sz="1600" dirty="0" err="1" smtClean="0"/>
-              <a:t>when</a:t>
-            </a:r>
-            <a:r>
-              <a:rPr lang="de-CH" sz="1600" dirty="0" smtClean="0"/>
-              <a:t> </a:t>
-            </a:r>
-            <a:r>
-              <a:rPr lang="de-CH" sz="1600" dirty="0" err="1" smtClean="0"/>
-              <a:t>looking</a:t>
-            </a:r>
-            <a:r>
-              <a:rPr lang="de-CH" sz="1600" dirty="0" smtClean="0"/>
-              <a:t> at </a:t>
-            </a:r>
-            <a:r>
-              <a:rPr lang="de-CH" sz="1600" dirty="0" err="1" smtClean="0"/>
-              <a:t>agegroups</a:t>
-            </a:r>
-            <a:r>
-              <a:rPr lang="de-CH" sz="1600" dirty="0" smtClean="0"/>
-              <a:t> </a:t>
-            </a:r>
-            <a:r>
-              <a:rPr lang="de-CH" sz="1600" dirty="0" err="1" smtClean="0"/>
-              <a:t>and</a:t>
-            </a:r>
-            <a:r>
-              <a:rPr lang="de-CH" sz="1600" dirty="0" smtClean="0"/>
-              <a:t> </a:t>
-            </a:r>
-            <a:r>
-              <a:rPr lang="de-CH" sz="1600" dirty="0" err="1" smtClean="0"/>
-              <a:t>household</a:t>
-            </a:r>
-            <a:r>
-              <a:rPr lang="de-CH" sz="1600" dirty="0" err="1" smtClean="0"/>
-              <a:t>typs</a:t>
-            </a:r>
-            <a:r>
-              <a:rPr lang="de-CH" sz="1600" dirty="0" smtClean="0"/>
-              <a:t>?</a:t>
-            </a:r>
-            <a:endParaRPr lang="de-CH" sz="1700" dirty="0" smtClean="0"/>
+              <a:rPr lang="en-US" sz="1600" i="1" dirty="0" smtClean="0"/>
+              <a:t>Research Question: </a:t>
+            </a:r>
+            <a:r>
+              <a:rPr lang="en-US" sz="1600" dirty="0" smtClean="0"/>
+              <a:t>Is overall inequality affected by demographic change? Do between group differences change over time, when looking at age groups and household types?</a:t>
+            </a:r>
+            <a:endParaRPr lang="en-US" sz="1700" dirty="0" smtClean="0"/>
           </a:p>
         </p:txBody>
       </p:sp>
@@ -16201,28 +15090,18 @@
           <a:lstStyle/>
           <a:p>
             <a:r>
-              <a:rPr lang="de-CH" dirty="0"/>
-              <a:t>Individual </a:t>
-            </a:r>
-            <a:r>
-              <a:rPr lang="de-CH" dirty="0" err="1"/>
-              <a:t>cantonal</a:t>
-            </a:r>
-            <a:r>
-              <a:rPr lang="de-CH" dirty="0"/>
-              <a:t> </a:t>
-            </a:r>
-            <a:r>
-              <a:rPr lang="de-CH" dirty="0" err="1"/>
-              <a:t>Tax</a:t>
-            </a:r>
-            <a:r>
-              <a:rPr lang="de-CH" dirty="0"/>
-              <a:t> Data </a:t>
-            </a:r>
+              <a:rPr lang="en-US" dirty="0" smtClean="0"/>
+              <a:t>Statistical «case studies» with individual cantonal Tax Data </a:t>
+            </a:r>
+          </a:p>
+          <a:p>
             <a:r>
               <a:rPr lang="de-CH" dirty="0" smtClean="0"/>
-              <a:t>-&gt; SNF-Project </a:t>
+              <a:t>-&gt; </a:t>
+            </a:r>
+            <a:r>
+              <a:rPr lang="de-CH" dirty="0" smtClean="0"/>
+              <a:t>SNF-Project </a:t>
             </a:r>
             <a:r>
               <a:rPr lang="de-CH" dirty="0"/>
@@ -16256,8 +15135,8 @@
         </p:nvSpPr>
         <p:spPr>
           <a:xfrm>
-            <a:off x="468000" y="2138773"/>
-            <a:ext cx="3694425" cy="2547527"/>
+            <a:off x="468000" y="2348323"/>
+            <a:ext cx="3780150" cy="2547527"/>
           </a:xfrm>
         </p:spPr>
         <p:txBody>
@@ -16272,32 +15151,26 @@
           <a:p>
             <a:pPr lvl="1"/>
             <a:r>
+              <a:rPr lang="en-US" dirty="0" smtClean="0"/>
+              <a:t>Urban canton</a:t>
+            </a:r>
+          </a:p>
+          <a:p>
+            <a:pPr lvl="1"/>
+            <a:r>
+              <a:rPr lang="en-US" dirty="0" smtClean="0"/>
+              <a:t>German speaking</a:t>
+            </a:r>
+          </a:p>
+          <a:p>
+            <a:pPr lvl="1"/>
+            <a:r>
               <a:rPr lang="de-CH" dirty="0" smtClean="0"/>
-              <a:t>Urban </a:t>
-            </a:r>
-            <a:r>
-              <a:rPr lang="de-CH" dirty="0" err="1" smtClean="0"/>
-              <a:t>canton</a:t>
-            </a:r>
-            <a:endParaRPr lang="de-CH" dirty="0" smtClean="0"/>
-          </a:p>
-          <a:p>
-            <a:pPr lvl="1"/>
+              <a:t>Time </a:t>
+            </a:r>
             <a:r>
               <a:rPr lang="de-CH" dirty="0" smtClean="0"/>
-              <a:t>German </a:t>
-            </a:r>
-            <a:r>
-              <a:rPr lang="de-CH" dirty="0" err="1" smtClean="0"/>
-              <a:t>speaking</a:t>
-            </a:r>
-            <a:endParaRPr lang="de-CH" dirty="0" smtClean="0"/>
-          </a:p>
-          <a:p>
-            <a:pPr lvl="1"/>
-            <a:r>
-              <a:rPr lang="de-CH" dirty="0" smtClean="0"/>
-              <a:t>Time Periode: 1991-2011</a:t>
+              <a:t>Periode: 1991-2011</a:t>
             </a:r>
           </a:p>
         </p:txBody>
@@ -16312,7 +15185,7 @@
         </p:nvSpPr>
         <p:spPr>
           <a:xfrm>
-            <a:off x="4420875" y="2138775"/>
+            <a:off x="4420875" y="2348323"/>
             <a:ext cx="3694425" cy="1709326"/>
           </a:xfrm>
           <a:prstGeom prst="rect">
@@ -16505,16 +15378,8 @@
           <a:p>
             <a:pPr lvl="1"/>
             <a:r>
-              <a:rPr lang="de-CH" dirty="0" smtClean="0"/>
-              <a:t>Rural </a:t>
-            </a:r>
-            <a:r>
-              <a:rPr lang="de-CH" dirty="0" err="1" smtClean="0"/>
-              <a:t>canton</a:t>
-            </a:r>
-            <a:r>
-              <a:rPr lang="de-CH" dirty="0" smtClean="0"/>
-              <a:t> </a:t>
+              <a:rPr lang="en-US" dirty="0" smtClean="0"/>
+              <a:t>Rural canton </a:t>
             </a:r>
             <a:r>
               <a:rPr lang="de-CH" sz="1200" dirty="0" smtClean="0"/>
@@ -16532,20 +15397,19 @@
           <a:p>
             <a:pPr lvl="1"/>
             <a:r>
-              <a:rPr lang="de-CH" dirty="0"/>
-              <a:t>French </a:t>
-            </a:r>
-            <a:r>
-              <a:rPr lang="de-CH" dirty="0" err="1" smtClean="0"/>
-              <a:t>speaking</a:t>
-            </a:r>
-            <a:endParaRPr lang="de-CH" dirty="0" smtClean="0"/>
+              <a:rPr lang="en-US" dirty="0" smtClean="0"/>
+              <a:t>French speaking</a:t>
+            </a:r>
           </a:p>
           <a:p>
             <a:pPr lvl="1"/>
             <a:r>
               <a:rPr lang="de-CH" dirty="0" smtClean="0"/>
-              <a:t>Time Periode: 2006 - 2012</a:t>
+              <a:t>Time </a:t>
+            </a:r>
+            <a:r>
+              <a:rPr lang="de-CH" dirty="0" smtClean="0"/>
+              <a:t>Periode: 2006 - 2012</a:t>
             </a:r>
             <a:endParaRPr lang="de-CH" dirty="0"/>
           </a:p>
@@ -16757,19 +15621,15 @@
               <a:buChar char="-"/>
             </a:pPr>
             <a:r>
-              <a:rPr lang="de-CH" dirty="0"/>
-              <a:t>Net </a:t>
-            </a:r>
-            <a:r>
-              <a:rPr lang="de-CH" dirty="0" err="1"/>
-              <a:t>income</a:t>
-            </a:r>
-            <a:r>
-              <a:rPr lang="de-CH" dirty="0"/>
-              <a:t> (Reineinkommen</a:t>
-            </a:r>
-            <a:r>
-              <a:rPr lang="de-CH" dirty="0" smtClean="0"/>
+              <a:rPr lang="en-US" dirty="0" smtClean="0"/>
+              <a:t>Net income (</a:t>
+            </a:r>
+            <a:r>
+              <a:rPr lang="en-US" dirty="0" err="1" smtClean="0"/>
+              <a:t>Reineinkommen</a:t>
+            </a:r>
+            <a:r>
+              <a:rPr lang="en-US" dirty="0" smtClean="0"/>
               <a:t>)</a:t>
             </a:r>
           </a:p>
@@ -16779,66 +15639,9 @@
               <a:buChar char="-"/>
             </a:pPr>
             <a:r>
-              <a:rPr lang="de-CH" dirty="0" smtClean="0"/>
-              <a:t>«</a:t>
-            </a:r>
-            <a:r>
-              <a:rPr lang="de-CH" dirty="0" err="1" smtClean="0"/>
-              <a:t>Householdtyps</a:t>
-            </a:r>
-            <a:r>
-              <a:rPr lang="de-CH" dirty="0" smtClean="0"/>
-              <a:t>» </a:t>
-            </a:r>
-            <a:r>
-              <a:rPr lang="de-CH" dirty="0" err="1" smtClean="0"/>
-              <a:t>and</a:t>
-            </a:r>
-            <a:r>
-              <a:rPr lang="de-CH" dirty="0" smtClean="0"/>
-              <a:t> </a:t>
-            </a:r>
-            <a:r>
-              <a:rPr lang="de-CH" dirty="0" err="1" smtClean="0"/>
-              <a:t>agegroups</a:t>
-            </a:r>
-            <a:r>
-              <a:rPr lang="de-CH" dirty="0" smtClean="0"/>
-              <a:t> </a:t>
-            </a:r>
-            <a:r>
-              <a:rPr lang="de-CH" dirty="0" err="1" smtClean="0"/>
-              <a:t>constructed</a:t>
-            </a:r>
-            <a:r>
-              <a:rPr lang="de-CH" dirty="0" smtClean="0"/>
-              <a:t> out </a:t>
-            </a:r>
-            <a:r>
-              <a:rPr lang="de-CH" dirty="0" err="1" smtClean="0"/>
-              <a:t>of</a:t>
-            </a:r>
-            <a:r>
-              <a:rPr lang="de-CH" dirty="0" smtClean="0"/>
-              <a:t> </a:t>
-            </a:r>
-            <a:r>
-              <a:rPr lang="de-CH" dirty="0" err="1" smtClean="0"/>
-              <a:t>characteristics</a:t>
-            </a:r>
-            <a:r>
-              <a:rPr lang="de-CH" dirty="0" smtClean="0"/>
-              <a:t> </a:t>
-            </a:r>
-            <a:r>
-              <a:rPr lang="de-CH" dirty="0" err="1" smtClean="0"/>
-              <a:t>from</a:t>
-            </a:r>
-            <a:r>
-              <a:rPr lang="de-CH" dirty="0" smtClean="0"/>
-              <a:t> tax-dossiers</a:t>
-            </a:r>
-            <a:endParaRPr lang="de-CH" dirty="0"/>
+              <a:rPr lang="en-US" dirty="0" smtClean="0"/>
+              <a:t>«Household types» and age groups constructed out of characteristics from tax-dossiers</a:t>
+            </a:r>
           </a:p>
           <a:p>
             <a:pPr marL="0" indent="0">
@@ -16952,10 +15755,10 @@
           <a:lstStyle/>
           <a:p>
             <a:r>
-              <a:rPr lang="de-CH" dirty="0" smtClean="0"/>
+              <a:rPr lang="en-US" dirty="0" smtClean="0"/>
               <a:t>Variables</a:t>
             </a:r>
-            <a:endParaRPr lang="de-CH" dirty="0"/>
+            <a:endParaRPr lang="en-US" dirty="0"/>
           </a:p>
         </p:txBody>
       </p:sp>
@@ -16975,26 +15778,9 @@
           <a:lstStyle/>
           <a:p>
             <a:r>
-              <a:rPr lang="de-CH" dirty="0" err="1" smtClean="0"/>
-              <a:t>Householdtyps</a:t>
-            </a:r>
-            <a:r>
-              <a:rPr lang="de-CH" dirty="0" smtClean="0"/>
-              <a:t> </a:t>
-            </a:r>
-            <a:r>
-              <a:rPr lang="de-CH" dirty="0" err="1" smtClean="0"/>
-              <a:t>and</a:t>
-            </a:r>
-            <a:r>
-              <a:rPr lang="de-CH" dirty="0" smtClean="0"/>
-              <a:t> </a:t>
-            </a:r>
-            <a:r>
-              <a:rPr lang="de-CH" dirty="0" err="1" smtClean="0"/>
-              <a:t>agegroups</a:t>
-            </a:r>
-            <a:endParaRPr lang="de-CH" dirty="0"/>
+              <a:rPr lang="en-US" dirty="0" smtClean="0"/>
+              <a:t>Household types and age groups</a:t>
+            </a:r>
           </a:p>
           <a:p>
             <a:endParaRPr lang="de-CH" dirty="0"/>
@@ -17022,105 +15808,52 @@
           <a:lstStyle/>
           <a:p>
             <a:r>
-              <a:rPr lang="de-CH" i="1" dirty="0" err="1" smtClean="0"/>
-              <a:t>Housholdstructure</a:t>
-            </a:r>
-            <a:r>
-              <a:rPr lang="de-CH" i="1" dirty="0" smtClean="0"/>
-              <a:t> </a:t>
-            </a:r>
-            <a:endParaRPr lang="de-CH" i="1" dirty="0"/>
+              <a:rPr lang="en-US" i="1" dirty="0" smtClean="0"/>
+              <a:t>Household structure </a:t>
+            </a:r>
           </a:p>
           <a:p>
             <a:pPr lvl="1"/>
             <a:r>
-              <a:rPr lang="de-CH" dirty="0" err="1"/>
-              <a:t>Married</a:t>
-            </a:r>
-            <a:r>
-              <a:rPr lang="de-CH" dirty="0"/>
-              <a:t> </a:t>
-            </a:r>
-            <a:r>
-              <a:rPr lang="de-CH" dirty="0" err="1"/>
-              <a:t>withoud</a:t>
-            </a:r>
-            <a:r>
-              <a:rPr lang="de-CH" dirty="0"/>
-              <a:t> </a:t>
-            </a:r>
-            <a:r>
-              <a:rPr lang="de-CH" dirty="0" err="1"/>
-              <a:t>kids</a:t>
-            </a:r>
-            <a:endParaRPr lang="de-CH" dirty="0"/>
+              <a:rPr lang="en-US" dirty="0" smtClean="0"/>
+              <a:t>Married without kids</a:t>
+            </a:r>
           </a:p>
           <a:p>
             <a:pPr lvl="1"/>
             <a:r>
-              <a:rPr lang="de-CH" dirty="0" err="1"/>
-              <a:t>Married</a:t>
-            </a:r>
-            <a:r>
-              <a:rPr lang="de-CH" dirty="0"/>
-              <a:t> </a:t>
-            </a:r>
-            <a:r>
-              <a:rPr lang="de-CH" dirty="0" err="1"/>
-              <a:t>with</a:t>
-            </a:r>
-            <a:r>
-              <a:rPr lang="de-CH" dirty="0"/>
-              <a:t> </a:t>
-            </a:r>
-            <a:r>
-              <a:rPr lang="de-CH" dirty="0" err="1"/>
-              <a:t>kids</a:t>
-            </a:r>
-            <a:endParaRPr lang="de-CH" dirty="0"/>
+              <a:rPr lang="en-US" dirty="0" smtClean="0"/>
+              <a:t>Married with kids</a:t>
+            </a:r>
           </a:p>
           <a:p>
             <a:pPr lvl="1"/>
             <a:r>
-              <a:rPr lang="de-CH" dirty="0"/>
-              <a:t>Single </a:t>
-            </a:r>
-            <a:r>
-              <a:rPr lang="de-CH" dirty="0" err="1" smtClean="0"/>
-              <a:t>mom</a:t>
-            </a:r>
-            <a:endParaRPr lang="de-CH" dirty="0"/>
+              <a:rPr lang="en-US" dirty="0" smtClean="0"/>
+              <a:t>Single mom</a:t>
+            </a:r>
           </a:p>
           <a:p>
             <a:pPr lvl="1"/>
             <a:r>
-              <a:rPr lang="de-CH" dirty="0"/>
-              <a:t>Single </a:t>
-            </a:r>
-            <a:r>
-              <a:rPr lang="de-CH" dirty="0" err="1"/>
-              <a:t>dad</a:t>
-            </a:r>
-            <a:endParaRPr lang="de-CH" dirty="0"/>
+              <a:rPr lang="en-US" dirty="0" smtClean="0"/>
+              <a:t>Single dad</a:t>
+            </a:r>
           </a:p>
           <a:p>
             <a:pPr lvl="1"/>
             <a:r>
-              <a:rPr lang="de-CH" dirty="0"/>
+              <a:rPr lang="en-US" dirty="0" smtClean="0"/>
               <a:t>Single man</a:t>
             </a:r>
           </a:p>
           <a:p>
             <a:pPr lvl="1"/>
             <a:r>
-              <a:rPr lang="de-CH" dirty="0"/>
-              <a:t>Single </a:t>
-            </a:r>
-            <a:r>
-              <a:rPr lang="de-CH" dirty="0" err="1"/>
-              <a:t>woman</a:t>
-            </a:r>
-            <a:endParaRPr lang="de-CH" dirty="0"/>
+              <a:rPr lang="en-US" dirty="0" smtClean="0"/>
+              <a:t>Single woman</a:t>
+            </a:r>
+            <a:endParaRPr lang="en-US" dirty="0"/>
           </a:p>
         </p:txBody>
       </p:sp>
@@ -17317,19 +16050,19 @@
           </a:lstStyle>
           <a:p>
             <a:r>
-              <a:rPr lang="de-CH" i="1" dirty="0" err="1"/>
-              <a:t>Agegroups</a:t>
-            </a:r>
-            <a:r>
-              <a:rPr lang="de-CH" i="1" dirty="0"/>
+              <a:rPr lang="en-US" i="1" dirty="0" smtClean="0"/>
+              <a:t>Age groups </a:t>
+            </a:r>
+          </a:p>
+          <a:p>
+            <a:pPr lvl="1"/>
+            <a:r>
+              <a:rPr lang="de-CH" dirty="0" smtClean="0"/>
               <a:t> </a:t>
             </a:r>
-          </a:p>
-          <a:p>
-            <a:pPr lvl="1"/>
             <a:r>
               <a:rPr lang="de-CH" dirty="0"/>
-              <a:t> -25, 26-65, &gt;65</a:t>
+              <a:t>-25, 26-65, &gt;65</a:t>
             </a:r>
           </a:p>
           <a:p>
@@ -17349,7 +16082,7 @@
           </a:p>
           <a:p>
             <a:r>
-              <a:rPr lang="de-CH" i="1" dirty="0" err="1">
+              <a:rPr lang="en-US" i="1" dirty="0" err="1" smtClean="0">
                 <a:solidFill>
                   <a:srgbClr val="FF0000"/>
                 </a:solidFill>
@@ -17357,7 +16090,7 @@
               <a:t>Agegroups</a:t>
             </a:r>
             <a:r>
-              <a:rPr lang="de-CH" i="1" dirty="0">
+              <a:rPr lang="en-US" i="1" dirty="0" smtClean="0">
                 <a:solidFill>
                   <a:srgbClr val="FF0000"/>
                 </a:solidFill>
@@ -17365,7 +16098,7 @@
               <a:t> </a:t>
             </a:r>
             <a:r>
-              <a:rPr lang="de-CH" i="1" dirty="0" err="1" smtClean="0">
+              <a:rPr lang="en-US" i="1" dirty="0" err="1" smtClean="0">
                 <a:solidFill>
                   <a:srgbClr val="FF0000"/>
                 </a:solidFill>
@@ -17373,18 +16106,125 @@
               <a:t>detailierter</a:t>
             </a:r>
             <a:r>
-              <a:rPr lang="de-CH" i="1" dirty="0" smtClean="0">
+              <a:rPr lang="en-US" i="1" dirty="0" smtClean="0">
                 <a:solidFill>
                   <a:srgbClr val="FF0000"/>
                 </a:solidFill>
               </a:rPr>
-              <a:t> wegen Schellenbauer Claim, dass Einkommen linear durch Alter determiniert ist </a:t>
-            </a:r>
-            <a:endParaRPr lang="de-CH" i="1" dirty="0">
-              <a:solidFill>
-                <a:srgbClr val="FF0000"/>
-              </a:solidFill>
-            </a:endParaRPr>
+              <a:t> </a:t>
+            </a:r>
+            <a:r>
+              <a:rPr lang="en-US" i="1" dirty="0" err="1" smtClean="0">
+                <a:solidFill>
+                  <a:srgbClr val="FF0000"/>
+                </a:solidFill>
+              </a:rPr>
+              <a:t>wegen</a:t>
+            </a:r>
+            <a:r>
+              <a:rPr lang="en-US" i="1" dirty="0" smtClean="0">
+                <a:solidFill>
+                  <a:srgbClr val="FF0000"/>
+                </a:solidFill>
+              </a:rPr>
+              <a:t> </a:t>
+            </a:r>
+            <a:r>
+              <a:rPr lang="en-US" i="1" dirty="0" err="1" smtClean="0">
+                <a:solidFill>
+                  <a:srgbClr val="FF0000"/>
+                </a:solidFill>
+              </a:rPr>
+              <a:t>Schellenbauer</a:t>
+            </a:r>
+            <a:r>
+              <a:rPr lang="en-US" i="1" dirty="0" smtClean="0">
+                <a:solidFill>
+                  <a:srgbClr val="FF0000"/>
+                </a:solidFill>
+              </a:rPr>
+              <a:t> Claim, </a:t>
+            </a:r>
+            <a:r>
+              <a:rPr lang="en-US" i="1" dirty="0" err="1" smtClean="0">
+                <a:solidFill>
+                  <a:srgbClr val="FF0000"/>
+                </a:solidFill>
+              </a:rPr>
+              <a:t>dass</a:t>
+            </a:r>
+            <a:r>
+              <a:rPr lang="en-US" i="1" dirty="0" smtClean="0">
+                <a:solidFill>
+                  <a:srgbClr val="FF0000"/>
+                </a:solidFill>
+              </a:rPr>
+              <a:t> </a:t>
+            </a:r>
+            <a:r>
+              <a:rPr lang="en-US" i="1" dirty="0" err="1" smtClean="0">
+                <a:solidFill>
+                  <a:srgbClr val="FF0000"/>
+                </a:solidFill>
+              </a:rPr>
+              <a:t>Einkommen</a:t>
+            </a:r>
+            <a:r>
+              <a:rPr lang="en-US" i="1" dirty="0" smtClean="0">
+                <a:solidFill>
+                  <a:srgbClr val="FF0000"/>
+                </a:solidFill>
+              </a:rPr>
+              <a:t> linear </a:t>
+            </a:r>
+            <a:r>
+              <a:rPr lang="en-US" i="1" dirty="0" err="1" smtClean="0">
+                <a:solidFill>
+                  <a:srgbClr val="FF0000"/>
+                </a:solidFill>
+              </a:rPr>
+              <a:t>durch</a:t>
+            </a:r>
+            <a:r>
+              <a:rPr lang="en-US" i="1" dirty="0" smtClean="0">
+                <a:solidFill>
+                  <a:srgbClr val="FF0000"/>
+                </a:solidFill>
+              </a:rPr>
+              <a:t> Alter </a:t>
+            </a:r>
+            <a:r>
+              <a:rPr lang="en-US" i="1" dirty="0" err="1" smtClean="0">
+                <a:solidFill>
+                  <a:srgbClr val="FF0000"/>
+                </a:solidFill>
+              </a:rPr>
+              <a:t>determiniert</a:t>
+            </a:r>
+            <a:r>
+              <a:rPr lang="en-US" i="1" dirty="0" smtClean="0">
+                <a:solidFill>
+                  <a:srgbClr val="FF0000"/>
+                </a:solidFill>
+              </a:rPr>
+              <a:t> </a:t>
+            </a:r>
+            <a:r>
+              <a:rPr lang="en-US" i="1" dirty="0" err="1" smtClean="0">
+                <a:solidFill>
+                  <a:srgbClr val="FF0000"/>
+                </a:solidFill>
+              </a:rPr>
+              <a:t>ist</a:t>
+            </a:r>
+            <a:r>
+              <a:rPr lang="en-US" i="1" dirty="0" smtClean="0">
+                <a:solidFill>
+                  <a:srgbClr val="FF0000"/>
+                </a:solidFill>
+              </a:rPr>
+              <a:t> </a:t>
+            </a:r>
           </a:p>
           <a:p>
             <a:pPr marL="0" indent="0">
@@ -17450,10 +16290,10 @@
           <a:lstStyle/>
           <a:p>
             <a:r>
-              <a:rPr lang="de-CH" dirty="0" err="1" smtClean="0"/>
+              <a:rPr lang="en-US" dirty="0" smtClean="0"/>
               <a:t>Method</a:t>
             </a:r>
-            <a:endParaRPr lang="de-CH" dirty="0"/>
+            <a:endParaRPr lang="en-US" dirty="0"/>
           </a:p>
         </p:txBody>
       </p:sp>
@@ -17473,66 +16313,30 @@
           <a:lstStyle/>
           <a:p>
             <a:r>
-              <a:rPr lang="de-CH" dirty="0" err="1" smtClean="0"/>
-              <a:t>Decomposing</a:t>
-            </a:r>
-            <a:r>
-              <a:rPr lang="de-CH" dirty="0" smtClean="0"/>
-              <a:t> </a:t>
-            </a:r>
-            <a:r>
-              <a:rPr lang="de-CH" dirty="0" err="1" smtClean="0"/>
-              <a:t>within</a:t>
-            </a:r>
-            <a:r>
-              <a:rPr lang="de-CH" dirty="0" smtClean="0"/>
-              <a:t> </a:t>
-            </a:r>
-            <a:r>
-              <a:rPr lang="de-CH" dirty="0" err="1" smtClean="0"/>
-              <a:t>and</a:t>
-            </a:r>
-            <a:r>
-              <a:rPr lang="de-CH" dirty="0" smtClean="0"/>
-              <a:t> </a:t>
-            </a:r>
-            <a:r>
-              <a:rPr lang="de-CH" dirty="0" err="1" smtClean="0"/>
-              <a:t>between</a:t>
-            </a:r>
-            <a:r>
-              <a:rPr lang="de-CH" dirty="0" smtClean="0"/>
-              <a:t> </a:t>
-            </a:r>
-            <a:r>
-              <a:rPr lang="de-CH" dirty="0" err="1" smtClean="0"/>
-              <a:t>group</a:t>
-            </a:r>
-            <a:r>
-              <a:rPr lang="de-CH" dirty="0" smtClean="0"/>
-              <a:t> </a:t>
-            </a:r>
-            <a:r>
-              <a:rPr lang="de-CH" dirty="0" err="1" smtClean="0"/>
-              <a:t>inequality</a:t>
-            </a:r>
-            <a:r>
-              <a:rPr lang="de-CH" dirty="0" smtClean="0"/>
-              <a:t> </a:t>
-            </a:r>
-            <a:r>
-              <a:rPr lang="de-CH" sz="1600" dirty="0" smtClean="0"/>
-              <a:t>(Hao &amp; </a:t>
-            </a:r>
-            <a:r>
-              <a:rPr lang="de-CH" sz="1600" dirty="0" err="1" smtClean="0"/>
+              <a:rPr lang="en-US" dirty="0" smtClean="0"/>
+              <a:t>Decomposing within and between group inequality </a:t>
+            </a:r>
+            <a:r>
+              <a:rPr lang="en-US" sz="1600" dirty="0" smtClean="0"/>
+              <a:t>(</a:t>
+            </a:r>
+            <a:r>
+              <a:rPr lang="en-US" sz="1600" dirty="0" err="1" smtClean="0"/>
+              <a:t>Hao</a:t>
+            </a:r>
+            <a:r>
+              <a:rPr lang="en-US" sz="1600" dirty="0" smtClean="0"/>
+              <a:t> &amp; </a:t>
+            </a:r>
+            <a:r>
+              <a:rPr lang="en-US" sz="1600" dirty="0" err="1" smtClean="0"/>
               <a:t>Naiman</a:t>
             </a:r>
             <a:r>
-              <a:rPr lang="de-CH" sz="1600" dirty="0" smtClean="0"/>
+              <a:rPr lang="en-US" sz="1600" dirty="0" smtClean="0"/>
               <a:t> 2010)</a:t>
             </a:r>
-            <a:endParaRPr lang="de-CH" sz="1600" dirty="0"/>
+            <a:endParaRPr lang="en-US" sz="1600" dirty="0"/>
           </a:p>
         </p:txBody>
       </p:sp>
@@ -17560,242 +16364,9 @@
               <a:p>
                 <a:pPr lvl="1"/>
                 <a:r>
-                  <a:rPr lang="de-CH" dirty="0" smtClean="0"/>
-                  <a:t>Theil</a:t>
+                  <a:rPr lang="en-US" dirty="0" smtClean="0"/>
+                  <a:t>Theil-Index, a inequality measure developed from information theory, is additively decomposable (Gini is not). Theil can be expressed as the between-group inequality plus the weighted sum of the inequality within each group </a:t>
                 </a:r>
-                <a:r>
-                  <a:rPr lang="de-CH" dirty="0" smtClean="0"/>
-                  <a:t>-Index</a:t>
-                </a:r>
-                <a:r>
-                  <a:rPr lang="de-CH" dirty="0"/>
-                  <a:t>, a </a:t>
-                </a:r>
-                <a:r>
-                  <a:rPr lang="de-CH" dirty="0" err="1"/>
-                  <a:t>inequality</a:t>
-                </a:r>
-                <a:r>
-                  <a:rPr lang="de-CH" dirty="0"/>
-                  <a:t> </a:t>
-                </a:r>
-                <a:r>
-                  <a:rPr lang="de-CH" dirty="0" err="1"/>
-                  <a:t>measure</a:t>
-                </a:r>
-                <a:r>
-                  <a:rPr lang="de-CH" dirty="0"/>
-                  <a:t> </a:t>
-                </a:r>
-                <a:r>
-                  <a:rPr lang="de-CH" dirty="0" err="1"/>
-                  <a:t>developed</a:t>
-                </a:r>
-                <a:r>
-                  <a:rPr lang="de-CH" dirty="0"/>
-                  <a:t> </a:t>
-                </a:r>
-                <a:r>
-                  <a:rPr lang="de-CH" dirty="0" err="1"/>
-                  <a:t>from</a:t>
-                </a:r>
-                <a:r>
-                  <a:rPr lang="de-CH" dirty="0"/>
-                  <a:t> </a:t>
-                </a:r>
-                <a:r>
-                  <a:rPr lang="de-CH" dirty="0" err="1"/>
-                  <a:t>information</a:t>
-                </a:r>
-                <a:r>
-                  <a:rPr lang="de-CH" dirty="0"/>
-                  <a:t> </a:t>
-                </a:r>
-                <a:r>
-                  <a:rPr lang="de-CH" dirty="0" err="1"/>
-                  <a:t>theory</a:t>
-                </a:r>
-                <a:r>
-                  <a:rPr lang="de-CH" dirty="0"/>
-                  <a:t>, </a:t>
-                </a:r>
-                <a:r>
-                  <a:rPr lang="de-CH" dirty="0" err="1"/>
-                  <a:t>is</a:t>
-                </a:r>
-                <a:r>
-                  <a:rPr lang="de-CH" dirty="0"/>
-                  <a:t> </a:t>
-                </a:r>
-                <a:r>
-                  <a:rPr lang="de-CH" dirty="0" err="1"/>
-                  <a:t>additively</a:t>
-                </a:r>
-                <a:r>
-                  <a:rPr lang="de-CH" dirty="0"/>
-                  <a:t> </a:t>
-                </a:r>
-                <a:r>
-                  <a:rPr lang="de-CH" dirty="0" err="1"/>
-                  <a:t>decomposable</a:t>
-                </a:r>
-                <a:r>
-                  <a:rPr lang="de-CH" dirty="0"/>
-                  <a:t> (</a:t>
-                </a:r>
-                <a:r>
-                  <a:rPr lang="de-CH" dirty="0" err="1"/>
-                  <a:t>gini</a:t>
-                </a:r>
-                <a:r>
-                  <a:rPr lang="de-CH" dirty="0"/>
-                  <a:t> </a:t>
-                </a:r>
-                <a:r>
-                  <a:rPr lang="de-CH" dirty="0" err="1"/>
-                  <a:t>is</a:t>
-                </a:r>
-                <a:r>
-                  <a:rPr lang="de-CH" dirty="0"/>
-                  <a:t> not). </a:t>
-                </a:r>
-                <a:r>
-                  <a:rPr lang="de-CH" dirty="0" err="1"/>
-                  <a:t>Theil</a:t>
-                </a:r>
-                <a:r>
-                  <a:rPr lang="de-CH" dirty="0"/>
-                  <a:t> </a:t>
-                </a:r>
-                <a:r>
-                  <a:rPr lang="de-CH" dirty="0" err="1"/>
-                  <a:t>can</a:t>
-                </a:r>
-                <a:r>
-                  <a:rPr lang="de-CH" dirty="0"/>
-                  <a:t> </a:t>
-                </a:r>
-                <a:r>
-                  <a:rPr lang="de-CH" dirty="0" err="1"/>
-                  <a:t>be</a:t>
-                </a:r>
-                <a:r>
-                  <a:rPr lang="de-CH" dirty="0"/>
-                  <a:t> </a:t>
-                </a:r>
-                <a:r>
-                  <a:rPr lang="de-CH" dirty="0" err="1"/>
-                  <a:t>expressed</a:t>
-                </a:r>
-                <a:r>
-                  <a:rPr lang="de-CH" dirty="0"/>
-                  <a:t> </a:t>
-                </a:r>
-                <a:r>
-                  <a:rPr lang="de-CH" dirty="0" err="1"/>
-                  <a:t>as</a:t>
-                </a:r>
-                <a:r>
-                  <a:rPr lang="de-CH" dirty="0"/>
-                  <a:t> </a:t>
-                </a:r>
-                <a:r>
-                  <a:rPr lang="de-CH" dirty="0" err="1"/>
-                  <a:t>the</a:t>
-                </a:r>
-                <a:r>
-                  <a:rPr lang="de-CH" dirty="0"/>
-                  <a:t> </a:t>
-                </a:r>
-                <a:r>
-                  <a:rPr lang="de-CH" dirty="0" err="1"/>
-                  <a:t>between</a:t>
-                </a:r>
-                <a:r>
-                  <a:rPr lang="de-CH" dirty="0"/>
-                  <a:t>-group </a:t>
-                </a:r>
-                <a:r>
-                  <a:rPr lang="de-CH" dirty="0" err="1"/>
-                  <a:t>inequality</a:t>
-                </a:r>
-                <a:r>
-                  <a:rPr lang="de-CH" dirty="0"/>
-                  <a:t> plus </a:t>
-                </a:r>
-                <a:r>
-                  <a:rPr lang="de-CH" dirty="0" err="1"/>
-                  <a:t>the</a:t>
-                </a:r>
-                <a:r>
-                  <a:rPr lang="de-CH" dirty="0"/>
-                  <a:t> </a:t>
-                </a:r>
-                <a:r>
-                  <a:rPr lang="de-CH" dirty="0" err="1"/>
-                  <a:t>weighted</a:t>
-                </a:r>
-                <a:r>
-                  <a:rPr lang="de-CH" dirty="0"/>
-                  <a:t> </a:t>
-                </a:r>
-                <a:r>
-                  <a:rPr lang="de-CH" dirty="0" err="1"/>
-                  <a:t>sum</a:t>
-                </a:r>
-                <a:r>
-                  <a:rPr lang="de-CH" dirty="0"/>
-                  <a:t> </a:t>
-                </a:r>
-                <a:r>
-                  <a:rPr lang="de-CH" dirty="0" err="1"/>
-                  <a:t>of</a:t>
-                </a:r>
-                <a:r>
-                  <a:rPr lang="de-CH" dirty="0"/>
-                  <a:t> </a:t>
-                </a:r>
-                <a:r>
-                  <a:rPr lang="de-CH" dirty="0" err="1"/>
-                  <a:t>the</a:t>
-                </a:r>
-                <a:r>
-                  <a:rPr lang="de-CH" dirty="0"/>
-                  <a:t> </a:t>
-                </a:r>
-                <a:r>
-                  <a:rPr lang="de-CH" dirty="0" err="1"/>
-                  <a:t>inequality</a:t>
-                </a:r>
-                <a:r>
-                  <a:rPr lang="de-CH" dirty="0"/>
-                  <a:t> </a:t>
-                </a:r>
-                <a:r>
-                  <a:rPr lang="de-CH" dirty="0" err="1"/>
-                  <a:t>within</a:t>
-                </a:r>
-                <a:r>
-                  <a:rPr lang="de-CH" dirty="0"/>
-                  <a:t> </a:t>
-                </a:r>
-                <a:r>
-                  <a:rPr lang="de-CH" dirty="0" err="1"/>
-                  <a:t>each</a:t>
-                </a:r>
-                <a:r>
-                  <a:rPr lang="de-CH" dirty="0"/>
-                  <a:t> </a:t>
-                </a:r>
-                <a:r>
-                  <a:rPr lang="de-CH" dirty="0" err="1"/>
-                  <a:t>group</a:t>
-                </a:r>
-                <a:r>
-                  <a:rPr lang="de-CH"/>
-                  <a:t> </a:t>
-                </a:r>
-                <a:endParaRPr lang="de-CH" dirty="0" smtClean="0"/>
               </a:p>
               <a:p>
                 <a:pPr lvl="2"/>
@@ -18192,294 +16763,9 @@
               <a:p>
                 <a:pPr lvl="1"/>
                 <a:r>
-                  <a:rPr lang="de-CH" dirty="0" err="1"/>
-                  <a:t>By</a:t>
+                  <a:rPr lang="en-US" dirty="0" smtClean="0"/>
+                  <a:t>By decomposing the Theil-Index we partitioned the total income inequality into between-group inequality (e.g. between age groups and household types) and within-group inequality. Hence we see, how the differences between and within each group contribute to overall inequality</a:t>
                 </a:r>
-                <a:r>
-                  <a:rPr lang="de-CH" dirty="0"/>
-                  <a:t> </a:t>
-                </a:r>
-                <a:r>
-                  <a:rPr lang="de-CH" dirty="0" err="1"/>
-                  <a:t>decomposing</a:t>
-                </a:r>
-                <a:r>
-                  <a:rPr lang="de-CH" dirty="0"/>
-                  <a:t> </a:t>
-                </a:r>
-                <a:r>
-                  <a:rPr lang="de-CH" dirty="0" err="1"/>
-                  <a:t>the</a:t>
-                </a:r>
-                <a:r>
-                  <a:rPr lang="de-CH" dirty="0"/>
-                  <a:t> </a:t>
-                </a:r>
-                <a:r>
-                  <a:rPr lang="de-CH" dirty="0" err="1"/>
-                  <a:t>Theil</a:t>
-                </a:r>
-                <a:r>
-                  <a:rPr lang="de-CH" dirty="0"/>
-                  <a:t>-Index </a:t>
-                </a:r>
-                <a:r>
-                  <a:rPr lang="de-CH" dirty="0" err="1"/>
-                  <a:t>we</a:t>
-                </a:r>
-                <a:r>
-                  <a:rPr lang="de-CH" dirty="0"/>
-                  <a:t> </a:t>
-                </a:r>
-                <a:r>
-                  <a:rPr lang="de-CH" dirty="0" err="1"/>
-                  <a:t>partitioned</a:t>
-                </a:r>
-                <a:r>
-                  <a:rPr lang="de-CH" dirty="0"/>
-                  <a:t> </a:t>
-                </a:r>
-                <a:r>
-                  <a:rPr lang="de-CH" dirty="0" err="1"/>
-                  <a:t>the</a:t>
-                </a:r>
-                <a:r>
-                  <a:rPr lang="de-CH" dirty="0"/>
-                  <a:t> total </a:t>
-                </a:r>
-                <a:r>
-                  <a:rPr lang="de-CH" dirty="0" err="1"/>
-                  <a:t>income</a:t>
-                </a:r>
-                <a:r>
-                  <a:rPr lang="de-CH" dirty="0"/>
-                  <a:t> </a:t>
-                </a:r>
-                <a:r>
-                  <a:rPr lang="de-CH" dirty="0" err="1"/>
-                  <a:t>inequality</a:t>
-                </a:r>
-                <a:r>
-                  <a:rPr lang="de-CH" dirty="0"/>
-                  <a:t> </a:t>
-                </a:r>
-                <a:r>
-                  <a:rPr lang="de-CH" dirty="0" err="1"/>
-                  <a:t>into</a:t>
-                </a:r>
-                <a:r>
-                  <a:rPr lang="de-CH" dirty="0"/>
-                  <a:t> </a:t>
-                </a:r>
-                <a:r>
-                  <a:rPr lang="de-CH" dirty="0" err="1"/>
-                  <a:t>between</a:t>
-                </a:r>
-                <a:r>
-                  <a:rPr lang="de-CH" dirty="0"/>
-                  <a:t>-group </a:t>
-                </a:r>
-                <a:r>
-                  <a:rPr lang="de-CH" dirty="0" err="1"/>
-                  <a:t>inequality</a:t>
-                </a:r>
-                <a:r>
-                  <a:rPr lang="de-CH" dirty="0"/>
-                  <a:t> </a:t>
-                </a:r>
-                <a:r>
-                  <a:rPr lang="de-CH" dirty="0" smtClean="0"/>
-                  <a:t>(e.g. </a:t>
-                </a:r>
-                <a:r>
-                  <a:rPr lang="de-CH" dirty="0" err="1" smtClean="0"/>
-                  <a:t>between</a:t>
-                </a:r>
-                <a:r>
-                  <a:rPr lang="de-CH" dirty="0" smtClean="0"/>
-                  <a:t> </a:t>
-                </a:r>
-                <a:r>
-                  <a:rPr lang="de-CH" dirty="0" err="1" smtClean="0"/>
-                  <a:t>age</a:t>
-                </a:r>
-                <a:r>
-                  <a:rPr lang="de-CH" dirty="0" smtClean="0"/>
-                  <a:t> </a:t>
-                </a:r>
-                <a:r>
-                  <a:rPr lang="de-CH" dirty="0" err="1" smtClean="0"/>
-                  <a:t>groups</a:t>
-                </a:r>
-                <a:r>
-                  <a:rPr lang="de-CH" dirty="0" smtClean="0"/>
-                  <a:t> </a:t>
-                </a:r>
-                <a:r>
-                  <a:rPr lang="de-CH" dirty="0" err="1" smtClean="0"/>
-                  <a:t>and</a:t>
-                </a:r>
-                <a:r>
-                  <a:rPr lang="de-CH" dirty="0" smtClean="0"/>
-                  <a:t> </a:t>
-                </a:r>
-                <a:r>
-                  <a:rPr lang="de-CH" dirty="0" err="1" smtClean="0"/>
-                  <a:t>household</a:t>
-                </a:r>
-                <a:r>
-                  <a:rPr lang="de-CH" dirty="0" smtClean="0"/>
-                  <a:t> </a:t>
-                </a:r>
-                <a:r>
-                  <a:rPr lang="de-CH" dirty="0" err="1" smtClean="0"/>
-                  <a:t>types</a:t>
-                </a:r>
-                <a:r>
-                  <a:rPr lang="de-CH" dirty="0" smtClean="0"/>
-                  <a:t>) </a:t>
-                </a:r>
-                <a:r>
-                  <a:rPr lang="de-CH" dirty="0" err="1"/>
-                  <a:t>and</a:t>
-                </a:r>
-                <a:r>
-                  <a:rPr lang="de-CH" dirty="0"/>
-                  <a:t> </a:t>
-                </a:r>
-                <a:r>
-                  <a:rPr lang="de-CH" dirty="0" err="1"/>
-                  <a:t>within</a:t>
-                </a:r>
-                <a:r>
-                  <a:rPr lang="de-CH" dirty="0"/>
-                  <a:t>-group </a:t>
-                </a:r>
-                <a:r>
-                  <a:rPr lang="de-CH" dirty="0" err="1" smtClean="0"/>
-                  <a:t>inequality</a:t>
-                </a:r>
-                <a:r>
-                  <a:rPr lang="de-CH" dirty="0" smtClean="0"/>
-                  <a:t>. </a:t>
-                </a:r>
-                <a:r>
-                  <a:rPr lang="de-CH" dirty="0" err="1" smtClean="0"/>
-                  <a:t>Hence</a:t>
-                </a:r>
-                <a:r>
-                  <a:rPr lang="de-CH" dirty="0" smtClean="0"/>
-                  <a:t> </a:t>
-                </a:r>
-                <a:r>
-                  <a:rPr lang="de-CH" dirty="0" err="1" smtClean="0"/>
-                  <a:t>we</a:t>
-                </a:r>
-                <a:r>
-                  <a:rPr lang="de-CH" dirty="0" smtClean="0"/>
-                  <a:t> </a:t>
-                </a:r>
-                <a:r>
-                  <a:rPr lang="de-CH" dirty="0" err="1" smtClean="0"/>
-                  <a:t>see</a:t>
-                </a:r>
-                <a:r>
-                  <a:rPr lang="de-CH" dirty="0" smtClean="0"/>
-                  <a:t>, </a:t>
-                </a:r>
-                <a:r>
-                  <a:rPr lang="de-CH" dirty="0" err="1"/>
-                  <a:t>how</a:t>
-                </a:r>
-                <a:r>
-                  <a:rPr lang="de-CH" dirty="0"/>
-                  <a:t> </a:t>
-                </a:r>
-                <a:r>
-                  <a:rPr lang="de-CH" dirty="0" err="1"/>
-                  <a:t>the</a:t>
-                </a:r>
-                <a:r>
-                  <a:rPr lang="de-CH" dirty="0"/>
-                  <a:t> </a:t>
-                </a:r>
-                <a:r>
-                  <a:rPr lang="de-CH" dirty="0" err="1"/>
-                  <a:t>differences</a:t>
-                </a:r>
-                <a:r>
-                  <a:rPr lang="de-CH" dirty="0"/>
-                  <a:t> </a:t>
-                </a:r>
-                <a:r>
-                  <a:rPr lang="de-CH" dirty="0" err="1"/>
-                  <a:t>between</a:t>
-                </a:r>
-                <a:r>
-                  <a:rPr lang="de-CH" dirty="0"/>
-                  <a:t> </a:t>
-                </a:r>
-                <a:r>
-                  <a:rPr lang="de-CH" dirty="0" err="1"/>
-                  <a:t>and</a:t>
-                </a:r>
-                <a:r>
-                  <a:rPr lang="de-CH" dirty="0"/>
-                  <a:t> </a:t>
-                </a:r>
-                <a:r>
-                  <a:rPr lang="de-CH" dirty="0" err="1"/>
-                  <a:t>within</a:t>
-                </a:r>
-                <a:r>
-                  <a:rPr lang="de-CH" dirty="0"/>
-                  <a:t> </a:t>
-                </a:r>
-                <a:r>
-                  <a:rPr lang="de-CH" dirty="0" err="1"/>
-                  <a:t>each</a:t>
-                </a:r>
-                <a:r>
-                  <a:rPr lang="de-CH" dirty="0"/>
-                  <a:t> </a:t>
-                </a:r>
-                <a:r>
-                  <a:rPr lang="de-CH" dirty="0" err="1"/>
-                  <a:t>group</a:t>
-                </a:r>
-                <a:r>
-                  <a:rPr lang="de-CH" dirty="0"/>
-                  <a:t> </a:t>
-                </a:r>
-                <a:r>
-                  <a:rPr lang="de-CH" dirty="0" err="1"/>
-                  <a:t>contribute</a:t>
-                </a:r>
-                <a:r>
-                  <a:rPr lang="de-CH" dirty="0"/>
-                  <a:t> </a:t>
-                </a:r>
-                <a:r>
-                  <a:rPr lang="de-CH" dirty="0" err="1"/>
-                  <a:t>to</a:t>
-                </a:r>
-                <a:r>
-                  <a:rPr lang="de-CH" dirty="0"/>
-                  <a:t> </a:t>
-                </a:r>
-                <a:r>
-                  <a:rPr lang="de-CH" dirty="0" err="1"/>
-                  <a:t>overall</a:t>
-                </a:r>
-                <a:r>
-                  <a:rPr lang="de-CH" dirty="0"/>
-                  <a:t> </a:t>
-                </a:r>
-                <a:r>
-                  <a:rPr lang="de-CH" dirty="0" err="1"/>
-                  <a:t>inequality</a:t>
-                </a:r>
-                <a:endParaRPr lang="de-CH" dirty="0"/>
               </a:p>
               <a:p>
                 <a:pPr lvl="1"/>
@@ -18523,7 +16809,7 @@
               <a:blipFill rotWithShape="1">
                 <a:blip r:embed="rId3"/>
                 <a:stretch>
-                  <a:fillRect t="-615" r="-1731"/>
+                  <a:fillRect t="-615" r="-2408"/>
                 </a:stretch>
               </a:blipFill>
             </p:spPr>
@@ -18532,7 +16818,7 @@
               <a:lstStyle/>
               <a:p>
                 <a:r>
-                  <a:rPr lang="de-CH">
+                  <a:rPr lang="en-US">
                     <a:noFill/>
                   </a:rPr>
                   <a:t> </a:t>
@@ -18795,7 +17081,7 @@
           <a:lstStyle/>
           <a:p>
             <a:r>
-              <a:rPr lang="de-CH" dirty="0" err="1" smtClean="0"/>
+              <a:rPr lang="en-US" dirty="0" smtClean="0"/>
               <a:t>Results</a:t>
             </a:r>
             <a:r>
@@ -18825,26 +17111,10 @@
           <a:lstStyle/>
           <a:p>
             <a:r>
-              <a:rPr lang="de-CH" dirty="0" smtClean="0"/>
-              <a:t>Overall </a:t>
-            </a:r>
-            <a:r>
-              <a:rPr lang="de-CH" dirty="0" err="1" smtClean="0"/>
-              <a:t>Inequality</a:t>
-            </a:r>
-            <a:r>
-              <a:rPr lang="de-CH" dirty="0" smtClean="0"/>
-              <a:t> </a:t>
-            </a:r>
-            <a:r>
-              <a:rPr lang="de-CH" dirty="0" err="1" smtClean="0"/>
-              <a:t>over</a:t>
-            </a:r>
-            <a:r>
-              <a:rPr lang="de-CH" dirty="0" smtClean="0"/>
-              <a:t> time</a:t>
-            </a:r>
-            <a:endParaRPr lang="de-CH" dirty="0"/>
+              <a:rPr lang="en-US" dirty="0" smtClean="0"/>
+              <a:t>Overall Inequality over time</a:t>
+            </a:r>
+            <a:endParaRPr lang="en-US" dirty="0"/>
           </a:p>
         </p:txBody>
       </p:sp>
@@ -19250,7 +17520,7 @@
       </p:sp>
       <p:pic>
         <p:nvPicPr>
-          <p:cNvPr id="1026" name="Picture 2" descr="C:\Users\hlo1\neuchatel\analyses Oli\figure\lorenz.png"/>
+          <p:cNvPr id="5125" name="Picture 5" descr="C:\Users\hlo1\neuchatel\analyses Oli\figure\lorenz.png"/>
           <p:cNvPicPr>
             <a:picLocks noChangeAspect="1" noChangeArrowheads="1"/>
           </p:cNvPicPr>
@@ -19271,8 +17541,8 @@
         </p:blipFill>
         <p:spPr bwMode="auto">
           <a:xfrm>
-            <a:off x="371475" y="2091648"/>
-            <a:ext cx="8371798" cy="4556802"/>
+            <a:off x="0" y="1928441"/>
+            <a:ext cx="9144000" cy="4572000"/>
           </a:xfrm>
           <a:prstGeom prst="rect">
             <a:avLst/>
@@ -19292,7 +17562,7 @@
     </p:spTree>
     <p:extLst>
       <p:ext uri="{BB962C8B-B14F-4D97-AF65-F5344CB8AC3E}">
-        <p14:creationId xmlns:p14="http://schemas.microsoft.com/office/powerpoint/2010/main" val="4072119493"/>
+        <p14:creationId xmlns:p14="http://schemas.microsoft.com/office/powerpoint/2010/main" val="1970144929"/>
       </p:ext>
     </p:extLst>
   </p:cSld>

--- a/presentation/Inequality by Demographic Factors_V3.pptx
+++ b/presentation/Inequality by Demographic Factors_V3.pptx
@@ -9427,8 +9427,8 @@
               <a:t>Decomposing inequality by </a:t>
             </a:r>
             <a:r>
-              <a:rPr lang="en-US" dirty="0" err="1" smtClean="0"/>
-              <a:t>agegroups</a:t>
+              <a:rPr lang="en-US" dirty="0" smtClean="0"/>
+              <a:t>age groups</a:t>
             </a:r>
             <a:endParaRPr lang="en-US" dirty="0"/>
           </a:p>
@@ -9856,12 +9856,12 @@
           <a:graphicData uri="http://schemas.openxmlformats.org/presentationml/2006/ole">
             <mc:AlternateContent xmlns:mc="http://schemas.openxmlformats.org/markup-compatibility/2006">
               <mc:Choice xmlns:v="urn:schemas-microsoft-com:vml" Requires="v">
-                <p:oleObj spid="_x0000_s2058" name="Worksheet" r:id="rId4" imgW="6029367" imgH="2543243" progId="Excel.Sheet.12">
+                <p:oleObj spid="_x0000_s2059" name="Worksheet" r:id="rId5" imgW="6029367" imgH="2543243" progId="Excel.Sheet.12">
                   <p:embed/>
                 </p:oleObj>
               </mc:Choice>
               <mc:Fallback>
-                <p:oleObj name="Worksheet" r:id="rId4" imgW="6029367" imgH="2543243" progId="Excel.Sheet.12">
+                <p:oleObj name="Worksheet" r:id="rId5" imgW="6029367" imgH="2543243" progId="Excel.Sheet.12">
                   <p:embed/>
                   <p:pic>
                     <p:nvPicPr>
@@ -9870,7 +9870,7 @@
                       <p:nvPr/>
                     </p:nvPicPr>
                     <p:blipFill>
-                      <a:blip r:embed="rId5"/>
+                      <a:blip r:embed="rId6"/>
                       <a:stretch>
                         <a:fillRect/>
                       </a:stretch>
@@ -10396,12 +10396,12 @@
           <a:graphicData uri="http://schemas.openxmlformats.org/presentationml/2006/ole">
             <mc:AlternateContent xmlns:mc="http://schemas.openxmlformats.org/markup-compatibility/2006">
               <mc:Choice xmlns:v="urn:schemas-microsoft-com:vml" Requires="v">
-                <p:oleObj spid="_x0000_s3082" name="Worksheet" r:id="rId4" imgW="6029367" imgH="3009900" progId="Excel.Sheet.12">
+                <p:oleObj spid="_x0000_s3083" name="Worksheet" r:id="rId5" imgW="6029367" imgH="3009900" progId="Excel.Sheet.12">
                   <p:embed/>
                 </p:oleObj>
               </mc:Choice>
               <mc:Fallback>
-                <p:oleObj name="Worksheet" r:id="rId4" imgW="6029367" imgH="3009900" progId="Excel.Sheet.12">
+                <p:oleObj name="Worksheet" r:id="rId5" imgW="6029367" imgH="3009900" progId="Excel.Sheet.12">
                   <p:embed/>
                   <p:pic>
                     <p:nvPicPr>
@@ -10410,7 +10410,7 @@
                       <p:nvPr/>
                     </p:nvPicPr>
                     <p:blipFill>
-                      <a:blip r:embed="rId5"/>
+                      <a:blip r:embed="rId6"/>
                       <a:stretch>
                         <a:fillRect/>
                       </a:stretch>
@@ -12949,11 +12949,7 @@
           <a:p>
             <a:r>
               <a:rPr lang="en-US" dirty="0" smtClean="0"/>
-              <a:t>Interim </a:t>
-            </a:r>
-            <a:r>
-              <a:rPr lang="en-US" dirty="0" smtClean="0"/>
-              <a:t>Conclusion und outlook</a:t>
+              <a:t>Interim Conclusion und outlook</a:t>
             </a:r>
             <a:endParaRPr lang="en-US" dirty="0"/>
           </a:p>
@@ -13067,12 +13063,12 @@
               <a:t>Within </a:t>
             </a:r>
             <a:r>
-              <a:rPr lang="en-US" dirty="0" err="1" smtClean="0"/>
-              <a:t>agegroup</a:t>
-            </a:r>
-            <a:r>
               <a:rPr lang="en-US" dirty="0" smtClean="0"/>
-              <a:t> analysis show…</a:t>
+              <a:t>age group </a:t>
+            </a:r>
+            <a:r>
+              <a:rPr lang="en-US" dirty="0" smtClean="0"/>
+              <a:t>analysis show…</a:t>
             </a:r>
           </a:p>
           <a:p>
@@ -13953,12 +13949,20 @@
               <a:t>Within </a:t>
             </a:r>
             <a:r>
-              <a:rPr lang="en-US" dirty="0" err="1"/>
-              <a:t>agegroup</a:t>
+              <a:rPr lang="en-US" dirty="0" smtClean="0"/>
+              <a:t>household </a:t>
+            </a:r>
+            <a:r>
+              <a:rPr lang="en-US" dirty="0" err="1" smtClean="0"/>
+              <a:t>typ</a:t>
+            </a:r>
+            <a:r>
+              <a:rPr lang="en-US" dirty="0" smtClean="0"/>
+              <a:t> analysis </a:t>
             </a:r>
             <a:r>
               <a:rPr lang="en-US" dirty="0"/>
-              <a:t> analysis show…</a:t>
+              <a:t>show…</a:t>
             </a:r>
           </a:p>
           <a:p>
@@ -14277,7 +14281,6 @@
               <a:rPr lang="de-CH" dirty="0" smtClean="0"/>
               <a:t>)</a:t>
             </a:r>
-            <a:endParaRPr lang="de-CH" dirty="0" smtClean="0"/>
           </a:p>
           <a:p>
             <a:r>
@@ -14292,7 +14295,6 @@
               <a:rPr lang="de-CH" dirty="0" smtClean="0"/>
               <a:t>:</a:t>
             </a:r>
-            <a:endParaRPr lang="de-CH" dirty="0" smtClean="0"/>
           </a:p>
           <a:p>
             <a:pPr lvl="1"/>
@@ -14990,7 +14992,6 @@
               <a:rPr lang="de-CH" sz="1600" dirty="0" smtClean="0"/>
               <a:t>).</a:t>
             </a:r>
-            <a:endParaRPr lang="de-CH" sz="1600" dirty="0" smtClean="0"/>
           </a:p>
           <a:p>
             <a:pPr lvl="1"/>
@@ -15097,11 +15098,7 @@
           <a:p>
             <a:r>
               <a:rPr lang="de-CH" dirty="0" smtClean="0"/>
-              <a:t>-&gt; </a:t>
-            </a:r>
-            <a:r>
-              <a:rPr lang="de-CH" dirty="0" smtClean="0"/>
-              <a:t>SNF-Project </a:t>
+              <a:t>-&gt; SNF-Project </a:t>
             </a:r>
             <a:r>
               <a:rPr lang="de-CH" dirty="0"/>
@@ -15166,11 +15163,7 @@
             <a:pPr lvl="1"/>
             <a:r>
               <a:rPr lang="de-CH" dirty="0" smtClean="0"/>
-              <a:t>Time </a:t>
-            </a:r>
-            <a:r>
-              <a:rPr lang="de-CH" dirty="0" smtClean="0"/>
-              <a:t>Periode: 1991-2011</a:t>
+              <a:t>Time Periode: 1991-2011</a:t>
             </a:r>
           </a:p>
         </p:txBody>
@@ -15405,11 +15398,7 @@
             <a:pPr lvl="1"/>
             <a:r>
               <a:rPr lang="de-CH" dirty="0" smtClean="0"/>
-              <a:t>Time </a:t>
-            </a:r>
-            <a:r>
-              <a:rPr lang="de-CH" dirty="0" smtClean="0"/>
-              <a:t>Periode: 2006 - 2012</a:t>
+              <a:t>Time Periode: 2006 - 2012</a:t>
             </a:r>
             <a:endParaRPr lang="de-CH" dirty="0"/>
           </a:p>
@@ -16314,7 +16303,19 @@
           <a:p>
             <a:r>
               <a:rPr lang="en-US" dirty="0" smtClean="0"/>
-              <a:t>Decomposing within and between group inequality </a:t>
+              <a:t>Decomposing </a:t>
+            </a:r>
+            <a:r>
+              <a:rPr lang="en-US" dirty="0" smtClean="0"/>
+              <a:t>Overall inequality into within </a:t>
+            </a:r>
+            <a:r>
+              <a:rPr lang="en-US" dirty="0" smtClean="0"/>
+              <a:t>and between group </a:t>
+            </a:r>
+            <a:r>
+              <a:rPr lang="en-US" dirty="0" smtClean="0"/>
+              <a:t>components </a:t>
             </a:r>
             <a:r>
               <a:rPr lang="en-US" sz="1600" dirty="0" smtClean="0"/>
@@ -16326,7 +16327,11 @@
             </a:r>
             <a:r>
               <a:rPr lang="en-US" sz="1600" dirty="0" smtClean="0"/>
-              <a:t> &amp; </a:t>
+              <a:t> </a:t>
+            </a:r>
+            <a:r>
+              <a:rPr lang="en-US" sz="1600" dirty="0" smtClean="0"/>
+              <a:t>&amp; </a:t>
             </a:r>
             <a:r>
               <a:rPr lang="en-US" sz="1600" dirty="0" err="1" smtClean="0"/>
@@ -16340,8 +16345,8 @@
           </a:p>
         </p:txBody>
       </p:sp>
-      <mc:AlternateContent xmlns:mc="http://schemas.openxmlformats.org/markup-compatibility/2006">
-        <mc:Choice xmlns:a14="http://schemas.microsoft.com/office/drawing/2010/main" Requires="a14">
+      <mc:AlternateContent xmlns:mc="http://schemas.openxmlformats.org/markup-compatibility/2006" xmlns:a14="http://schemas.microsoft.com/office/drawing/2010/main">
+        <mc:Choice Requires="a14">
           <p:sp>
             <p:nvSpPr>
               <p:cNvPr id="4" name="Inhaltsplatzhalter 3"/>
@@ -16790,7 +16795,7 @@
             </p:txBody>
           </p:sp>
         </mc:Choice>
-        <mc:Fallback>
+        <mc:Fallback xmlns="">
           <p:sp>
             <p:nvSpPr>
               <p:cNvPr id="4" name="Inhaltsplatzhalter 3"/>
@@ -18410,21 +18415,6 @@
 </file>
 
 <file path=customXml/item1.xml><?xml version="1.0" encoding="utf-8"?>
-<p:properties xmlns:p="http://schemas.microsoft.com/office/2006/metadata/properties" xmlns:xsi="http://www.w3.org/2001/XMLSchema-instance">
-  <documentManagement/>
-</p:properties>
-</file>
-
-<file path=customXml/item2.xml><?xml version="1.0" encoding="utf-8"?>
-<?mso-contentType ?>
-<FormTemplates xmlns="http://schemas.microsoft.com/sharepoint/v3/contenttype/forms">
-  <Display>DocumentLibraryForm</Display>
-  <Edit>DocumentLibraryForm</Edit>
-  <New>DocumentLibraryForm</New>
-</FormTemplates>
-</file>
-
-<file path=customXml/item3.xml><?xml version="1.0" encoding="utf-8"?>
 <ct:contentTypeSchema xmlns:ct="http://schemas.microsoft.com/office/2006/metadata/contentType" xmlns:ma="http://schemas.microsoft.com/office/2006/metadata/properties/metaAttributes" ct:_="" ma:_="" ma:contentTypeName="Dokument" ma:contentTypeID="0x01010055129612D1B29A4693F2F62632063D6A" ma:contentTypeVersion="0" ma:contentTypeDescription="Ein neues Dokument erstellen." ma:contentTypeScope="" ma:versionID="fba8d20abbd965724d3439c9b926458f">
   <xsd:schema xmlns:xsd="http://www.w3.org/2001/XMLSchema" xmlns:xs="http://www.w3.org/2001/XMLSchema" xmlns:p="http://schemas.microsoft.com/office/2006/metadata/properties" targetNamespace="http://schemas.microsoft.com/office/2006/metadata/properties" ma:root="true" ma:fieldsID="246f02dd96380beb4f7cdcce14d77fd6">
     <xsd:element name="properties">
@@ -18538,17 +18528,33 @@
 </ct:contentTypeSchema>
 </file>
 
+<file path=customXml/item2.xml><?xml version="1.0" encoding="utf-8"?>
+<?mso-contentType ?>
+<FormTemplates xmlns="http://schemas.microsoft.com/sharepoint/v3/contenttype/forms">
+  <Display>DocumentLibraryForm</Display>
+  <Edit>DocumentLibraryForm</Edit>
+  <New>DocumentLibraryForm</New>
+</FormTemplates>
+</file>
+
+<file path=customXml/item3.xml><?xml version="1.0" encoding="utf-8"?>
+<p:properties xmlns:p="http://schemas.microsoft.com/office/2006/metadata/properties" xmlns:xsi="http://www.w3.org/2001/XMLSchema-instance">
+  <documentManagement/>
+</p:properties>
+</file>
+
 <file path=customXml/itemProps1.xml><?xml version="1.0" encoding="utf-8"?>
-<ds:datastoreItem xmlns:ds="http://schemas.openxmlformats.org/officeDocument/2006/customXml" ds:itemID="{B470C3CE-871E-471D-827D-756DC4BA1786}">
+<ds:datastoreItem xmlns:ds="http://schemas.openxmlformats.org/officeDocument/2006/customXml" ds:itemID="{581BF47C-2126-4B8C-8663-51154515DD2F}">
   <ds:schemaRefs>
-    <ds:schemaRef ds:uri="http://schemas.microsoft.com/office/2006/documentManagement/types"/>
-    <ds:schemaRef ds:uri="http://www.w3.org/XML/1998/namespace"/>
+    <ds:schemaRef ds:uri="http://schemas.microsoft.com/office/2006/metadata/contentType"/>
+    <ds:schemaRef ds:uri="http://schemas.microsoft.com/office/2006/metadata/properties/metaAttributes"/>
+    <ds:schemaRef ds:uri="http://www.w3.org/2001/XMLSchema"/>
     <ds:schemaRef ds:uri="http://schemas.microsoft.com/office/2006/metadata/properties"/>
+    <ds:schemaRef ds:uri="http://schemas.openxmlformats.org/package/2006/metadata/core-properties"/>
+    <ds:schemaRef ds:uri="http://purl.org/dc/elements/1.1/"/>
     <ds:schemaRef ds:uri="http://purl.org/dc/terms/"/>
-    <ds:schemaRef ds:uri="http://purl.org/dc/elements/1.1/"/>
-    <ds:schemaRef ds:uri="http://schemas.openxmlformats.org/package/2006/metadata/core-properties"/>
+    <ds:schemaRef ds:uri="http://schemas.microsoft.com/internal/obd"/>
     <ds:schemaRef ds:uri="http://schemas.microsoft.com/office/infopath/2007/PartnerControls"/>
-    <ds:schemaRef ds:uri="http://purl.org/dc/dcmitype/"/>
   </ds:schemaRefs>
 </ds:datastoreItem>
 </file>
@@ -18562,17 +18568,16 @@
 </file>
 
 <file path=customXml/itemProps3.xml><?xml version="1.0" encoding="utf-8"?>
-<ds:datastoreItem xmlns:ds="http://schemas.openxmlformats.org/officeDocument/2006/customXml" ds:itemID="{581BF47C-2126-4B8C-8663-51154515DD2F}">
+<ds:datastoreItem xmlns:ds="http://schemas.openxmlformats.org/officeDocument/2006/customXml" ds:itemID="{B470C3CE-871E-471D-827D-756DC4BA1786}">
   <ds:schemaRefs>
-    <ds:schemaRef ds:uri="http://schemas.microsoft.com/office/2006/metadata/contentType"/>
-    <ds:schemaRef ds:uri="http://schemas.microsoft.com/office/2006/metadata/properties/metaAttributes"/>
-    <ds:schemaRef ds:uri="http://www.w3.org/2001/XMLSchema"/>
+    <ds:schemaRef ds:uri="http://schemas.microsoft.com/office/2006/documentManagement/types"/>
+    <ds:schemaRef ds:uri="http://www.w3.org/XML/1998/namespace"/>
     <ds:schemaRef ds:uri="http://schemas.microsoft.com/office/2006/metadata/properties"/>
+    <ds:schemaRef ds:uri="http://purl.org/dc/terms/"/>
+    <ds:schemaRef ds:uri="http://purl.org/dc/elements/1.1/"/>
     <ds:schemaRef ds:uri="http://schemas.openxmlformats.org/package/2006/metadata/core-properties"/>
-    <ds:schemaRef ds:uri="http://purl.org/dc/elements/1.1/"/>
-    <ds:schemaRef ds:uri="http://purl.org/dc/terms/"/>
-    <ds:schemaRef ds:uri="http://schemas.microsoft.com/internal/obd"/>
     <ds:schemaRef ds:uri="http://schemas.microsoft.com/office/infopath/2007/PartnerControls"/>
+    <ds:schemaRef ds:uri="http://purl.org/dc/dcmitype/"/>
   </ds:schemaRefs>
 </ds:datastoreItem>
 </file>